--- a/trim_2/1_gestion_proyecto/2_levantamiento_informacion/DiapositivasPresentaciónproyecto.pptx
+++ b/trim_2/1_gestion_proyecto/2_levantamiento_informacion/DiapositivasPresentaciónproyecto.pptx
@@ -13,9 +13,8 @@
     <p:sldId id="262" r:id="rId7"/>
     <p:sldId id="263" r:id="rId8"/>
     <p:sldId id="265" r:id="rId9"/>
-    <p:sldId id="267" r:id="rId10"/>
-    <p:sldId id="269" r:id="rId11"/>
-    <p:sldId id="270" r:id="rId12"/>
+    <p:sldId id="269" r:id="rId10"/>
+    <p:sldId id="270" r:id="rId11"/>
   </p:sldIdLst>
   <p:sldSz cx="12192000" cy="6858000"/>
   <p:notesSz cx="12192000" cy="6858000"/>
@@ -272,7 +271,7 @@
           <a:p>
             <a:fld id="{1D8BD707-D9CF-40AE-B4C6-C98DA3205C09}" type="datetimeFigureOut">
               <a:rPr lang="en-US"/>
-              <a:t>3/6/2023</a:t>
+              <a:t>4/9/2023</a:t>
             </a:fld>
             <a:endParaRPr lang="en-US"/>
           </a:p>
@@ -447,7 +446,7 @@
           <a:p>
             <a:fld id="{1D8BD707-D9CF-40AE-B4C6-C98DA3205C09}" type="datetimeFigureOut">
               <a:rPr lang="en-US"/>
-              <a:t>3/6/2023</a:t>
+              <a:t>4/9/2023</a:t>
             </a:fld>
             <a:endParaRPr lang="en-US"/>
           </a:p>
@@ -661,7 +660,7 @@
           <a:p>
             <a:fld id="{1D8BD707-D9CF-40AE-B4C6-C98DA3205C09}" type="datetimeFigureOut">
               <a:rPr lang="en-US"/>
-              <a:t>3/6/2023</a:t>
+              <a:t>4/9/2023</a:t>
             </a:fld>
             <a:endParaRPr lang="en-US"/>
           </a:p>
@@ -846,7 +845,7 @@
           <a:p>
             <a:fld id="{1D8BD707-D9CF-40AE-B4C6-C98DA3205C09}" type="datetimeFigureOut">
               <a:rPr lang="en-US"/>
-              <a:t>3/6/2023</a:t>
+              <a:t>4/9/2023</a:t>
             </a:fld>
             <a:endParaRPr lang="en-US"/>
           </a:p>
@@ -1002,7 +1001,7 @@
           <a:p>
             <a:fld id="{1D8BD707-D9CF-40AE-B4C6-C98DA3205C09}" type="datetimeFigureOut">
               <a:rPr lang="en-US"/>
-              <a:t>3/6/2023</a:t>
+              <a:t>4/9/2023</a:t>
             </a:fld>
             <a:endParaRPr lang="en-US"/>
           </a:p>
@@ -1225,7 +1224,7 @@
           <a:p>
             <a:fld id="{1D8BD707-D9CF-40AE-B4C6-C98DA3205C09}" type="datetimeFigureOut">
               <a:rPr lang="en-US"/>
-              <a:t>3/6/2023</a:t>
+              <a:t>4/9/2023</a:t>
             </a:fld>
             <a:endParaRPr lang="en-US"/>
           </a:p>
@@ -1616,2176 +1615,6 @@
 </file>
 
 <file path=ppt/slides/slide10.xml><?xml version="1.0" encoding="utf-8"?>
-<p:sld xmlns:a="http://schemas.openxmlformats.org/drawingml/2006/main" xmlns:r="http://schemas.openxmlformats.org/officeDocument/2006/relationships" xmlns:p="http://schemas.openxmlformats.org/presentationml/2006/main" showMasterSp="0">
-  <p:cSld>
-    <p:spTree>
-      <p:nvGrpSpPr>
-        <p:cNvPr id="1" name=""/>
-        <p:cNvGrpSpPr/>
-        <p:nvPr/>
-      </p:nvGrpSpPr>
-      <p:grpSpPr>
-        <a:xfrm>
-          <a:off x="0" y="0"/>
-          <a:ext cx="0" cy="0"/>
-          <a:chOff x="0" y="0"/>
-          <a:chExt cx="0" cy="0"/>
-        </a:xfrm>
-      </p:grpSpPr>
-      <p:sp>
-        <p:nvSpPr>
-          <p:cNvPr id="2" name="object 2"/>
-          <p:cNvSpPr/>
-          <p:nvPr/>
-        </p:nvSpPr>
-        <p:spPr>
-          <a:xfrm>
-            <a:off x="0" y="0"/>
-            <a:ext cx="12191999" cy="1459440"/>
-          </a:xfrm>
-          <a:prstGeom prst="rect">
-            <a:avLst/>
-          </a:prstGeom>
-          <a:blipFill>
-            <a:blip r:embed="rId2" cstate="print"/>
-            <a:stretch>
-              <a:fillRect/>
-            </a:stretch>
-          </a:blipFill>
-        </p:spPr>
-        <p:txBody>
-          <a:bodyPr wrap="square" lIns="0" tIns="0" rIns="0" bIns="0" rtlCol="0"/>
-          <a:lstStyle/>
-          <a:p>
-            <a:endParaRPr/>
-          </a:p>
-        </p:txBody>
-      </p:sp>
-      <p:sp>
-        <p:nvSpPr>
-          <p:cNvPr id="3" name="object 3"/>
-          <p:cNvSpPr txBox="1">
-            <a:spLocks noGrp="1"/>
-          </p:cNvSpPr>
-          <p:nvPr>
-            <p:ph type="title"/>
-          </p:nvPr>
-        </p:nvSpPr>
-        <p:spPr>
-          <a:xfrm>
-            <a:off x="534923" y="253238"/>
-            <a:ext cx="6443345" cy="951865"/>
-          </a:xfrm>
-          <a:prstGeom prst="rect">
-            <a:avLst/>
-          </a:prstGeom>
-        </p:spPr>
-        <p:txBody>
-          <a:bodyPr vert="horz" wrap="square" lIns="0" tIns="67310" rIns="0" bIns="0" rtlCol="0">
-            <a:spAutoFit/>
-          </a:bodyPr>
-          <a:lstStyle/>
-          <a:p>
-            <a:pPr marL="12700" marR="5080">
-              <a:lnSpc>
-                <a:spcPts val="3460"/>
-              </a:lnSpc>
-              <a:spcBef>
-                <a:spcPts val="530"/>
-              </a:spcBef>
-            </a:pPr>
-            <a:r>
-              <a:rPr sz="3200" spc="165" dirty="0"/>
-              <a:t>Entregables </a:t>
-            </a:r>
-            <a:r>
-              <a:rPr sz="3200" spc="150" dirty="0"/>
-              <a:t>Proyecto</a:t>
-            </a:r>
-            <a:r>
-              <a:rPr sz="3200" spc="20" dirty="0"/>
-              <a:t> </a:t>
-            </a:r>
-            <a:r>
-              <a:rPr sz="3200" spc="160" dirty="0"/>
-              <a:t>Formativo  </a:t>
-            </a:r>
-            <a:r>
-              <a:rPr sz="3200" spc="165" dirty="0"/>
-              <a:t>por</a:t>
-            </a:r>
-            <a:r>
-              <a:rPr sz="3200" spc="75" dirty="0"/>
-              <a:t> </a:t>
-            </a:r>
-            <a:r>
-              <a:rPr sz="3200" spc="145" dirty="0"/>
-              <a:t>Trimestre</a:t>
-            </a:r>
-            <a:endParaRPr sz="3200"/>
-          </a:p>
-        </p:txBody>
-      </p:sp>
-      <p:sp>
-        <p:nvSpPr>
-          <p:cNvPr id="8" name="object 8"/>
-          <p:cNvSpPr txBox="1"/>
-          <p:nvPr/>
-        </p:nvSpPr>
-        <p:spPr>
-          <a:xfrm>
-            <a:off x="1445005" y="1905762"/>
-            <a:ext cx="2848610" cy="2159000"/>
-          </a:xfrm>
-          <a:prstGeom prst="rect">
-            <a:avLst/>
-          </a:prstGeom>
-        </p:spPr>
-        <p:txBody>
-          <a:bodyPr vert="horz" wrap="square" lIns="0" tIns="12065" rIns="0" bIns="0" rtlCol="0">
-            <a:spAutoFit/>
-          </a:bodyPr>
-          <a:lstStyle/>
-          <a:p>
-            <a:pPr marL="184150" indent="-171450">
-              <a:lnSpc>
-                <a:spcPct val="100000"/>
-              </a:lnSpc>
-              <a:spcBef>
-                <a:spcPts val="95"/>
-              </a:spcBef>
-              <a:buFont typeface="Arial"/>
-              <a:buChar char="•"/>
-              <a:tabLst>
-                <a:tab pos="184150" algn="l"/>
-              </a:tabLst>
-            </a:pPr>
-            <a:r>
-              <a:rPr sz="1400" spc="25" dirty="0">
-                <a:latin typeface="Trebuchet MS"/>
-                <a:cs typeface="Trebuchet MS"/>
-              </a:rPr>
-              <a:t>Plan </a:t>
-            </a:r>
-            <a:r>
-              <a:rPr sz="1400" spc="40" dirty="0">
-                <a:latin typeface="Trebuchet MS"/>
-                <a:cs typeface="Trebuchet MS"/>
-              </a:rPr>
-              <a:t>de</a:t>
-            </a:r>
-            <a:r>
-              <a:rPr sz="1400" spc="-5" dirty="0">
-                <a:latin typeface="Trebuchet MS"/>
-                <a:cs typeface="Trebuchet MS"/>
-              </a:rPr>
-              <a:t> </a:t>
-            </a:r>
-            <a:r>
-              <a:rPr sz="1400" spc="25" dirty="0">
-                <a:latin typeface="Trebuchet MS"/>
-                <a:cs typeface="Trebuchet MS"/>
-              </a:rPr>
-              <a:t>Proyecto</a:t>
-            </a:r>
-            <a:endParaRPr sz="1400">
-              <a:latin typeface="Trebuchet MS"/>
-              <a:cs typeface="Trebuchet MS"/>
-            </a:endParaRPr>
-          </a:p>
-          <a:p>
-            <a:pPr marL="184150" indent="-171450">
-              <a:lnSpc>
-                <a:spcPct val="100000"/>
-              </a:lnSpc>
-              <a:buFont typeface="Arial"/>
-              <a:buChar char="•"/>
-              <a:tabLst>
-                <a:tab pos="184150" algn="l"/>
-              </a:tabLst>
-            </a:pPr>
-            <a:r>
-              <a:rPr sz="1400" spc="30" dirty="0">
-                <a:latin typeface="Trebuchet MS"/>
-                <a:cs typeface="Trebuchet MS"/>
-              </a:rPr>
-              <a:t>Levantamiento </a:t>
-            </a:r>
-            <a:r>
-              <a:rPr sz="1400" spc="40" dirty="0">
-                <a:latin typeface="Trebuchet MS"/>
-                <a:cs typeface="Trebuchet MS"/>
-              </a:rPr>
-              <a:t>de</a:t>
-            </a:r>
-            <a:r>
-              <a:rPr sz="1400" spc="-10" dirty="0">
-                <a:latin typeface="Trebuchet MS"/>
-                <a:cs typeface="Trebuchet MS"/>
-              </a:rPr>
-              <a:t> </a:t>
-            </a:r>
-            <a:r>
-              <a:rPr sz="1400" spc="35" dirty="0">
-                <a:latin typeface="Trebuchet MS"/>
-                <a:cs typeface="Trebuchet MS"/>
-              </a:rPr>
-              <a:t>Información</a:t>
-            </a:r>
-            <a:endParaRPr sz="1400">
-              <a:latin typeface="Trebuchet MS"/>
-              <a:cs typeface="Trebuchet MS"/>
-            </a:endParaRPr>
-          </a:p>
-          <a:p>
-            <a:pPr marL="184150" indent="-171450">
-              <a:lnSpc>
-                <a:spcPct val="100000"/>
-              </a:lnSpc>
-              <a:spcBef>
-                <a:spcPts val="5"/>
-              </a:spcBef>
-              <a:buFont typeface="Arial"/>
-              <a:buChar char="•"/>
-              <a:tabLst>
-                <a:tab pos="184150" algn="l"/>
-              </a:tabLst>
-            </a:pPr>
-            <a:r>
-              <a:rPr sz="1400" spc="35" dirty="0">
-                <a:latin typeface="Trebuchet MS"/>
-                <a:cs typeface="Trebuchet MS"/>
-              </a:rPr>
-              <a:t>Diagrama </a:t>
-            </a:r>
-            <a:r>
-              <a:rPr sz="1400" spc="40" dirty="0">
-                <a:latin typeface="Trebuchet MS"/>
-                <a:cs typeface="Trebuchet MS"/>
-              </a:rPr>
-              <a:t>de</a:t>
-            </a:r>
-            <a:r>
-              <a:rPr sz="1400" spc="10" dirty="0">
-                <a:latin typeface="Trebuchet MS"/>
-                <a:cs typeface="Trebuchet MS"/>
-              </a:rPr>
-              <a:t> </a:t>
-            </a:r>
-            <a:r>
-              <a:rPr sz="1400" spc="60" dirty="0">
-                <a:latin typeface="Trebuchet MS"/>
-                <a:cs typeface="Trebuchet MS"/>
-              </a:rPr>
-              <a:t>Procesos</a:t>
-            </a:r>
-            <a:endParaRPr sz="1400">
-              <a:latin typeface="Trebuchet MS"/>
-              <a:cs typeface="Trebuchet MS"/>
-            </a:endParaRPr>
-          </a:p>
-          <a:p>
-            <a:pPr marL="184150" indent="-171450">
-              <a:lnSpc>
-                <a:spcPct val="100000"/>
-              </a:lnSpc>
-              <a:buFont typeface="Arial"/>
-              <a:buChar char="•"/>
-              <a:tabLst>
-                <a:tab pos="184150" algn="l"/>
-              </a:tabLst>
-            </a:pPr>
-            <a:r>
-              <a:rPr sz="1400" spc="80" dirty="0">
-                <a:latin typeface="Trebuchet MS"/>
-                <a:cs typeface="Trebuchet MS"/>
-              </a:rPr>
-              <a:t>IEEE-830 </a:t>
-            </a:r>
-            <a:r>
-              <a:rPr sz="1400" spc="65" dirty="0">
-                <a:latin typeface="Trebuchet MS"/>
-                <a:cs typeface="Trebuchet MS"/>
-              </a:rPr>
-              <a:t>o </a:t>
-            </a:r>
-            <a:r>
-              <a:rPr sz="1400" spc="25" dirty="0">
-                <a:latin typeface="Trebuchet MS"/>
-                <a:cs typeface="Trebuchet MS"/>
-              </a:rPr>
-              <a:t>Historias </a:t>
-            </a:r>
-            <a:r>
-              <a:rPr sz="1400" spc="40" dirty="0">
-                <a:latin typeface="Trebuchet MS"/>
-                <a:cs typeface="Trebuchet MS"/>
-              </a:rPr>
-              <a:t>de</a:t>
-            </a:r>
-            <a:r>
-              <a:rPr sz="1400" spc="-100" dirty="0">
-                <a:latin typeface="Trebuchet MS"/>
-                <a:cs typeface="Trebuchet MS"/>
-              </a:rPr>
-              <a:t> </a:t>
-            </a:r>
-            <a:r>
-              <a:rPr sz="1400" spc="35" dirty="0">
-                <a:latin typeface="Trebuchet MS"/>
-                <a:cs typeface="Trebuchet MS"/>
-              </a:rPr>
-              <a:t>Usuario</a:t>
-            </a:r>
-            <a:endParaRPr sz="1400">
-              <a:latin typeface="Trebuchet MS"/>
-              <a:cs typeface="Trebuchet MS"/>
-            </a:endParaRPr>
-          </a:p>
-          <a:p>
-            <a:pPr marL="184150" indent="-171450">
-              <a:lnSpc>
-                <a:spcPct val="100000"/>
-              </a:lnSpc>
-              <a:buFont typeface="Arial"/>
-              <a:buChar char="•"/>
-              <a:tabLst>
-                <a:tab pos="184150" algn="l"/>
-              </a:tabLst>
-            </a:pPr>
-            <a:r>
-              <a:rPr sz="1400" spc="35" dirty="0">
-                <a:latin typeface="Trebuchet MS"/>
-                <a:cs typeface="Trebuchet MS"/>
-              </a:rPr>
-              <a:t>Diagrama </a:t>
-            </a:r>
-            <a:r>
-              <a:rPr sz="1400" spc="90" dirty="0">
-                <a:latin typeface="Trebuchet MS"/>
-                <a:cs typeface="Trebuchet MS"/>
-              </a:rPr>
-              <a:t>Casos </a:t>
-            </a:r>
-            <a:r>
-              <a:rPr sz="1400" spc="40" dirty="0">
-                <a:latin typeface="Trebuchet MS"/>
-                <a:cs typeface="Trebuchet MS"/>
-              </a:rPr>
-              <a:t>de</a:t>
-            </a:r>
-            <a:r>
-              <a:rPr sz="1400" spc="-60" dirty="0">
-                <a:latin typeface="Trebuchet MS"/>
-                <a:cs typeface="Trebuchet MS"/>
-              </a:rPr>
-              <a:t> </a:t>
-            </a:r>
-            <a:r>
-              <a:rPr sz="1400" spc="85" dirty="0">
-                <a:latin typeface="Trebuchet MS"/>
-                <a:cs typeface="Trebuchet MS"/>
-              </a:rPr>
-              <a:t>Uso</a:t>
-            </a:r>
-            <a:endParaRPr sz="1400">
-              <a:latin typeface="Trebuchet MS"/>
-              <a:cs typeface="Trebuchet MS"/>
-            </a:endParaRPr>
-          </a:p>
-          <a:p>
-            <a:pPr marL="184150" indent="-171450">
-              <a:lnSpc>
-                <a:spcPct val="100000"/>
-              </a:lnSpc>
-              <a:buFont typeface="Arial"/>
-              <a:buChar char="•"/>
-              <a:tabLst>
-                <a:tab pos="184150" algn="l"/>
-              </a:tabLst>
-            </a:pPr>
-            <a:r>
-              <a:rPr sz="1400" spc="90" dirty="0">
-                <a:latin typeface="Trebuchet MS"/>
-                <a:cs typeface="Trebuchet MS"/>
-              </a:rPr>
-              <a:t>Casos </a:t>
-            </a:r>
-            <a:r>
-              <a:rPr sz="1400" spc="40" dirty="0">
-                <a:latin typeface="Trebuchet MS"/>
-                <a:cs typeface="Trebuchet MS"/>
-              </a:rPr>
-              <a:t>de </a:t>
-            </a:r>
-            <a:r>
-              <a:rPr sz="1400" spc="85" dirty="0">
-                <a:latin typeface="Trebuchet MS"/>
-                <a:cs typeface="Trebuchet MS"/>
-              </a:rPr>
-              <a:t>Uso</a:t>
-            </a:r>
-            <a:r>
-              <a:rPr sz="1400" spc="-65" dirty="0">
-                <a:latin typeface="Trebuchet MS"/>
-                <a:cs typeface="Trebuchet MS"/>
-              </a:rPr>
-              <a:t> </a:t>
-            </a:r>
-            <a:r>
-              <a:rPr sz="1400" spc="30" dirty="0">
-                <a:latin typeface="Trebuchet MS"/>
-                <a:cs typeface="Trebuchet MS"/>
-              </a:rPr>
-              <a:t>Extendido</a:t>
-            </a:r>
-            <a:endParaRPr sz="1400">
-              <a:latin typeface="Trebuchet MS"/>
-              <a:cs typeface="Trebuchet MS"/>
-            </a:endParaRPr>
-          </a:p>
-          <a:p>
-            <a:pPr marL="184150" indent="-171450">
-              <a:lnSpc>
-                <a:spcPct val="100000"/>
-              </a:lnSpc>
-              <a:buFont typeface="Arial"/>
-              <a:buChar char="•"/>
-              <a:tabLst>
-                <a:tab pos="184150" algn="l"/>
-              </a:tabLst>
-            </a:pPr>
-            <a:r>
-              <a:rPr sz="1400" spc="35" dirty="0">
-                <a:latin typeface="Trebuchet MS"/>
-                <a:cs typeface="Trebuchet MS"/>
-              </a:rPr>
-              <a:t>Diagrama </a:t>
-            </a:r>
-            <a:r>
-              <a:rPr sz="1400" spc="40" dirty="0">
-                <a:latin typeface="Trebuchet MS"/>
-                <a:cs typeface="Trebuchet MS"/>
-              </a:rPr>
-              <a:t>de</a:t>
-            </a:r>
-            <a:r>
-              <a:rPr sz="1400" spc="10" dirty="0">
-                <a:latin typeface="Trebuchet MS"/>
-                <a:cs typeface="Trebuchet MS"/>
-              </a:rPr>
-              <a:t> </a:t>
-            </a:r>
-            <a:r>
-              <a:rPr sz="1400" spc="60" dirty="0">
-                <a:latin typeface="Trebuchet MS"/>
-                <a:cs typeface="Trebuchet MS"/>
-              </a:rPr>
-              <a:t>Clases</a:t>
-            </a:r>
-            <a:endParaRPr sz="1400">
-              <a:latin typeface="Trebuchet MS"/>
-              <a:cs typeface="Trebuchet MS"/>
-            </a:endParaRPr>
-          </a:p>
-          <a:p>
-            <a:pPr marL="184150" indent="-171450">
-              <a:lnSpc>
-                <a:spcPct val="100000"/>
-              </a:lnSpc>
-              <a:buFont typeface="Arial"/>
-              <a:buChar char="•"/>
-              <a:tabLst>
-                <a:tab pos="184150" algn="l"/>
-              </a:tabLst>
-            </a:pPr>
-            <a:r>
-              <a:rPr sz="1400" spc="15" dirty="0">
-                <a:latin typeface="Trebuchet MS"/>
-                <a:cs typeface="Trebuchet MS"/>
-              </a:rPr>
-              <a:t>Prototipo </a:t>
-            </a:r>
-            <a:r>
-              <a:rPr sz="1400" spc="85" dirty="0">
-                <a:latin typeface="Trebuchet MS"/>
-                <a:cs typeface="Trebuchet MS"/>
-              </a:rPr>
-              <a:t>No</a:t>
-            </a:r>
-            <a:r>
-              <a:rPr sz="1400" spc="30" dirty="0">
-                <a:latin typeface="Trebuchet MS"/>
-                <a:cs typeface="Trebuchet MS"/>
-              </a:rPr>
-              <a:t> </a:t>
-            </a:r>
-            <a:r>
-              <a:rPr sz="1400" spc="35" dirty="0">
-                <a:latin typeface="Trebuchet MS"/>
-                <a:cs typeface="Trebuchet MS"/>
-              </a:rPr>
-              <a:t>Funcional</a:t>
-            </a:r>
-            <a:endParaRPr sz="1400">
-              <a:latin typeface="Trebuchet MS"/>
-              <a:cs typeface="Trebuchet MS"/>
-            </a:endParaRPr>
-          </a:p>
-          <a:p>
-            <a:pPr marL="184150" indent="-171450">
-              <a:lnSpc>
-                <a:spcPct val="100000"/>
-              </a:lnSpc>
-              <a:buFont typeface="Arial"/>
-              <a:buChar char="•"/>
-              <a:tabLst>
-                <a:tab pos="184150" algn="l"/>
-              </a:tabLst>
-            </a:pPr>
-            <a:r>
-              <a:rPr sz="1400" spc="25" dirty="0">
-                <a:latin typeface="Trebuchet MS"/>
-                <a:cs typeface="Trebuchet MS"/>
-              </a:rPr>
-              <a:t>Patrón </a:t>
-            </a:r>
-            <a:r>
-              <a:rPr sz="1400" spc="40" dirty="0">
-                <a:latin typeface="Trebuchet MS"/>
-                <a:cs typeface="Trebuchet MS"/>
-              </a:rPr>
-              <a:t>de</a:t>
-            </a:r>
-            <a:r>
-              <a:rPr sz="1400" spc="-5" dirty="0">
-                <a:latin typeface="Trebuchet MS"/>
-                <a:cs typeface="Trebuchet MS"/>
-              </a:rPr>
-              <a:t> </a:t>
-            </a:r>
-            <a:r>
-              <a:rPr sz="1400" spc="55" dirty="0">
-                <a:latin typeface="Trebuchet MS"/>
-                <a:cs typeface="Trebuchet MS"/>
-              </a:rPr>
-              <a:t>Diseño</a:t>
-            </a:r>
-            <a:endParaRPr sz="1400">
-              <a:latin typeface="Trebuchet MS"/>
-              <a:cs typeface="Trebuchet MS"/>
-            </a:endParaRPr>
-          </a:p>
-          <a:p>
-            <a:pPr marL="184150" indent="-171450">
-              <a:lnSpc>
-                <a:spcPct val="100000"/>
-              </a:lnSpc>
-              <a:buFont typeface="Arial"/>
-              <a:buChar char="•"/>
-              <a:tabLst>
-                <a:tab pos="184150" algn="l"/>
-              </a:tabLst>
-            </a:pPr>
-            <a:r>
-              <a:rPr sz="1400" spc="30" dirty="0">
-                <a:latin typeface="Trebuchet MS"/>
-                <a:cs typeface="Trebuchet MS"/>
-              </a:rPr>
-              <a:t>Entregables</a:t>
-            </a:r>
-            <a:endParaRPr sz="1400">
-              <a:latin typeface="Trebuchet MS"/>
-              <a:cs typeface="Trebuchet MS"/>
-            </a:endParaRPr>
-          </a:p>
-        </p:txBody>
-      </p:sp>
-      <p:sp>
-        <p:nvSpPr>
-          <p:cNvPr id="9" name="object 9"/>
-          <p:cNvSpPr/>
-          <p:nvPr/>
-        </p:nvSpPr>
-        <p:spPr>
-          <a:xfrm>
-            <a:off x="1224533" y="1796795"/>
-            <a:ext cx="971550" cy="45720"/>
-          </a:xfrm>
-          <a:custGeom>
-            <a:avLst/>
-            <a:gdLst/>
-            <a:ahLst/>
-            <a:cxnLst/>
-            <a:rect l="l" t="t" r="r" b="b"/>
-            <a:pathLst>
-              <a:path w="971550" h="45719">
-                <a:moveTo>
-                  <a:pt x="971550" y="0"/>
-                </a:moveTo>
-                <a:lnTo>
-                  <a:pt x="0" y="0"/>
-                </a:lnTo>
-                <a:lnTo>
-                  <a:pt x="0" y="45720"/>
-                </a:lnTo>
-                <a:lnTo>
-                  <a:pt x="971550" y="45720"/>
-                </a:lnTo>
-                <a:lnTo>
-                  <a:pt x="971550" y="0"/>
-                </a:lnTo>
-                <a:close/>
-              </a:path>
-            </a:pathLst>
-          </a:custGeom>
-          <a:solidFill>
-            <a:srgbClr val="D9D9D9"/>
-          </a:solidFill>
-        </p:spPr>
-        <p:txBody>
-          <a:bodyPr wrap="square" lIns="0" tIns="0" rIns="0" bIns="0" rtlCol="0"/>
-          <a:lstStyle/>
-          <a:p>
-            <a:endParaRPr/>
-          </a:p>
-        </p:txBody>
-      </p:sp>
-      <p:sp>
-        <p:nvSpPr>
-          <p:cNvPr id="10" name="object 10"/>
-          <p:cNvSpPr txBox="1"/>
-          <p:nvPr/>
-        </p:nvSpPr>
-        <p:spPr>
-          <a:xfrm>
-            <a:off x="1190497" y="1488947"/>
-            <a:ext cx="1814195" cy="299720"/>
-          </a:xfrm>
-          <a:prstGeom prst="rect">
-            <a:avLst/>
-          </a:prstGeom>
-        </p:spPr>
-        <p:txBody>
-          <a:bodyPr vert="horz" wrap="square" lIns="0" tIns="12700" rIns="0" bIns="0" rtlCol="0">
-            <a:spAutoFit/>
-          </a:bodyPr>
-          <a:lstStyle/>
-          <a:p>
-            <a:pPr marL="12700">
-              <a:lnSpc>
-                <a:spcPct val="100000"/>
-              </a:lnSpc>
-              <a:spcBef>
-                <a:spcPts val="100"/>
-              </a:spcBef>
-            </a:pPr>
-            <a:r>
-              <a:rPr sz="1800" spc="15" dirty="0">
-                <a:solidFill>
-                  <a:srgbClr val="38AA00"/>
-                </a:solidFill>
-                <a:latin typeface="Trebuchet MS"/>
-                <a:cs typeface="Trebuchet MS"/>
-              </a:rPr>
-              <a:t>Primer</a:t>
-            </a:r>
-            <a:r>
-              <a:rPr sz="1800" spc="-55" dirty="0">
-                <a:solidFill>
-                  <a:srgbClr val="38AA00"/>
-                </a:solidFill>
-                <a:latin typeface="Trebuchet MS"/>
-                <a:cs typeface="Trebuchet MS"/>
-              </a:rPr>
-              <a:t> </a:t>
-            </a:r>
-            <a:r>
-              <a:rPr sz="1800" spc="15" dirty="0">
-                <a:solidFill>
-                  <a:srgbClr val="38AA00"/>
-                </a:solidFill>
-                <a:latin typeface="Trebuchet MS"/>
-                <a:cs typeface="Trebuchet MS"/>
-              </a:rPr>
-              <a:t>Trimestre</a:t>
-            </a:r>
-            <a:endParaRPr sz="1800">
-              <a:latin typeface="Trebuchet MS"/>
-              <a:cs typeface="Trebuchet MS"/>
-            </a:endParaRPr>
-          </a:p>
-        </p:txBody>
-      </p:sp>
-      <p:sp>
-        <p:nvSpPr>
-          <p:cNvPr id="11" name="object 11"/>
-          <p:cNvSpPr txBox="1"/>
-          <p:nvPr/>
-        </p:nvSpPr>
-        <p:spPr>
-          <a:xfrm>
-            <a:off x="1445005" y="4627626"/>
-            <a:ext cx="3378200" cy="1945639"/>
-          </a:xfrm>
-          <a:prstGeom prst="rect">
-            <a:avLst/>
-          </a:prstGeom>
-        </p:spPr>
-        <p:txBody>
-          <a:bodyPr vert="horz" wrap="square" lIns="0" tIns="12065" rIns="0" bIns="0" rtlCol="0">
-            <a:spAutoFit/>
-          </a:bodyPr>
-          <a:lstStyle/>
-          <a:p>
-            <a:pPr marL="298450" indent="-285750">
-              <a:lnSpc>
-                <a:spcPct val="100000"/>
-              </a:lnSpc>
-              <a:spcBef>
-                <a:spcPts val="95"/>
-              </a:spcBef>
-              <a:buFont typeface="Arial"/>
-              <a:buChar char="•"/>
-              <a:tabLst>
-                <a:tab pos="297815" algn="l"/>
-                <a:tab pos="298450" algn="l"/>
-              </a:tabLst>
-            </a:pPr>
-            <a:r>
-              <a:rPr sz="1400" spc="55" dirty="0">
-                <a:latin typeface="Trebuchet MS"/>
-                <a:cs typeface="Trebuchet MS"/>
-              </a:rPr>
-              <a:t>Modelo </a:t>
-            </a:r>
-            <a:r>
-              <a:rPr sz="1400" spc="30" dirty="0">
-                <a:latin typeface="Trebuchet MS"/>
-                <a:cs typeface="Trebuchet MS"/>
-              </a:rPr>
-              <a:t>Entidad</a:t>
-            </a:r>
-            <a:r>
-              <a:rPr sz="1400" spc="-10" dirty="0">
-                <a:latin typeface="Trebuchet MS"/>
-                <a:cs typeface="Trebuchet MS"/>
-              </a:rPr>
-              <a:t> </a:t>
-            </a:r>
-            <a:r>
-              <a:rPr sz="1400" spc="25" dirty="0">
-                <a:latin typeface="Trebuchet MS"/>
-                <a:cs typeface="Trebuchet MS"/>
-              </a:rPr>
-              <a:t>Relación</a:t>
-            </a:r>
-            <a:endParaRPr sz="1400">
-              <a:latin typeface="Trebuchet MS"/>
-              <a:cs typeface="Trebuchet MS"/>
-            </a:endParaRPr>
-          </a:p>
-          <a:p>
-            <a:pPr marL="298450" indent="-285750">
-              <a:lnSpc>
-                <a:spcPct val="100000"/>
-              </a:lnSpc>
-              <a:buFont typeface="Arial"/>
-              <a:buChar char="•"/>
-              <a:tabLst>
-                <a:tab pos="297815" algn="l"/>
-                <a:tab pos="298450" algn="l"/>
-              </a:tabLst>
-            </a:pPr>
-            <a:r>
-              <a:rPr sz="1400" spc="55" dirty="0">
-                <a:latin typeface="Trebuchet MS"/>
-                <a:cs typeface="Trebuchet MS"/>
-              </a:rPr>
-              <a:t>Modelo</a:t>
-            </a:r>
-            <a:r>
-              <a:rPr sz="1400" spc="25" dirty="0">
-                <a:latin typeface="Trebuchet MS"/>
-                <a:cs typeface="Trebuchet MS"/>
-              </a:rPr>
-              <a:t> </a:t>
-            </a:r>
-            <a:r>
-              <a:rPr sz="1400" spc="20" dirty="0">
-                <a:latin typeface="Trebuchet MS"/>
-                <a:cs typeface="Trebuchet MS"/>
-              </a:rPr>
-              <a:t>Relacional</a:t>
-            </a:r>
-            <a:endParaRPr sz="1400">
-              <a:latin typeface="Trebuchet MS"/>
-              <a:cs typeface="Trebuchet MS"/>
-            </a:endParaRPr>
-          </a:p>
-          <a:p>
-            <a:pPr marL="298450" indent="-285750">
-              <a:lnSpc>
-                <a:spcPct val="100000"/>
-              </a:lnSpc>
-              <a:buFont typeface="Arial"/>
-              <a:buChar char="•"/>
-              <a:tabLst>
-                <a:tab pos="297815" algn="l"/>
-                <a:tab pos="298450" algn="l"/>
-              </a:tabLst>
-            </a:pPr>
-            <a:r>
-              <a:rPr sz="1400" spc="20" dirty="0">
-                <a:latin typeface="Trebuchet MS"/>
-                <a:cs typeface="Trebuchet MS"/>
-              </a:rPr>
-              <a:t>Diccionario </a:t>
-            </a:r>
-            <a:r>
-              <a:rPr sz="1400" spc="40" dirty="0">
-                <a:latin typeface="Trebuchet MS"/>
-                <a:cs typeface="Trebuchet MS"/>
-              </a:rPr>
-              <a:t>de</a:t>
-            </a:r>
-            <a:r>
-              <a:rPr sz="1400" spc="30" dirty="0">
-                <a:latin typeface="Trebuchet MS"/>
-                <a:cs typeface="Trebuchet MS"/>
-              </a:rPr>
-              <a:t> </a:t>
-            </a:r>
-            <a:r>
-              <a:rPr sz="1400" spc="65" dirty="0">
-                <a:latin typeface="Trebuchet MS"/>
-                <a:cs typeface="Trebuchet MS"/>
-              </a:rPr>
-              <a:t>Datos</a:t>
-            </a:r>
-            <a:endParaRPr sz="1400">
-              <a:latin typeface="Trebuchet MS"/>
-              <a:cs typeface="Trebuchet MS"/>
-            </a:endParaRPr>
-          </a:p>
-          <a:p>
-            <a:pPr marL="298450" indent="-285750">
-              <a:lnSpc>
-                <a:spcPct val="100000"/>
-              </a:lnSpc>
-              <a:buFont typeface="Arial"/>
-              <a:buChar char="•"/>
-              <a:tabLst>
-                <a:tab pos="297815" algn="l"/>
-                <a:tab pos="298450" algn="l"/>
-              </a:tabLst>
-            </a:pPr>
-            <a:r>
-              <a:rPr sz="1400" spc="30" dirty="0">
-                <a:latin typeface="Trebuchet MS"/>
-                <a:cs typeface="Trebuchet MS"/>
-              </a:rPr>
-              <a:t>Script </a:t>
-            </a:r>
-            <a:r>
-              <a:rPr sz="1400" spc="40" dirty="0">
-                <a:latin typeface="Trebuchet MS"/>
-                <a:cs typeface="Trebuchet MS"/>
-              </a:rPr>
-              <a:t>de </a:t>
-            </a:r>
-            <a:r>
-              <a:rPr sz="1400" spc="-5" dirty="0">
-                <a:latin typeface="Trebuchet MS"/>
-                <a:cs typeface="Trebuchet MS"/>
-              </a:rPr>
-              <a:t>la</a:t>
-            </a:r>
-            <a:r>
-              <a:rPr sz="1400" spc="-30" dirty="0">
-                <a:latin typeface="Trebuchet MS"/>
-                <a:cs typeface="Trebuchet MS"/>
-              </a:rPr>
-              <a:t> </a:t>
-            </a:r>
-            <a:r>
-              <a:rPr sz="1400" spc="105" dirty="0">
-                <a:latin typeface="Trebuchet MS"/>
-                <a:cs typeface="Trebuchet MS"/>
-              </a:rPr>
-              <a:t>BBDD</a:t>
-            </a:r>
-            <a:endParaRPr sz="1400">
-              <a:latin typeface="Trebuchet MS"/>
-              <a:cs typeface="Trebuchet MS"/>
-            </a:endParaRPr>
-          </a:p>
-          <a:p>
-            <a:pPr marL="298450" indent="-285750">
-              <a:lnSpc>
-                <a:spcPct val="100000"/>
-              </a:lnSpc>
-              <a:buFont typeface="Arial"/>
-              <a:buChar char="•"/>
-              <a:tabLst>
-                <a:tab pos="297815" algn="l"/>
-                <a:tab pos="298450" algn="l"/>
-              </a:tabLst>
-            </a:pPr>
-            <a:r>
-              <a:rPr sz="1400" spc="45" dirty="0">
-                <a:latin typeface="Trebuchet MS"/>
-                <a:cs typeface="Trebuchet MS"/>
-              </a:rPr>
-              <a:t>Sentencias</a:t>
-            </a:r>
-            <a:r>
-              <a:rPr sz="1400" spc="15" dirty="0">
-                <a:latin typeface="Trebuchet MS"/>
-                <a:cs typeface="Trebuchet MS"/>
-              </a:rPr>
-              <a:t> </a:t>
-            </a:r>
-            <a:r>
-              <a:rPr sz="1400" spc="110" dirty="0">
-                <a:latin typeface="Trebuchet MS"/>
-                <a:cs typeface="Trebuchet MS"/>
-              </a:rPr>
-              <a:t>DDL</a:t>
-            </a:r>
-            <a:endParaRPr sz="1400">
-              <a:latin typeface="Trebuchet MS"/>
-              <a:cs typeface="Trebuchet MS"/>
-            </a:endParaRPr>
-          </a:p>
-          <a:p>
-            <a:pPr marL="298450" indent="-285750">
-              <a:lnSpc>
-                <a:spcPct val="100000"/>
-              </a:lnSpc>
-              <a:buFont typeface="Arial"/>
-              <a:buChar char="•"/>
-              <a:tabLst>
-                <a:tab pos="297815" algn="l"/>
-                <a:tab pos="298450" algn="l"/>
-              </a:tabLst>
-            </a:pPr>
-            <a:r>
-              <a:rPr sz="1400" spc="60" dirty="0">
-                <a:latin typeface="Trebuchet MS"/>
-                <a:cs typeface="Trebuchet MS"/>
-              </a:rPr>
-              <a:t>Consultas</a:t>
-            </a:r>
-            <a:r>
-              <a:rPr sz="1400" spc="30" dirty="0">
-                <a:latin typeface="Trebuchet MS"/>
-                <a:cs typeface="Trebuchet MS"/>
-              </a:rPr>
-              <a:t> </a:t>
-            </a:r>
-            <a:r>
-              <a:rPr sz="1400" spc="120" dirty="0">
-                <a:latin typeface="Trebuchet MS"/>
-                <a:cs typeface="Trebuchet MS"/>
-              </a:rPr>
-              <a:t>DML</a:t>
-            </a:r>
-            <a:endParaRPr sz="1400">
-              <a:latin typeface="Trebuchet MS"/>
-              <a:cs typeface="Trebuchet MS"/>
-            </a:endParaRPr>
-          </a:p>
-          <a:p>
-            <a:pPr marL="298450" indent="-285750">
-              <a:lnSpc>
-                <a:spcPct val="100000"/>
-              </a:lnSpc>
-              <a:buFont typeface="Arial"/>
-              <a:buChar char="•"/>
-              <a:tabLst>
-                <a:tab pos="297815" algn="l"/>
-                <a:tab pos="298450" algn="l"/>
-              </a:tabLst>
-            </a:pPr>
-            <a:r>
-              <a:rPr sz="1400" spc="30" dirty="0">
-                <a:latin typeface="Trebuchet MS"/>
-                <a:cs typeface="Trebuchet MS"/>
-              </a:rPr>
-              <a:t>Automatización </a:t>
-            </a:r>
-            <a:r>
-              <a:rPr sz="1400" spc="40" dirty="0">
-                <a:latin typeface="Trebuchet MS"/>
-                <a:cs typeface="Trebuchet MS"/>
-              </a:rPr>
-              <a:t>de </a:t>
-            </a:r>
-            <a:r>
-              <a:rPr sz="1400" spc="-5" dirty="0">
-                <a:latin typeface="Trebuchet MS"/>
-                <a:cs typeface="Trebuchet MS"/>
-              </a:rPr>
-              <a:t>la </a:t>
-            </a:r>
-            <a:r>
-              <a:rPr sz="1400" spc="105" dirty="0">
-                <a:latin typeface="Trebuchet MS"/>
-                <a:cs typeface="Trebuchet MS"/>
-              </a:rPr>
-              <a:t>BBDD</a:t>
-            </a:r>
-            <a:endParaRPr sz="1400">
-              <a:latin typeface="Trebuchet MS"/>
-              <a:cs typeface="Trebuchet MS"/>
-            </a:endParaRPr>
-          </a:p>
-          <a:p>
-            <a:pPr marL="298450" indent="-285750">
-              <a:lnSpc>
-                <a:spcPct val="100000"/>
-              </a:lnSpc>
-              <a:buFont typeface="Arial"/>
-              <a:buChar char="•"/>
-              <a:tabLst>
-                <a:tab pos="297815" algn="l"/>
-                <a:tab pos="298450" algn="l"/>
-              </a:tabLst>
-            </a:pPr>
-            <a:r>
-              <a:rPr sz="1400" spc="60" dirty="0">
-                <a:latin typeface="Trebuchet MS"/>
-                <a:cs typeface="Trebuchet MS"/>
-              </a:rPr>
-              <a:t>Sistema </a:t>
-            </a:r>
-            <a:r>
-              <a:rPr sz="1400" spc="40" dirty="0">
-                <a:latin typeface="Trebuchet MS"/>
-                <a:cs typeface="Trebuchet MS"/>
-              </a:rPr>
-              <a:t>de </a:t>
-            </a:r>
-            <a:r>
-              <a:rPr sz="1400" spc="35" dirty="0">
-                <a:latin typeface="Trebuchet MS"/>
-                <a:cs typeface="Trebuchet MS"/>
-              </a:rPr>
-              <a:t>Información </a:t>
-            </a:r>
-            <a:r>
-              <a:rPr sz="1400" spc="65" dirty="0">
-                <a:latin typeface="Trebuchet MS"/>
-                <a:cs typeface="Trebuchet MS"/>
-              </a:rPr>
-              <a:t>Web </a:t>
-            </a:r>
-            <a:r>
-              <a:rPr sz="1400" spc="135" dirty="0">
-                <a:latin typeface="Trebuchet MS"/>
-                <a:cs typeface="Trebuchet MS"/>
-              </a:rPr>
-              <a:t>-</a:t>
-            </a:r>
-            <a:r>
-              <a:rPr sz="1400" spc="-120" dirty="0">
-                <a:latin typeface="Trebuchet MS"/>
-                <a:cs typeface="Trebuchet MS"/>
-              </a:rPr>
-              <a:t> </a:t>
-            </a:r>
-            <a:r>
-              <a:rPr sz="1400" spc="40" dirty="0">
-                <a:latin typeface="Trebuchet MS"/>
-                <a:cs typeface="Trebuchet MS"/>
-              </a:rPr>
-              <a:t>Local</a:t>
-            </a:r>
-            <a:endParaRPr sz="1400">
-              <a:latin typeface="Trebuchet MS"/>
-              <a:cs typeface="Trebuchet MS"/>
-            </a:endParaRPr>
-          </a:p>
-          <a:p>
-            <a:pPr marL="298450" indent="-285750">
-              <a:lnSpc>
-                <a:spcPct val="100000"/>
-              </a:lnSpc>
-              <a:buFont typeface="Arial"/>
-              <a:buChar char="•"/>
-              <a:tabLst>
-                <a:tab pos="297815" algn="l"/>
-                <a:tab pos="298450" algn="l"/>
-              </a:tabLst>
-            </a:pPr>
-            <a:r>
-              <a:rPr sz="1400" spc="30" dirty="0">
-                <a:latin typeface="Trebuchet MS"/>
-                <a:cs typeface="Trebuchet MS"/>
-              </a:rPr>
-              <a:t>Entregables</a:t>
-            </a:r>
-            <a:endParaRPr sz="1400">
-              <a:latin typeface="Trebuchet MS"/>
-              <a:cs typeface="Trebuchet MS"/>
-            </a:endParaRPr>
-          </a:p>
-        </p:txBody>
-      </p:sp>
-      <p:sp>
-        <p:nvSpPr>
-          <p:cNvPr id="12" name="object 12"/>
-          <p:cNvSpPr/>
-          <p:nvPr/>
-        </p:nvSpPr>
-        <p:spPr>
-          <a:xfrm>
-            <a:off x="1173480" y="4532376"/>
-            <a:ext cx="972819" cy="45720"/>
-          </a:xfrm>
-          <a:custGeom>
-            <a:avLst/>
-            <a:gdLst/>
-            <a:ahLst/>
-            <a:cxnLst/>
-            <a:rect l="l" t="t" r="r" b="b"/>
-            <a:pathLst>
-              <a:path w="972819" h="45720">
-                <a:moveTo>
-                  <a:pt x="972312" y="0"/>
-                </a:moveTo>
-                <a:lnTo>
-                  <a:pt x="0" y="0"/>
-                </a:lnTo>
-                <a:lnTo>
-                  <a:pt x="0" y="45719"/>
-                </a:lnTo>
-                <a:lnTo>
-                  <a:pt x="972312" y="45719"/>
-                </a:lnTo>
-                <a:lnTo>
-                  <a:pt x="972312" y="0"/>
-                </a:lnTo>
-                <a:close/>
-              </a:path>
-            </a:pathLst>
-          </a:custGeom>
-          <a:solidFill>
-            <a:srgbClr val="D9D9D9"/>
-          </a:solidFill>
-        </p:spPr>
-        <p:txBody>
-          <a:bodyPr wrap="square" lIns="0" tIns="0" rIns="0" bIns="0" rtlCol="0"/>
-          <a:lstStyle/>
-          <a:p>
-            <a:endParaRPr/>
-          </a:p>
-        </p:txBody>
-      </p:sp>
-      <p:sp>
-        <p:nvSpPr>
-          <p:cNvPr id="13" name="object 13"/>
-          <p:cNvSpPr txBox="1"/>
-          <p:nvPr/>
-        </p:nvSpPr>
-        <p:spPr>
-          <a:xfrm>
-            <a:off x="1139697" y="4225035"/>
-            <a:ext cx="2035810" cy="299720"/>
-          </a:xfrm>
-          <a:prstGeom prst="rect">
-            <a:avLst/>
-          </a:prstGeom>
-        </p:spPr>
-        <p:txBody>
-          <a:bodyPr vert="horz" wrap="square" lIns="0" tIns="12700" rIns="0" bIns="0" rtlCol="0">
-            <a:spAutoFit/>
-          </a:bodyPr>
-          <a:lstStyle/>
-          <a:p>
-            <a:pPr marL="12700">
-              <a:lnSpc>
-                <a:spcPct val="100000"/>
-              </a:lnSpc>
-              <a:spcBef>
-                <a:spcPts val="100"/>
-              </a:spcBef>
-            </a:pPr>
-            <a:r>
-              <a:rPr sz="1800" spc="80" dirty="0">
-                <a:solidFill>
-                  <a:srgbClr val="38AA00"/>
-                </a:solidFill>
-                <a:latin typeface="Trebuchet MS"/>
-                <a:cs typeface="Trebuchet MS"/>
-              </a:rPr>
-              <a:t>Segundo</a:t>
-            </a:r>
-            <a:r>
-              <a:rPr sz="1800" spc="-75" dirty="0">
-                <a:solidFill>
-                  <a:srgbClr val="38AA00"/>
-                </a:solidFill>
-                <a:latin typeface="Trebuchet MS"/>
-                <a:cs typeface="Trebuchet MS"/>
-              </a:rPr>
-              <a:t> </a:t>
-            </a:r>
-            <a:r>
-              <a:rPr sz="1800" spc="15" dirty="0">
-                <a:solidFill>
-                  <a:srgbClr val="38AA00"/>
-                </a:solidFill>
-                <a:latin typeface="Trebuchet MS"/>
-                <a:cs typeface="Trebuchet MS"/>
-              </a:rPr>
-              <a:t>Trimestre</a:t>
-            </a:r>
-            <a:endParaRPr sz="1800">
-              <a:latin typeface="Trebuchet MS"/>
-              <a:cs typeface="Trebuchet MS"/>
-            </a:endParaRPr>
-          </a:p>
-        </p:txBody>
-      </p:sp>
-      <p:sp>
-        <p:nvSpPr>
-          <p:cNvPr id="14" name="object 14"/>
-          <p:cNvSpPr/>
-          <p:nvPr/>
-        </p:nvSpPr>
-        <p:spPr>
-          <a:xfrm>
-            <a:off x="5015484" y="2737866"/>
-            <a:ext cx="971550" cy="45720"/>
-          </a:xfrm>
-          <a:custGeom>
-            <a:avLst/>
-            <a:gdLst/>
-            <a:ahLst/>
-            <a:cxnLst/>
-            <a:rect l="l" t="t" r="r" b="b"/>
-            <a:pathLst>
-              <a:path w="971550" h="45719">
-                <a:moveTo>
-                  <a:pt x="971550" y="0"/>
-                </a:moveTo>
-                <a:lnTo>
-                  <a:pt x="0" y="0"/>
-                </a:lnTo>
-                <a:lnTo>
-                  <a:pt x="0" y="45720"/>
-                </a:lnTo>
-                <a:lnTo>
-                  <a:pt x="971550" y="45720"/>
-                </a:lnTo>
-                <a:lnTo>
-                  <a:pt x="971550" y="0"/>
-                </a:lnTo>
-                <a:close/>
-              </a:path>
-            </a:pathLst>
-          </a:custGeom>
-          <a:solidFill>
-            <a:srgbClr val="D9D9D9"/>
-          </a:solidFill>
-        </p:spPr>
-        <p:txBody>
-          <a:bodyPr wrap="square" lIns="0" tIns="0" rIns="0" bIns="0" rtlCol="0"/>
-          <a:lstStyle/>
-          <a:p>
-            <a:endParaRPr/>
-          </a:p>
-        </p:txBody>
-      </p:sp>
-      <p:sp>
-        <p:nvSpPr>
-          <p:cNvPr id="15" name="object 15"/>
-          <p:cNvSpPr txBox="1"/>
-          <p:nvPr/>
-        </p:nvSpPr>
-        <p:spPr>
-          <a:xfrm>
-            <a:off x="4981702" y="2430017"/>
-            <a:ext cx="1792605" cy="299720"/>
-          </a:xfrm>
-          <a:prstGeom prst="rect">
-            <a:avLst/>
-          </a:prstGeom>
-        </p:spPr>
-        <p:txBody>
-          <a:bodyPr vert="horz" wrap="square" lIns="0" tIns="12700" rIns="0" bIns="0" rtlCol="0">
-            <a:spAutoFit/>
-          </a:bodyPr>
-          <a:lstStyle/>
-          <a:p>
-            <a:pPr marL="12700">
-              <a:lnSpc>
-                <a:spcPct val="100000"/>
-              </a:lnSpc>
-              <a:spcBef>
-                <a:spcPts val="100"/>
-              </a:spcBef>
-            </a:pPr>
-            <a:r>
-              <a:rPr sz="1800" dirty="0">
-                <a:solidFill>
-                  <a:srgbClr val="38AA00"/>
-                </a:solidFill>
-                <a:latin typeface="Trebuchet MS"/>
-                <a:cs typeface="Trebuchet MS"/>
-              </a:rPr>
-              <a:t>Tercer</a:t>
-            </a:r>
-            <a:r>
-              <a:rPr sz="1800" spc="-45" dirty="0">
-                <a:solidFill>
-                  <a:srgbClr val="38AA00"/>
-                </a:solidFill>
-                <a:latin typeface="Trebuchet MS"/>
-                <a:cs typeface="Trebuchet MS"/>
-              </a:rPr>
-              <a:t> </a:t>
-            </a:r>
-            <a:r>
-              <a:rPr sz="1800" spc="15" dirty="0">
-                <a:solidFill>
-                  <a:srgbClr val="38AA00"/>
-                </a:solidFill>
-                <a:latin typeface="Trebuchet MS"/>
-                <a:cs typeface="Trebuchet MS"/>
-              </a:rPr>
-              <a:t>Trimestre</a:t>
-            </a:r>
-            <a:endParaRPr sz="1800">
-              <a:latin typeface="Trebuchet MS"/>
-              <a:cs typeface="Trebuchet MS"/>
-            </a:endParaRPr>
-          </a:p>
-        </p:txBody>
-      </p:sp>
-      <p:sp>
-        <p:nvSpPr>
-          <p:cNvPr id="16" name="object 16"/>
-          <p:cNvSpPr txBox="1"/>
-          <p:nvPr/>
-        </p:nvSpPr>
-        <p:spPr>
-          <a:xfrm>
-            <a:off x="5217159" y="2901442"/>
-            <a:ext cx="2085339" cy="665480"/>
-          </a:xfrm>
-          <a:prstGeom prst="rect">
-            <a:avLst/>
-          </a:prstGeom>
-        </p:spPr>
-        <p:txBody>
-          <a:bodyPr vert="horz" wrap="square" lIns="0" tIns="12065" rIns="0" bIns="0" rtlCol="0">
-            <a:spAutoFit/>
-          </a:bodyPr>
-          <a:lstStyle/>
-          <a:p>
-            <a:pPr marL="184150" indent="-171450">
-              <a:lnSpc>
-                <a:spcPct val="100000"/>
-              </a:lnSpc>
-              <a:spcBef>
-                <a:spcPts val="95"/>
-              </a:spcBef>
-              <a:buFont typeface="Arial"/>
-              <a:buChar char="•"/>
-              <a:tabLst>
-                <a:tab pos="184150" algn="l"/>
-              </a:tabLst>
-            </a:pPr>
-            <a:r>
-              <a:rPr sz="1400" spc="25" dirty="0">
-                <a:latin typeface="Trebuchet MS"/>
-                <a:cs typeface="Trebuchet MS"/>
-              </a:rPr>
-              <a:t>Planeación </a:t>
-            </a:r>
-            <a:r>
-              <a:rPr sz="1400" spc="40" dirty="0">
-                <a:latin typeface="Trebuchet MS"/>
-                <a:cs typeface="Trebuchet MS"/>
-              </a:rPr>
-              <a:t>de</a:t>
-            </a:r>
-            <a:r>
-              <a:rPr sz="1400" spc="-40" dirty="0">
-                <a:latin typeface="Trebuchet MS"/>
-                <a:cs typeface="Trebuchet MS"/>
-              </a:rPr>
-              <a:t> </a:t>
-            </a:r>
-            <a:r>
-              <a:rPr sz="1400" spc="45" dirty="0">
-                <a:latin typeface="Trebuchet MS"/>
-                <a:cs typeface="Trebuchet MS"/>
-              </a:rPr>
-              <a:t>Pruebas</a:t>
-            </a:r>
-            <a:endParaRPr sz="1400">
-              <a:latin typeface="Trebuchet MS"/>
-              <a:cs typeface="Trebuchet MS"/>
-            </a:endParaRPr>
-          </a:p>
-          <a:p>
-            <a:pPr marL="184150" indent="-171450">
-              <a:lnSpc>
-                <a:spcPct val="100000"/>
-              </a:lnSpc>
-              <a:buFont typeface="Arial"/>
-              <a:buChar char="•"/>
-              <a:tabLst>
-                <a:tab pos="184150" algn="l"/>
-              </a:tabLst>
-            </a:pPr>
-            <a:r>
-              <a:rPr sz="1400" spc="20" dirty="0">
-                <a:latin typeface="Trebuchet MS"/>
-                <a:cs typeface="Trebuchet MS"/>
-              </a:rPr>
-              <a:t>Ejecución </a:t>
-            </a:r>
-            <a:r>
-              <a:rPr sz="1400" spc="40" dirty="0">
-                <a:latin typeface="Trebuchet MS"/>
-                <a:cs typeface="Trebuchet MS"/>
-              </a:rPr>
-              <a:t>de</a:t>
-            </a:r>
-            <a:r>
-              <a:rPr sz="1400" spc="-50" dirty="0">
-                <a:latin typeface="Trebuchet MS"/>
-                <a:cs typeface="Trebuchet MS"/>
-              </a:rPr>
-              <a:t> </a:t>
-            </a:r>
-            <a:r>
-              <a:rPr sz="1400" spc="45" dirty="0">
-                <a:latin typeface="Trebuchet MS"/>
-                <a:cs typeface="Trebuchet MS"/>
-              </a:rPr>
-              <a:t>Pruebas</a:t>
-            </a:r>
-            <a:endParaRPr sz="1400">
-              <a:latin typeface="Trebuchet MS"/>
-              <a:cs typeface="Trebuchet MS"/>
-            </a:endParaRPr>
-          </a:p>
-          <a:p>
-            <a:pPr marL="184150" indent="-171450">
-              <a:lnSpc>
-                <a:spcPct val="100000"/>
-              </a:lnSpc>
-              <a:buFont typeface="Arial"/>
-              <a:buChar char="•"/>
-              <a:tabLst>
-                <a:tab pos="184150" algn="l"/>
-              </a:tabLst>
-            </a:pPr>
-            <a:r>
-              <a:rPr sz="1400" spc="30" dirty="0">
-                <a:latin typeface="Trebuchet MS"/>
-                <a:cs typeface="Trebuchet MS"/>
-              </a:rPr>
-              <a:t>Entregables</a:t>
-            </a:r>
-            <a:endParaRPr sz="1400">
-              <a:latin typeface="Trebuchet MS"/>
-              <a:cs typeface="Trebuchet MS"/>
-            </a:endParaRPr>
-          </a:p>
-        </p:txBody>
-      </p:sp>
-      <p:sp>
-        <p:nvSpPr>
-          <p:cNvPr id="17" name="object 17"/>
-          <p:cNvSpPr/>
-          <p:nvPr/>
-        </p:nvSpPr>
-        <p:spPr>
-          <a:xfrm>
-            <a:off x="5022341" y="4245102"/>
-            <a:ext cx="971550" cy="45720"/>
-          </a:xfrm>
-          <a:custGeom>
-            <a:avLst/>
-            <a:gdLst/>
-            <a:ahLst/>
-            <a:cxnLst/>
-            <a:rect l="l" t="t" r="r" b="b"/>
-            <a:pathLst>
-              <a:path w="971550" h="45720">
-                <a:moveTo>
-                  <a:pt x="971550" y="0"/>
-                </a:moveTo>
-                <a:lnTo>
-                  <a:pt x="0" y="0"/>
-                </a:lnTo>
-                <a:lnTo>
-                  <a:pt x="0" y="45720"/>
-                </a:lnTo>
-                <a:lnTo>
-                  <a:pt x="971550" y="45720"/>
-                </a:lnTo>
-                <a:lnTo>
-                  <a:pt x="971550" y="0"/>
-                </a:lnTo>
-                <a:close/>
-              </a:path>
-            </a:pathLst>
-          </a:custGeom>
-          <a:solidFill>
-            <a:srgbClr val="D9D9D9"/>
-          </a:solidFill>
-        </p:spPr>
-        <p:txBody>
-          <a:bodyPr wrap="square" lIns="0" tIns="0" rIns="0" bIns="0" rtlCol="0"/>
-          <a:lstStyle/>
-          <a:p>
-            <a:endParaRPr/>
-          </a:p>
-        </p:txBody>
-      </p:sp>
-      <p:sp>
-        <p:nvSpPr>
-          <p:cNvPr id="18" name="object 18"/>
-          <p:cNvSpPr txBox="1"/>
-          <p:nvPr/>
-        </p:nvSpPr>
-        <p:spPr>
-          <a:xfrm>
-            <a:off x="4988559" y="3937254"/>
-            <a:ext cx="1826260" cy="299720"/>
-          </a:xfrm>
-          <a:prstGeom prst="rect">
-            <a:avLst/>
-          </a:prstGeom>
-        </p:spPr>
-        <p:txBody>
-          <a:bodyPr vert="horz" wrap="square" lIns="0" tIns="12700" rIns="0" bIns="0" rtlCol="0">
-            <a:spAutoFit/>
-          </a:bodyPr>
-          <a:lstStyle/>
-          <a:p>
-            <a:pPr marL="12700">
-              <a:lnSpc>
-                <a:spcPct val="100000"/>
-              </a:lnSpc>
-              <a:spcBef>
-                <a:spcPts val="100"/>
-              </a:spcBef>
-            </a:pPr>
-            <a:r>
-              <a:rPr sz="1800" spc="35" dirty="0">
-                <a:solidFill>
-                  <a:srgbClr val="38AA00"/>
-                </a:solidFill>
-                <a:latin typeface="Trebuchet MS"/>
-                <a:cs typeface="Trebuchet MS"/>
-              </a:rPr>
-              <a:t>Cuarto</a:t>
-            </a:r>
-            <a:r>
-              <a:rPr sz="1800" spc="-70" dirty="0">
-                <a:solidFill>
-                  <a:srgbClr val="38AA00"/>
-                </a:solidFill>
-                <a:latin typeface="Trebuchet MS"/>
-                <a:cs typeface="Trebuchet MS"/>
-              </a:rPr>
-              <a:t> </a:t>
-            </a:r>
-            <a:r>
-              <a:rPr sz="1800" spc="15" dirty="0">
-                <a:solidFill>
-                  <a:srgbClr val="38AA00"/>
-                </a:solidFill>
-                <a:latin typeface="Trebuchet MS"/>
-                <a:cs typeface="Trebuchet MS"/>
-              </a:rPr>
-              <a:t>Trimestre</a:t>
-            </a:r>
-            <a:endParaRPr sz="1800">
-              <a:latin typeface="Trebuchet MS"/>
-              <a:cs typeface="Trebuchet MS"/>
-            </a:endParaRPr>
-          </a:p>
-        </p:txBody>
-      </p:sp>
-      <p:sp>
-        <p:nvSpPr>
-          <p:cNvPr id="19" name="object 19"/>
-          <p:cNvSpPr txBox="1"/>
-          <p:nvPr/>
-        </p:nvSpPr>
-        <p:spPr>
-          <a:xfrm>
-            <a:off x="5217159" y="4465320"/>
-            <a:ext cx="3183255" cy="1092200"/>
-          </a:xfrm>
-          <a:prstGeom prst="rect">
-            <a:avLst/>
-          </a:prstGeom>
-        </p:spPr>
-        <p:txBody>
-          <a:bodyPr vert="horz" wrap="square" lIns="0" tIns="12065" rIns="0" bIns="0" rtlCol="0">
-            <a:spAutoFit/>
-          </a:bodyPr>
-          <a:lstStyle/>
-          <a:p>
-            <a:pPr marL="184150" indent="-171450">
-              <a:lnSpc>
-                <a:spcPct val="100000"/>
-              </a:lnSpc>
-              <a:spcBef>
-                <a:spcPts val="95"/>
-              </a:spcBef>
-              <a:buFont typeface="Arial"/>
-              <a:buChar char="•"/>
-              <a:tabLst>
-                <a:tab pos="184150" algn="l"/>
-              </a:tabLst>
-            </a:pPr>
-            <a:r>
-              <a:rPr sz="1400" spc="50" dirty="0">
-                <a:latin typeface="Trebuchet MS"/>
-                <a:cs typeface="Trebuchet MS"/>
-              </a:rPr>
-              <a:t>Manual </a:t>
-            </a:r>
-            <a:r>
-              <a:rPr sz="1400" spc="40" dirty="0">
-                <a:latin typeface="Trebuchet MS"/>
-                <a:cs typeface="Trebuchet MS"/>
-              </a:rPr>
-              <a:t>de</a:t>
-            </a:r>
-            <a:r>
-              <a:rPr sz="1400" spc="-30" dirty="0">
-                <a:latin typeface="Trebuchet MS"/>
-                <a:cs typeface="Trebuchet MS"/>
-              </a:rPr>
-              <a:t> </a:t>
-            </a:r>
-            <a:r>
-              <a:rPr sz="1400" spc="25" dirty="0">
-                <a:latin typeface="Trebuchet MS"/>
-                <a:cs typeface="Trebuchet MS"/>
-              </a:rPr>
-              <a:t>Instalación</a:t>
-            </a:r>
-            <a:endParaRPr sz="1400">
-              <a:latin typeface="Trebuchet MS"/>
-              <a:cs typeface="Trebuchet MS"/>
-            </a:endParaRPr>
-          </a:p>
-          <a:p>
-            <a:pPr marL="184150" marR="534670" indent="-171450">
-              <a:lnSpc>
-                <a:spcPct val="100000"/>
-              </a:lnSpc>
-              <a:buFont typeface="Arial"/>
-              <a:buChar char="•"/>
-              <a:tabLst>
-                <a:tab pos="184150" algn="l"/>
-              </a:tabLst>
-            </a:pPr>
-            <a:r>
-              <a:rPr sz="1400" spc="25" dirty="0">
-                <a:latin typeface="Trebuchet MS"/>
-                <a:cs typeface="Trebuchet MS"/>
-              </a:rPr>
-              <a:t>Configuración </a:t>
-            </a:r>
-            <a:r>
-              <a:rPr sz="1400" spc="15" dirty="0">
-                <a:latin typeface="Trebuchet MS"/>
-                <a:cs typeface="Trebuchet MS"/>
-              </a:rPr>
-              <a:t>del </a:t>
-            </a:r>
-            <a:r>
-              <a:rPr sz="1400" spc="25" dirty="0">
-                <a:latin typeface="Trebuchet MS"/>
-                <a:cs typeface="Trebuchet MS"/>
-              </a:rPr>
-              <a:t>Servidor</a:t>
-            </a:r>
-            <a:r>
-              <a:rPr sz="1400" spc="10" dirty="0">
-                <a:latin typeface="Trebuchet MS"/>
-                <a:cs typeface="Trebuchet MS"/>
-              </a:rPr>
-              <a:t> </a:t>
-            </a:r>
-            <a:r>
-              <a:rPr sz="1400" spc="40" dirty="0">
-                <a:latin typeface="Trebuchet MS"/>
-                <a:cs typeface="Trebuchet MS"/>
-              </a:rPr>
-              <a:t>de  </a:t>
-            </a:r>
-            <a:r>
-              <a:rPr sz="1400" spc="30" dirty="0">
-                <a:latin typeface="Trebuchet MS"/>
-                <a:cs typeface="Trebuchet MS"/>
-              </a:rPr>
-              <a:t>Aplicaciones</a:t>
-            </a:r>
-            <a:endParaRPr sz="1400">
-              <a:latin typeface="Trebuchet MS"/>
-              <a:cs typeface="Trebuchet MS"/>
-            </a:endParaRPr>
-          </a:p>
-          <a:p>
-            <a:pPr marL="184150" indent="-171450">
-              <a:lnSpc>
-                <a:spcPct val="100000"/>
-              </a:lnSpc>
-              <a:buFont typeface="Arial"/>
-              <a:buChar char="•"/>
-              <a:tabLst>
-                <a:tab pos="184150" algn="l"/>
-              </a:tabLst>
-            </a:pPr>
-            <a:r>
-              <a:rPr sz="1400" spc="25" dirty="0">
-                <a:latin typeface="Trebuchet MS"/>
-                <a:cs typeface="Trebuchet MS"/>
-              </a:rPr>
-              <a:t>Configuración </a:t>
-            </a:r>
-            <a:r>
-              <a:rPr sz="1400" spc="15" dirty="0">
-                <a:latin typeface="Trebuchet MS"/>
-                <a:cs typeface="Trebuchet MS"/>
-              </a:rPr>
-              <a:t>del </a:t>
-            </a:r>
-            <a:r>
-              <a:rPr sz="1400" spc="25" dirty="0">
-                <a:latin typeface="Trebuchet MS"/>
-                <a:cs typeface="Trebuchet MS"/>
-              </a:rPr>
-              <a:t>Servidor </a:t>
-            </a:r>
-            <a:r>
-              <a:rPr sz="1400" spc="40" dirty="0">
-                <a:latin typeface="Trebuchet MS"/>
-                <a:cs typeface="Trebuchet MS"/>
-              </a:rPr>
-              <a:t>de</a:t>
-            </a:r>
-            <a:r>
-              <a:rPr sz="1400" spc="10" dirty="0">
-                <a:latin typeface="Trebuchet MS"/>
-                <a:cs typeface="Trebuchet MS"/>
-              </a:rPr>
-              <a:t> </a:t>
-            </a:r>
-            <a:r>
-              <a:rPr sz="1400" spc="105" dirty="0">
-                <a:latin typeface="Trebuchet MS"/>
-                <a:cs typeface="Trebuchet MS"/>
-              </a:rPr>
-              <a:t>BBDD</a:t>
-            </a:r>
-            <a:endParaRPr sz="1400">
-              <a:latin typeface="Trebuchet MS"/>
-              <a:cs typeface="Trebuchet MS"/>
-            </a:endParaRPr>
-          </a:p>
-          <a:p>
-            <a:pPr marL="184150" indent="-171450">
-              <a:lnSpc>
-                <a:spcPct val="100000"/>
-              </a:lnSpc>
-              <a:buFont typeface="Arial"/>
-              <a:buChar char="•"/>
-              <a:tabLst>
-                <a:tab pos="184150" algn="l"/>
-              </a:tabLst>
-            </a:pPr>
-            <a:r>
-              <a:rPr sz="1400" spc="30" dirty="0">
-                <a:latin typeface="Trebuchet MS"/>
-                <a:cs typeface="Trebuchet MS"/>
-              </a:rPr>
-              <a:t>Entregables</a:t>
-            </a:r>
-            <a:endParaRPr sz="1400">
-              <a:latin typeface="Trebuchet MS"/>
-              <a:cs typeface="Trebuchet MS"/>
-            </a:endParaRPr>
-          </a:p>
-        </p:txBody>
-      </p:sp>
-      <p:sp>
-        <p:nvSpPr>
-          <p:cNvPr id="20" name="object 20"/>
-          <p:cNvSpPr/>
-          <p:nvPr/>
-        </p:nvSpPr>
-        <p:spPr>
-          <a:xfrm>
-            <a:off x="8462771" y="3465576"/>
-            <a:ext cx="972819" cy="45720"/>
-          </a:xfrm>
-          <a:custGeom>
-            <a:avLst/>
-            <a:gdLst/>
-            <a:ahLst/>
-            <a:cxnLst/>
-            <a:rect l="l" t="t" r="r" b="b"/>
-            <a:pathLst>
-              <a:path w="972820" h="45720">
-                <a:moveTo>
-                  <a:pt x="972312" y="0"/>
-                </a:moveTo>
-                <a:lnTo>
-                  <a:pt x="0" y="0"/>
-                </a:lnTo>
-                <a:lnTo>
-                  <a:pt x="0" y="45720"/>
-                </a:lnTo>
-                <a:lnTo>
-                  <a:pt x="972312" y="45720"/>
-                </a:lnTo>
-                <a:lnTo>
-                  <a:pt x="972312" y="0"/>
-                </a:lnTo>
-                <a:close/>
-              </a:path>
-            </a:pathLst>
-          </a:custGeom>
-          <a:solidFill>
-            <a:srgbClr val="D9D9D9"/>
-          </a:solidFill>
-        </p:spPr>
-        <p:txBody>
-          <a:bodyPr wrap="square" lIns="0" tIns="0" rIns="0" bIns="0" rtlCol="0"/>
-          <a:lstStyle/>
-          <a:p>
-            <a:endParaRPr/>
-          </a:p>
-        </p:txBody>
-      </p:sp>
-      <p:sp>
-        <p:nvSpPr>
-          <p:cNvPr id="21" name="object 21"/>
-          <p:cNvSpPr txBox="1"/>
-          <p:nvPr/>
-        </p:nvSpPr>
-        <p:spPr>
-          <a:xfrm>
-            <a:off x="8429752" y="3157982"/>
-            <a:ext cx="1826260" cy="299720"/>
-          </a:xfrm>
-          <a:prstGeom prst="rect">
-            <a:avLst/>
-          </a:prstGeom>
-        </p:spPr>
-        <p:txBody>
-          <a:bodyPr vert="horz" wrap="square" lIns="0" tIns="12700" rIns="0" bIns="0" rtlCol="0">
-            <a:spAutoFit/>
-          </a:bodyPr>
-          <a:lstStyle/>
-          <a:p>
-            <a:pPr marL="12700">
-              <a:lnSpc>
-                <a:spcPct val="100000"/>
-              </a:lnSpc>
-              <a:spcBef>
-                <a:spcPts val="100"/>
-              </a:spcBef>
-            </a:pPr>
-            <a:r>
-              <a:rPr sz="1800" spc="35" dirty="0">
-                <a:solidFill>
-                  <a:srgbClr val="38AA00"/>
-                </a:solidFill>
-                <a:latin typeface="Trebuchet MS"/>
-                <a:cs typeface="Trebuchet MS"/>
-              </a:rPr>
-              <a:t>Cuarto</a:t>
-            </a:r>
-            <a:r>
-              <a:rPr sz="1800" spc="-70" dirty="0">
-                <a:solidFill>
-                  <a:srgbClr val="38AA00"/>
-                </a:solidFill>
-                <a:latin typeface="Trebuchet MS"/>
-                <a:cs typeface="Trebuchet MS"/>
-              </a:rPr>
-              <a:t> </a:t>
-            </a:r>
-            <a:r>
-              <a:rPr sz="1800" spc="15" dirty="0">
-                <a:solidFill>
-                  <a:srgbClr val="38AA00"/>
-                </a:solidFill>
-                <a:latin typeface="Trebuchet MS"/>
-                <a:cs typeface="Trebuchet MS"/>
-              </a:rPr>
-              <a:t>Trimestre</a:t>
-            </a:r>
-            <a:endParaRPr sz="1800">
-              <a:latin typeface="Trebuchet MS"/>
-              <a:cs typeface="Trebuchet MS"/>
-            </a:endParaRPr>
-          </a:p>
-        </p:txBody>
-      </p:sp>
-      <p:sp>
-        <p:nvSpPr>
-          <p:cNvPr id="22" name="object 22"/>
-          <p:cNvSpPr txBox="1"/>
-          <p:nvPr/>
-        </p:nvSpPr>
-        <p:spPr>
-          <a:xfrm>
-            <a:off x="8658097" y="3686047"/>
-            <a:ext cx="2190115" cy="878840"/>
-          </a:xfrm>
-          <a:prstGeom prst="rect">
-            <a:avLst/>
-          </a:prstGeom>
-        </p:spPr>
-        <p:txBody>
-          <a:bodyPr vert="horz" wrap="square" lIns="0" tIns="12065" rIns="0" bIns="0" rtlCol="0">
-            <a:spAutoFit/>
-          </a:bodyPr>
-          <a:lstStyle/>
-          <a:p>
-            <a:pPr marL="184150" indent="-171450">
-              <a:lnSpc>
-                <a:spcPct val="100000"/>
-              </a:lnSpc>
-              <a:spcBef>
-                <a:spcPts val="95"/>
-              </a:spcBef>
-              <a:buFont typeface="Arial"/>
-              <a:buChar char="•"/>
-              <a:tabLst>
-                <a:tab pos="184150" algn="l"/>
-              </a:tabLst>
-            </a:pPr>
-            <a:r>
-              <a:rPr sz="1400" spc="50" dirty="0">
-                <a:latin typeface="Trebuchet MS"/>
-                <a:cs typeface="Trebuchet MS"/>
-              </a:rPr>
-              <a:t>Manual </a:t>
-            </a:r>
-            <a:r>
-              <a:rPr sz="1400" spc="40" dirty="0">
-                <a:latin typeface="Trebuchet MS"/>
-                <a:cs typeface="Trebuchet MS"/>
-              </a:rPr>
-              <a:t>de</a:t>
-            </a:r>
-            <a:r>
-              <a:rPr sz="1400" spc="-40" dirty="0">
-                <a:latin typeface="Trebuchet MS"/>
-                <a:cs typeface="Trebuchet MS"/>
-              </a:rPr>
-              <a:t> </a:t>
-            </a:r>
-            <a:r>
-              <a:rPr sz="1400" spc="35" dirty="0">
-                <a:latin typeface="Trebuchet MS"/>
-                <a:cs typeface="Trebuchet MS"/>
-              </a:rPr>
-              <a:t>Usuario</a:t>
-            </a:r>
-            <a:endParaRPr sz="1400">
-              <a:latin typeface="Trebuchet MS"/>
-              <a:cs typeface="Trebuchet MS"/>
-            </a:endParaRPr>
-          </a:p>
-          <a:p>
-            <a:pPr marL="184150" marR="5080" indent="-171450">
-              <a:lnSpc>
-                <a:spcPct val="100000"/>
-              </a:lnSpc>
-              <a:buFont typeface="Arial"/>
-              <a:buChar char="•"/>
-              <a:tabLst>
-                <a:tab pos="184150" algn="l"/>
-              </a:tabLst>
-            </a:pPr>
-            <a:r>
-              <a:rPr sz="1400" spc="60" dirty="0">
-                <a:latin typeface="Trebuchet MS"/>
-                <a:cs typeface="Trebuchet MS"/>
-              </a:rPr>
-              <a:t>Sistema </a:t>
-            </a:r>
-            <a:r>
-              <a:rPr sz="1400" spc="40" dirty="0">
-                <a:latin typeface="Trebuchet MS"/>
-                <a:cs typeface="Trebuchet MS"/>
-              </a:rPr>
-              <a:t>de</a:t>
-            </a:r>
-            <a:r>
-              <a:rPr sz="1400" spc="-75" dirty="0">
-                <a:latin typeface="Trebuchet MS"/>
-                <a:cs typeface="Trebuchet MS"/>
-              </a:rPr>
-              <a:t> </a:t>
-            </a:r>
-            <a:r>
-              <a:rPr sz="1400" spc="35" dirty="0">
-                <a:latin typeface="Trebuchet MS"/>
-                <a:cs typeface="Trebuchet MS"/>
-              </a:rPr>
-              <a:t>Información  </a:t>
-            </a:r>
-            <a:r>
-              <a:rPr sz="1400" spc="65" dirty="0">
-                <a:latin typeface="Trebuchet MS"/>
-                <a:cs typeface="Trebuchet MS"/>
-              </a:rPr>
-              <a:t>Web </a:t>
-            </a:r>
-            <a:r>
-              <a:rPr sz="1400" spc="375" dirty="0">
-                <a:latin typeface="Trebuchet MS"/>
-                <a:cs typeface="Trebuchet MS"/>
-              </a:rPr>
-              <a:t>–</a:t>
-            </a:r>
-            <a:r>
-              <a:rPr sz="1400" spc="-50" dirty="0">
-                <a:latin typeface="Trebuchet MS"/>
-                <a:cs typeface="Trebuchet MS"/>
-              </a:rPr>
-              <a:t> </a:t>
-            </a:r>
-            <a:r>
-              <a:rPr sz="1400" spc="60" dirty="0">
-                <a:latin typeface="Trebuchet MS"/>
-                <a:cs typeface="Trebuchet MS"/>
-              </a:rPr>
-              <a:t>Remoto</a:t>
-            </a:r>
-            <a:endParaRPr sz="1400">
-              <a:latin typeface="Trebuchet MS"/>
-              <a:cs typeface="Trebuchet MS"/>
-            </a:endParaRPr>
-          </a:p>
-          <a:p>
-            <a:pPr marL="184150" indent="-171450">
-              <a:lnSpc>
-                <a:spcPct val="100000"/>
-              </a:lnSpc>
-              <a:buFont typeface="Arial"/>
-              <a:buChar char="•"/>
-              <a:tabLst>
-                <a:tab pos="184150" algn="l"/>
-              </a:tabLst>
-            </a:pPr>
-            <a:r>
-              <a:rPr sz="1400" spc="30" dirty="0">
-                <a:latin typeface="Trebuchet MS"/>
-                <a:cs typeface="Trebuchet MS"/>
-              </a:rPr>
-              <a:t>Entregables</a:t>
-            </a:r>
-            <a:endParaRPr sz="1400">
-              <a:latin typeface="Trebuchet MS"/>
-              <a:cs typeface="Trebuchet MS"/>
-            </a:endParaRPr>
-          </a:p>
-        </p:txBody>
-      </p:sp>
-      <p:pic>
-        <p:nvPicPr>
-          <p:cNvPr id="23" name="Imagen 22" descr="Logotipo&#10;&#10;Descripción generada automáticamente">
-            <a:extLst>
-              <a:ext uri="{FF2B5EF4-FFF2-40B4-BE49-F238E27FC236}">
-                <a16:creationId xmlns:a16="http://schemas.microsoft.com/office/drawing/2014/main" id="{4826A5C5-2A23-D7AC-D5BD-EA860B7D5D5A}"/>
-              </a:ext>
-            </a:extLst>
-          </p:cNvPr>
-          <p:cNvPicPr>
-            <a:picLocks noChangeAspect="1"/>
-          </p:cNvPicPr>
-          <p:nvPr/>
-        </p:nvPicPr>
-        <p:blipFill>
-          <a:blip r:embed="rId3">
-            <a:extLst>
-              <a:ext uri="{28A0092B-C50C-407E-A947-70E740481C1C}">
-                <a14:useLocalDpi xmlns:a14="http://schemas.microsoft.com/office/drawing/2010/main" val="0"/>
-              </a:ext>
-            </a:extLst>
-          </a:blip>
-          <a:stretch>
-            <a:fillRect/>
-          </a:stretch>
-        </p:blipFill>
-        <p:spPr>
-          <a:xfrm>
-            <a:off x="8534400" y="457201"/>
-            <a:ext cx="1223135" cy="577320"/>
-          </a:xfrm>
-          <a:prstGeom prst="rect">
-            <a:avLst/>
-          </a:prstGeom>
-        </p:spPr>
-      </p:pic>
-      <p:pic>
-        <p:nvPicPr>
-          <p:cNvPr id="24" name="Imagen 23" descr="Un letrero de color negro&#10;&#10;Descripción generada automáticamente con confianza baja">
-            <a:extLst>
-              <a:ext uri="{FF2B5EF4-FFF2-40B4-BE49-F238E27FC236}">
-                <a16:creationId xmlns:a16="http://schemas.microsoft.com/office/drawing/2014/main" id="{B959EEE7-CA6C-6238-417A-72DA389F3014}"/>
-              </a:ext>
-            </a:extLst>
-          </p:cNvPr>
-          <p:cNvPicPr>
-            <a:picLocks noChangeAspect="1"/>
-          </p:cNvPicPr>
-          <p:nvPr/>
-        </p:nvPicPr>
-        <p:blipFill>
-          <a:blip r:embed="rId4" cstate="print">
-            <a:extLst>
-              <a:ext uri="{28A0092B-C50C-407E-A947-70E740481C1C}">
-                <a14:useLocalDpi xmlns:a14="http://schemas.microsoft.com/office/drawing/2010/main" val="0"/>
-              </a:ext>
-            </a:extLst>
-          </a:blip>
-          <a:stretch>
-            <a:fillRect/>
-          </a:stretch>
-        </p:blipFill>
-        <p:spPr>
-          <a:xfrm>
-            <a:off x="9901935" y="386897"/>
-            <a:ext cx="827533" cy="827533"/>
-          </a:xfrm>
-          <a:prstGeom prst="rect">
-            <a:avLst/>
-          </a:prstGeom>
-        </p:spPr>
-      </p:pic>
-    </p:spTree>
-  </p:cSld>
-  <p:clrMapOvr>
-    <a:masterClrMapping/>
-  </p:clrMapOvr>
-</p:sld>
-</file>
-
-<file path=ppt/slides/slide11.xml><?xml version="1.0" encoding="utf-8"?>
 <p:sld xmlns:a="http://schemas.openxmlformats.org/drawingml/2006/main" xmlns:r="http://schemas.openxmlformats.org/officeDocument/2006/relationships" xmlns:p="http://schemas.openxmlformats.org/presentationml/2006/main">
   <p:cSld>
     <p:spTree>
@@ -10494,7 +8323,7 @@
         <p:spPr>
           <a:xfrm>
             <a:off x="451104" y="1690877"/>
-            <a:ext cx="11095355" cy="2952115"/>
+            <a:ext cx="11095355" cy="1759456"/>
           </a:xfrm>
           <a:prstGeom prst="rect">
             <a:avLst/>
@@ -10651,74 +8480,39 @@
               <a:t>Sistema: </a:t>
             </a:r>
             <a:r>
-              <a:rPr sz="1600" spc="45" dirty="0">
-                <a:latin typeface="Trebuchet MS"/>
-                <a:cs typeface="Trebuchet MS"/>
-              </a:rPr>
-              <a:t>Operaciones </a:t>
-            </a:r>
-            <a:r>
-              <a:rPr sz="1600" spc="55" dirty="0">
-                <a:latin typeface="Trebuchet MS"/>
-                <a:cs typeface="Trebuchet MS"/>
-              </a:rPr>
-              <a:t>que </a:t>
-            </a:r>
-            <a:r>
-              <a:rPr sz="1600" spc="65" dirty="0">
-                <a:latin typeface="Trebuchet MS"/>
-                <a:cs typeface="Trebuchet MS"/>
-              </a:rPr>
-              <a:t>los </a:t>
-            </a:r>
-            <a:r>
-              <a:rPr sz="1600" spc="15" dirty="0">
-                <a:latin typeface="Trebuchet MS"/>
-                <a:cs typeface="Trebuchet MS"/>
-              </a:rPr>
-              <a:t>perfiles </a:t>
-            </a:r>
-            <a:r>
-              <a:rPr sz="1600" spc="55" dirty="0">
-                <a:latin typeface="Trebuchet MS"/>
-                <a:cs typeface="Trebuchet MS"/>
-              </a:rPr>
-              <a:t>pueden </a:t>
-            </a:r>
-            <a:r>
-              <a:rPr sz="1600" spc="35" dirty="0">
-                <a:latin typeface="Trebuchet MS"/>
-                <a:cs typeface="Trebuchet MS"/>
-              </a:rPr>
-              <a:t>hacer </a:t>
+              <a:rPr lang="es-MX" sz="1600" spc="10" dirty="0">
+                <a:latin typeface="Trebuchet MS"/>
+                <a:cs typeface="Trebuchet MS"/>
+              </a:rPr>
+              <a:t>Iniciar sesión</a:t>
             </a:r>
             <a:r>
               <a:rPr sz="1600" spc="10" dirty="0">
                 <a:latin typeface="Trebuchet MS"/>
                 <a:cs typeface="Trebuchet MS"/>
               </a:rPr>
-              <a:t>(ModProceso1, </a:t>
+              <a:t>, </a:t>
+            </a:r>
+            <a:r>
+              <a:rPr lang="es-MX" sz="1600" spc="10" dirty="0">
+                <a:latin typeface="Trebuchet MS"/>
+                <a:cs typeface="Trebuchet MS"/>
+              </a:rPr>
+              <a:t>creación de usuario</a:t>
             </a:r>
             <a:r>
               <a:rPr sz="1600" spc="50" dirty="0">
                 <a:latin typeface="Trebuchet MS"/>
                 <a:cs typeface="Trebuchet MS"/>
               </a:rPr>
-              <a:t>ModProceso2,</a:t>
-            </a:r>
-            <a:r>
-              <a:rPr sz="1600" spc="-180" dirty="0">
-                <a:latin typeface="Trebuchet MS"/>
-                <a:cs typeface="Trebuchet MS"/>
-              </a:rPr>
-              <a:t> </a:t>
-            </a:r>
-            <a:r>
-              <a:rPr sz="1600" spc="60" dirty="0">
-                <a:latin typeface="Trebuchet MS"/>
-                <a:cs typeface="Trebuchet MS"/>
-              </a:rPr>
-              <a:t>ModProceso3)</a:t>
+              <a:t>,</a:t>
+            </a:r>
+            <a:r>
+              <a:rPr lang="es-MX" sz="1600" spc="50" dirty="0">
+                <a:latin typeface="Trebuchet MS"/>
+                <a:cs typeface="Trebuchet MS"/>
+              </a:rPr>
+              <a:t>genera reporte de ventas, creación de producto, sectorización de las mesas, genera reporte de faltantes.</a:t>
             </a:r>
             <a:endParaRPr sz="1600" dirty="0">
               <a:latin typeface="Trebuchet MS"/>
@@ -10789,74 +8583,25 @@
               <a:t>Sistema: </a:t>
             </a:r>
             <a:r>
-              <a:rPr sz="1600" spc="45" dirty="0">
-                <a:latin typeface="Trebuchet MS"/>
-                <a:cs typeface="Trebuchet MS"/>
-              </a:rPr>
-              <a:t>Operaciones </a:t>
-            </a:r>
-            <a:r>
-              <a:rPr sz="1600" spc="55" dirty="0">
-                <a:latin typeface="Trebuchet MS"/>
-                <a:cs typeface="Trebuchet MS"/>
-              </a:rPr>
-              <a:t>que </a:t>
-            </a:r>
-            <a:r>
-              <a:rPr sz="1600" spc="105" dirty="0">
-                <a:latin typeface="Trebuchet MS"/>
-                <a:cs typeface="Trebuchet MS"/>
-              </a:rPr>
-              <a:t>NO </a:t>
-            </a:r>
-            <a:r>
-              <a:rPr sz="1600" spc="20" dirty="0">
-                <a:latin typeface="Trebuchet MS"/>
-                <a:cs typeface="Trebuchet MS"/>
-              </a:rPr>
-              <a:t>va </a:t>
+              <a:rPr lang="es-MX" sz="1600" spc="40" dirty="0">
+                <a:latin typeface="Trebuchet MS"/>
+                <a:cs typeface="Trebuchet MS"/>
+              </a:rPr>
+              <a:t>D</a:t>
+            </a:r>
+            <a:r>
+              <a:rPr lang="es-MX" sz="1600" spc="70" dirty="0">
+                <a:latin typeface="Trebuchet MS"/>
+                <a:cs typeface="Trebuchet MS"/>
+              </a:rPr>
+              <a:t>omicilios, pauta publicitaria</a:t>
             </a:r>
             <a:r>
               <a:rPr sz="1600" spc="35" dirty="0">
                 <a:latin typeface="Trebuchet MS"/>
                 <a:cs typeface="Trebuchet MS"/>
               </a:rPr>
-              <a:t>hacer </a:t>
-            </a:r>
-            <a:r>
-              <a:rPr sz="1600" spc="-10" dirty="0">
-                <a:latin typeface="Trebuchet MS"/>
-                <a:cs typeface="Trebuchet MS"/>
-              </a:rPr>
-              <a:t>el </a:t>
-            </a:r>
-            <a:r>
-              <a:rPr sz="1600" spc="70" dirty="0">
-                <a:latin typeface="Trebuchet MS"/>
-                <a:cs typeface="Trebuchet MS"/>
-              </a:rPr>
-              <a:t>Sistema</a:t>
-            </a:r>
-            <a:r>
-              <a:rPr sz="1600" spc="-310" dirty="0">
-                <a:latin typeface="Trebuchet MS"/>
-                <a:cs typeface="Trebuchet MS"/>
-              </a:rPr>
-              <a:t> </a:t>
-            </a:r>
-            <a:r>
-              <a:rPr sz="1600" spc="40" dirty="0">
-                <a:latin typeface="Trebuchet MS"/>
-                <a:cs typeface="Trebuchet MS"/>
-              </a:rPr>
-              <a:t>(ModProceso4, </a:t>
-            </a:r>
-            <a:r>
-              <a:rPr sz="1600" spc="35" dirty="0">
-                <a:latin typeface="Trebuchet MS"/>
-                <a:cs typeface="Trebuchet MS"/>
-              </a:rPr>
-              <a:t>ModProceso5).</a:t>
+              <a:t>.</a:t>
             </a:r>
             <a:endParaRPr sz="1600" dirty="0">
               <a:latin typeface="Trebuchet MS"/>
@@ -10868,483 +8613,8 @@
               <a:lnSpc>
                 <a:spcPct val="100000"/>
               </a:lnSpc>
-              <a:buFont typeface="Arial"/>
-              <a:buChar char="•"/>
             </a:pPr>
             <a:endParaRPr sz="1650" dirty="0">
-              <a:latin typeface="Trebuchet MS"/>
-              <a:cs typeface="Trebuchet MS"/>
-            </a:endParaRPr>
-          </a:p>
-          <a:p>
-            <a:pPr marL="298450" marR="213360" indent="-285750">
-              <a:lnSpc>
-                <a:spcPct val="100000"/>
-              </a:lnSpc>
-              <a:spcBef>
-                <a:spcPts val="5"/>
-              </a:spcBef>
-              <a:buFont typeface="Arial"/>
-              <a:buChar char="•"/>
-              <a:tabLst>
-                <a:tab pos="297815" algn="l"/>
-                <a:tab pos="298450" algn="l"/>
-              </a:tabLst>
-            </a:pPr>
-            <a:r>
-              <a:rPr sz="1600" spc="15" dirty="0">
-                <a:latin typeface="Trebuchet MS"/>
-                <a:cs typeface="Trebuchet MS"/>
-              </a:rPr>
-              <a:t>Tecnologías: </a:t>
-            </a:r>
-            <a:r>
-              <a:rPr sz="1600" spc="45" dirty="0">
-                <a:latin typeface="Trebuchet MS"/>
-                <a:cs typeface="Trebuchet MS"/>
-              </a:rPr>
-              <a:t>Descripción de </a:t>
-            </a:r>
-            <a:r>
-              <a:rPr sz="1600" spc="35" dirty="0">
-                <a:latin typeface="Trebuchet MS"/>
-                <a:cs typeface="Trebuchet MS"/>
-              </a:rPr>
-              <a:t>tecnologías </a:t>
-            </a:r>
-            <a:r>
-              <a:rPr sz="1600" spc="20" dirty="0">
-                <a:latin typeface="Trebuchet MS"/>
-                <a:cs typeface="Trebuchet MS"/>
-              </a:rPr>
-              <a:t>del </a:t>
-            </a:r>
-            <a:r>
-              <a:rPr sz="1600" spc="35" dirty="0">
-                <a:latin typeface="Trebuchet MS"/>
-                <a:cs typeface="Trebuchet MS"/>
-              </a:rPr>
-              <a:t>proyecto </a:t>
-            </a:r>
-            <a:r>
-              <a:rPr sz="1600" spc="10" dirty="0">
-                <a:latin typeface="Trebuchet MS"/>
-                <a:cs typeface="Trebuchet MS"/>
-              </a:rPr>
-              <a:t>(Arquitectura </a:t>
-            </a:r>
-            <a:r>
-              <a:rPr sz="1600" spc="50" dirty="0">
-                <a:latin typeface="Trebuchet MS"/>
-                <a:cs typeface="Trebuchet MS"/>
-              </a:rPr>
-              <a:t>de </a:t>
-            </a:r>
-            <a:r>
-              <a:rPr sz="1600" spc="10" dirty="0">
-                <a:latin typeface="Trebuchet MS"/>
-                <a:cs typeface="Trebuchet MS"/>
-              </a:rPr>
-              <a:t>software, </a:t>
-            </a:r>
-            <a:r>
-              <a:rPr sz="1600" spc="50" dirty="0">
-                <a:latin typeface="Trebuchet MS"/>
-                <a:cs typeface="Trebuchet MS"/>
-              </a:rPr>
-              <a:t>patrones de </a:t>
-            </a:r>
-            <a:r>
-              <a:rPr sz="1600" spc="10" dirty="0">
-                <a:latin typeface="Trebuchet MS"/>
-                <a:cs typeface="Trebuchet MS"/>
-              </a:rPr>
-              <a:t>diseño,</a:t>
-            </a:r>
-            <a:r>
-              <a:rPr sz="1600" spc="-125" dirty="0">
-                <a:latin typeface="Trebuchet MS"/>
-                <a:cs typeface="Trebuchet MS"/>
-              </a:rPr>
-              <a:t> </a:t>
-            </a:r>
-            <a:r>
-              <a:rPr sz="1600" spc="50" dirty="0">
-                <a:latin typeface="Trebuchet MS"/>
-                <a:cs typeface="Trebuchet MS"/>
-              </a:rPr>
-              <a:t>Back-End,  Frond-End, </a:t>
-            </a:r>
-            <a:r>
-              <a:rPr sz="1600" spc="-20" dirty="0">
-                <a:latin typeface="Trebuchet MS"/>
-                <a:cs typeface="Trebuchet MS"/>
-              </a:rPr>
-              <a:t>librerías, </a:t>
-            </a:r>
-            <a:r>
-              <a:rPr sz="1600" spc="30" dirty="0">
-                <a:latin typeface="Trebuchet MS"/>
-                <a:cs typeface="Trebuchet MS"/>
-              </a:rPr>
-              <a:t>frameworks, </a:t>
-            </a:r>
-            <a:r>
-              <a:rPr sz="1600" spc="15" dirty="0">
-                <a:latin typeface="Trebuchet MS"/>
-                <a:cs typeface="Trebuchet MS"/>
-              </a:rPr>
-              <a:t>entre</a:t>
-            </a:r>
-            <a:r>
-              <a:rPr sz="1600" spc="-30" dirty="0">
-                <a:latin typeface="Trebuchet MS"/>
-                <a:cs typeface="Trebuchet MS"/>
-              </a:rPr>
-              <a:t> </a:t>
-            </a:r>
-            <a:r>
-              <a:rPr sz="1600" spc="25" dirty="0">
-                <a:latin typeface="Trebuchet MS"/>
-                <a:cs typeface="Trebuchet MS"/>
-              </a:rPr>
-              <a:t>otros)</a:t>
-            </a:r>
-            <a:endParaRPr sz="1600" dirty="0">
-              <a:latin typeface="Trebuchet MS"/>
-              <a:cs typeface="Trebuchet MS"/>
-            </a:endParaRPr>
-          </a:p>
-          <a:p>
-            <a:pPr>
-              <a:lnSpc>
-                <a:spcPct val="100000"/>
-              </a:lnSpc>
-              <a:buFont typeface="Arial"/>
-              <a:buChar char="•"/>
-            </a:pPr>
-            <a:endParaRPr sz="1900" dirty="0">
-              <a:latin typeface="Trebuchet MS"/>
-              <a:cs typeface="Trebuchet MS"/>
-            </a:endParaRPr>
-          </a:p>
-          <a:p>
-            <a:pPr marL="298450" marR="5080" indent="-285750">
-              <a:lnSpc>
-                <a:spcPct val="100000"/>
-              </a:lnSpc>
-              <a:spcBef>
-                <a:spcPts val="1635"/>
-              </a:spcBef>
-              <a:buFont typeface="Arial"/>
-              <a:buChar char="•"/>
-              <a:tabLst>
-                <a:tab pos="297815" algn="l"/>
-                <a:tab pos="298450" algn="l"/>
-              </a:tabLst>
-            </a:pPr>
-            <a:r>
-              <a:rPr sz="1600" dirty="0">
-                <a:latin typeface="Trebuchet MS"/>
-                <a:cs typeface="Trebuchet MS"/>
-              </a:rPr>
-              <a:t>NOTA:</a:t>
-            </a:r>
-            <a:r>
-              <a:rPr sz="1600" spc="10" dirty="0">
-                <a:latin typeface="Trebuchet MS"/>
-                <a:cs typeface="Trebuchet MS"/>
-              </a:rPr>
-              <a:t> </a:t>
-            </a:r>
-            <a:r>
-              <a:rPr sz="1600" spc="100" dirty="0">
-                <a:latin typeface="Trebuchet MS"/>
-                <a:cs typeface="Trebuchet MS"/>
-              </a:rPr>
-              <a:t>No</a:t>
-            </a:r>
-            <a:r>
-              <a:rPr sz="1600" spc="20" dirty="0">
-                <a:latin typeface="Trebuchet MS"/>
-                <a:cs typeface="Trebuchet MS"/>
-              </a:rPr>
-              <a:t> </a:t>
-            </a:r>
-            <a:r>
-              <a:rPr sz="1600" spc="90" dirty="0">
-                <a:latin typeface="Trebuchet MS"/>
-                <a:cs typeface="Trebuchet MS"/>
-              </a:rPr>
-              <a:t>se</a:t>
-            </a:r>
-            <a:r>
-              <a:rPr sz="1600" spc="20" dirty="0">
-                <a:latin typeface="Trebuchet MS"/>
-                <a:cs typeface="Trebuchet MS"/>
-              </a:rPr>
-              <a:t> </a:t>
-            </a:r>
-            <a:r>
-              <a:rPr sz="1600" spc="85" dirty="0">
-                <a:latin typeface="Trebuchet MS"/>
-                <a:cs typeface="Trebuchet MS"/>
-              </a:rPr>
-              <a:t>usan</a:t>
-            </a:r>
-            <a:r>
-              <a:rPr sz="1600" spc="35" dirty="0">
-                <a:latin typeface="Trebuchet MS"/>
-                <a:cs typeface="Trebuchet MS"/>
-              </a:rPr>
-              <a:t> </a:t>
-            </a:r>
-            <a:r>
-              <a:rPr sz="1600" spc="25" dirty="0">
-                <a:latin typeface="Trebuchet MS"/>
-                <a:cs typeface="Trebuchet MS"/>
-              </a:rPr>
-              <a:t>viñetas</a:t>
-            </a:r>
-            <a:r>
-              <a:rPr sz="1600" spc="15" dirty="0">
-                <a:latin typeface="Trebuchet MS"/>
-                <a:cs typeface="Trebuchet MS"/>
-              </a:rPr>
-              <a:t> </a:t>
-            </a:r>
-            <a:r>
-              <a:rPr sz="1600" spc="75" dirty="0">
-                <a:latin typeface="Trebuchet MS"/>
-                <a:cs typeface="Trebuchet MS"/>
-              </a:rPr>
-              <a:t>o</a:t>
-            </a:r>
-            <a:r>
-              <a:rPr sz="1600" spc="20" dirty="0">
-                <a:latin typeface="Trebuchet MS"/>
-                <a:cs typeface="Trebuchet MS"/>
-              </a:rPr>
-              <a:t> </a:t>
-            </a:r>
-            <a:r>
-              <a:rPr sz="1600" spc="25" dirty="0">
-                <a:latin typeface="Trebuchet MS"/>
-                <a:cs typeface="Trebuchet MS"/>
-              </a:rPr>
-              <a:t>numeración, a</a:t>
-            </a:r>
-            <a:r>
-              <a:rPr sz="1600" spc="20" dirty="0">
-                <a:latin typeface="Trebuchet MS"/>
-                <a:cs typeface="Trebuchet MS"/>
-              </a:rPr>
-              <a:t> </a:t>
-            </a:r>
-            <a:r>
-              <a:rPr sz="1600" spc="110" dirty="0">
-                <a:latin typeface="Trebuchet MS"/>
-                <a:cs typeface="Trebuchet MS"/>
-              </a:rPr>
-              <a:t>menos</a:t>
-            </a:r>
-            <a:r>
-              <a:rPr sz="1600" spc="25" dirty="0">
-                <a:latin typeface="Trebuchet MS"/>
-                <a:cs typeface="Trebuchet MS"/>
-              </a:rPr>
-              <a:t> </a:t>
-            </a:r>
-            <a:r>
-              <a:rPr sz="1600" spc="55" dirty="0">
-                <a:latin typeface="Trebuchet MS"/>
-                <a:cs typeface="Trebuchet MS"/>
-              </a:rPr>
-              <a:t>que</a:t>
-            </a:r>
-            <a:r>
-              <a:rPr sz="1600" spc="20" dirty="0">
-                <a:latin typeface="Trebuchet MS"/>
-                <a:cs typeface="Trebuchet MS"/>
-              </a:rPr>
-              <a:t> </a:t>
-            </a:r>
-            <a:r>
-              <a:rPr sz="1600" spc="70" dirty="0">
-                <a:latin typeface="Trebuchet MS"/>
-                <a:cs typeface="Trebuchet MS"/>
-              </a:rPr>
-              <a:t>sea</a:t>
-            </a:r>
-            <a:r>
-              <a:rPr sz="1600" spc="20" dirty="0">
-                <a:latin typeface="Trebuchet MS"/>
-                <a:cs typeface="Trebuchet MS"/>
-              </a:rPr>
-              <a:t> </a:t>
-            </a:r>
-            <a:r>
-              <a:rPr sz="1600" spc="30" dirty="0">
-                <a:latin typeface="Trebuchet MS"/>
-                <a:cs typeface="Trebuchet MS"/>
-              </a:rPr>
-              <a:t>para</a:t>
-            </a:r>
-            <a:r>
-              <a:rPr sz="1600" spc="25" dirty="0">
-                <a:latin typeface="Trebuchet MS"/>
-                <a:cs typeface="Trebuchet MS"/>
-              </a:rPr>
-              <a:t> </a:t>
-            </a:r>
-            <a:r>
-              <a:rPr sz="1600" spc="35" dirty="0">
-                <a:latin typeface="Trebuchet MS"/>
-                <a:cs typeface="Trebuchet MS"/>
-              </a:rPr>
-              <a:t>contar</a:t>
-            </a:r>
-            <a:r>
-              <a:rPr sz="1600" spc="25" dirty="0">
-                <a:latin typeface="Trebuchet MS"/>
-                <a:cs typeface="Trebuchet MS"/>
-              </a:rPr>
-              <a:t> </a:t>
-            </a:r>
-            <a:r>
-              <a:rPr sz="1600" spc="75" dirty="0">
-                <a:latin typeface="Trebuchet MS"/>
-                <a:cs typeface="Trebuchet MS"/>
-              </a:rPr>
-              <a:t>o</a:t>
-            </a:r>
-            <a:r>
-              <a:rPr sz="1600" spc="20" dirty="0">
-                <a:latin typeface="Trebuchet MS"/>
-                <a:cs typeface="Trebuchet MS"/>
-              </a:rPr>
-              <a:t> describir</a:t>
-            </a:r>
-            <a:r>
-              <a:rPr sz="1600" spc="10" dirty="0">
-                <a:latin typeface="Trebuchet MS"/>
-                <a:cs typeface="Trebuchet MS"/>
-              </a:rPr>
-              <a:t> </a:t>
-            </a:r>
-            <a:r>
-              <a:rPr sz="1600" spc="60" dirty="0">
-                <a:latin typeface="Trebuchet MS"/>
-                <a:cs typeface="Trebuchet MS"/>
-              </a:rPr>
-              <a:t>una</a:t>
-            </a:r>
-            <a:r>
-              <a:rPr sz="1600" spc="30" dirty="0">
-                <a:latin typeface="Trebuchet MS"/>
-                <a:cs typeface="Trebuchet MS"/>
-              </a:rPr>
-              <a:t> </a:t>
-            </a:r>
-            <a:r>
-              <a:rPr sz="1600" spc="15" dirty="0">
-                <a:latin typeface="Trebuchet MS"/>
-                <a:cs typeface="Trebuchet MS"/>
-              </a:rPr>
-              <a:t>serie</a:t>
-            </a:r>
-            <a:r>
-              <a:rPr sz="1600" spc="5" dirty="0">
-                <a:latin typeface="Trebuchet MS"/>
-                <a:cs typeface="Trebuchet MS"/>
-              </a:rPr>
-              <a:t> </a:t>
-            </a:r>
-            <a:r>
-              <a:rPr sz="1600" spc="50" dirty="0">
-                <a:latin typeface="Trebuchet MS"/>
-                <a:cs typeface="Trebuchet MS"/>
-              </a:rPr>
-              <a:t>de</a:t>
-            </a:r>
-            <a:r>
-              <a:rPr sz="1600" spc="20" dirty="0">
-                <a:latin typeface="Trebuchet MS"/>
-                <a:cs typeface="Trebuchet MS"/>
-              </a:rPr>
-              <a:t> </a:t>
-            </a:r>
-            <a:r>
-              <a:rPr sz="1600" spc="45" dirty="0">
-                <a:latin typeface="Trebuchet MS"/>
-                <a:cs typeface="Trebuchet MS"/>
-              </a:rPr>
-              <a:t>pasos.</a:t>
-            </a:r>
-            <a:r>
-              <a:rPr sz="1600" spc="35" dirty="0">
-                <a:latin typeface="Trebuchet MS"/>
-                <a:cs typeface="Trebuchet MS"/>
-              </a:rPr>
-              <a:t> </a:t>
-            </a:r>
-            <a:r>
-              <a:rPr sz="1600" spc="120" dirty="0">
-                <a:latin typeface="Trebuchet MS"/>
-                <a:cs typeface="Trebuchet MS"/>
-              </a:rPr>
-              <a:t>Se</a:t>
-            </a:r>
-            <a:r>
-              <a:rPr sz="1600" spc="10" dirty="0">
-                <a:latin typeface="Trebuchet MS"/>
-                <a:cs typeface="Trebuchet MS"/>
-              </a:rPr>
-              <a:t> </a:t>
-            </a:r>
-            <a:r>
-              <a:rPr sz="1600" spc="55" dirty="0">
-                <a:latin typeface="Trebuchet MS"/>
-                <a:cs typeface="Trebuchet MS"/>
-              </a:rPr>
-              <a:t>pueden  </a:t>
-            </a:r>
-            <a:r>
-              <a:rPr sz="1600" spc="-15" dirty="0">
-                <a:latin typeface="Trebuchet MS"/>
-                <a:cs typeface="Trebuchet MS"/>
-              </a:rPr>
-              <a:t>utilizar </a:t>
-            </a:r>
-            <a:r>
-              <a:rPr sz="1600" spc="55" dirty="0">
-                <a:latin typeface="Trebuchet MS"/>
-                <a:cs typeface="Trebuchet MS"/>
-              </a:rPr>
-              <a:t>imágenes </a:t>
-            </a:r>
-            <a:r>
-              <a:rPr sz="1600" spc="50" dirty="0">
-                <a:latin typeface="Trebuchet MS"/>
-                <a:cs typeface="Trebuchet MS"/>
-              </a:rPr>
-              <a:t>de</a:t>
-            </a:r>
-            <a:r>
-              <a:rPr sz="1600" spc="-20" dirty="0">
-                <a:latin typeface="Trebuchet MS"/>
-                <a:cs typeface="Trebuchet MS"/>
-              </a:rPr>
-              <a:t> </a:t>
-            </a:r>
-            <a:r>
-              <a:rPr sz="1600" spc="5" dirty="0">
-                <a:latin typeface="Trebuchet MS"/>
-                <a:cs typeface="Trebuchet MS"/>
-              </a:rPr>
-              <a:t>apoyo.</a:t>
-            </a:r>
-            <a:endParaRPr sz="1600" dirty="0">
               <a:latin typeface="Trebuchet MS"/>
               <a:cs typeface="Trebuchet MS"/>
             </a:endParaRPr>
@@ -11489,8 +8759,69 @@
         </p:nvSpPr>
         <p:spPr>
           <a:xfrm>
-            <a:off x="534923" y="365251"/>
-            <a:ext cx="3463925" cy="695960"/>
+            <a:off x="534923" y="253238"/>
+            <a:ext cx="6443345" cy="951865"/>
+          </a:xfrm>
+          <a:prstGeom prst="rect">
+            <a:avLst/>
+          </a:prstGeom>
+        </p:spPr>
+        <p:txBody>
+          <a:bodyPr vert="horz" wrap="square" lIns="0" tIns="67310" rIns="0" bIns="0" rtlCol="0">
+            <a:spAutoFit/>
+          </a:bodyPr>
+          <a:lstStyle/>
+          <a:p>
+            <a:pPr marL="12700" marR="5080">
+              <a:lnSpc>
+                <a:spcPts val="3460"/>
+              </a:lnSpc>
+              <a:spcBef>
+                <a:spcPts val="530"/>
+              </a:spcBef>
+            </a:pPr>
+            <a:r>
+              <a:rPr sz="3200" spc="165" dirty="0"/>
+              <a:t>Entregables </a:t>
+            </a:r>
+            <a:r>
+              <a:rPr sz="3200" spc="150" dirty="0"/>
+              <a:t>Proyecto</a:t>
+            </a:r>
+            <a:r>
+              <a:rPr sz="3200" spc="20" dirty="0"/>
+              <a:t> </a:t>
+            </a:r>
+            <a:r>
+              <a:rPr sz="3200" spc="160" dirty="0"/>
+              <a:t>Formativo  </a:t>
+            </a:r>
+            <a:r>
+              <a:rPr sz="3200" spc="165" dirty="0"/>
+              <a:t>por</a:t>
+            </a:r>
+            <a:r>
+              <a:rPr sz="3200" spc="75" dirty="0"/>
+              <a:t> </a:t>
+            </a:r>
+            <a:r>
+              <a:rPr sz="3200" spc="145" dirty="0"/>
+              <a:t>Trimestre</a:t>
+            </a:r>
+            <a:endParaRPr sz="3200"/>
+          </a:p>
+        </p:txBody>
+      </p:sp>
+      <p:sp>
+        <p:nvSpPr>
+          <p:cNvPr id="8" name="object 8"/>
+          <p:cNvSpPr txBox="1"/>
+          <p:nvPr/>
+        </p:nvSpPr>
+        <p:spPr>
+          <a:xfrm>
+            <a:off x="1445005" y="1905762"/>
+            <a:ext cx="2848610" cy="2159000"/>
           </a:xfrm>
           <a:prstGeom prst="rect">
             <a:avLst/>
@@ -11502,32 +8833,520 @@
           </a:bodyPr>
           <a:lstStyle/>
           <a:p>
-            <a:pPr marL="12700">
+            <a:pPr marL="184150" indent="-171450">
               <a:lnSpc>
                 <a:spcPct val="100000"/>
               </a:lnSpc>
               <a:spcBef>
                 <a:spcPts val="95"/>
               </a:spcBef>
+              <a:buFont typeface="Arial"/>
+              <a:buChar char="•"/>
+              <a:tabLst>
+                <a:tab pos="184150" algn="l"/>
+              </a:tabLst>
             </a:pPr>
             <a:r>
-              <a:rPr sz="4400" spc="185" dirty="0"/>
-              <a:t>Delimitación</a:t>
-            </a:r>
-            <a:endParaRPr sz="4400"/>
+              <a:rPr sz="1400" spc="25" dirty="0">
+                <a:latin typeface="Trebuchet MS"/>
+                <a:cs typeface="Trebuchet MS"/>
+              </a:rPr>
+              <a:t>Plan </a:t>
+            </a:r>
+            <a:r>
+              <a:rPr sz="1400" spc="40" dirty="0">
+                <a:latin typeface="Trebuchet MS"/>
+                <a:cs typeface="Trebuchet MS"/>
+              </a:rPr>
+              <a:t>de</a:t>
+            </a:r>
+            <a:r>
+              <a:rPr sz="1400" spc="-5" dirty="0">
+                <a:latin typeface="Trebuchet MS"/>
+                <a:cs typeface="Trebuchet MS"/>
+              </a:rPr>
+              <a:t> </a:t>
+            </a:r>
+            <a:r>
+              <a:rPr sz="1400" spc="25" dirty="0">
+                <a:latin typeface="Trebuchet MS"/>
+                <a:cs typeface="Trebuchet MS"/>
+              </a:rPr>
+              <a:t>Proyecto</a:t>
+            </a:r>
+            <a:endParaRPr sz="1400">
+              <a:latin typeface="Trebuchet MS"/>
+              <a:cs typeface="Trebuchet MS"/>
+            </a:endParaRPr>
+          </a:p>
+          <a:p>
+            <a:pPr marL="184150" indent="-171450">
+              <a:lnSpc>
+                <a:spcPct val="100000"/>
+              </a:lnSpc>
+              <a:buFont typeface="Arial"/>
+              <a:buChar char="•"/>
+              <a:tabLst>
+                <a:tab pos="184150" algn="l"/>
+              </a:tabLst>
+            </a:pPr>
+            <a:r>
+              <a:rPr sz="1400" spc="30" dirty="0">
+                <a:latin typeface="Trebuchet MS"/>
+                <a:cs typeface="Trebuchet MS"/>
+              </a:rPr>
+              <a:t>Levantamiento </a:t>
+            </a:r>
+            <a:r>
+              <a:rPr sz="1400" spc="40" dirty="0">
+                <a:latin typeface="Trebuchet MS"/>
+                <a:cs typeface="Trebuchet MS"/>
+              </a:rPr>
+              <a:t>de</a:t>
+            </a:r>
+            <a:r>
+              <a:rPr sz="1400" spc="-10" dirty="0">
+                <a:latin typeface="Trebuchet MS"/>
+                <a:cs typeface="Trebuchet MS"/>
+              </a:rPr>
+              <a:t> </a:t>
+            </a:r>
+            <a:r>
+              <a:rPr sz="1400" spc="35" dirty="0">
+                <a:latin typeface="Trebuchet MS"/>
+                <a:cs typeface="Trebuchet MS"/>
+              </a:rPr>
+              <a:t>Información</a:t>
+            </a:r>
+            <a:endParaRPr sz="1400">
+              <a:latin typeface="Trebuchet MS"/>
+              <a:cs typeface="Trebuchet MS"/>
+            </a:endParaRPr>
+          </a:p>
+          <a:p>
+            <a:pPr marL="184150" indent="-171450">
+              <a:lnSpc>
+                <a:spcPct val="100000"/>
+              </a:lnSpc>
+              <a:spcBef>
+                <a:spcPts val="5"/>
+              </a:spcBef>
+              <a:buFont typeface="Arial"/>
+              <a:buChar char="•"/>
+              <a:tabLst>
+                <a:tab pos="184150" algn="l"/>
+              </a:tabLst>
+            </a:pPr>
+            <a:r>
+              <a:rPr sz="1400" spc="35" dirty="0">
+                <a:latin typeface="Trebuchet MS"/>
+                <a:cs typeface="Trebuchet MS"/>
+              </a:rPr>
+              <a:t>Diagrama </a:t>
+            </a:r>
+            <a:r>
+              <a:rPr sz="1400" spc="40" dirty="0">
+                <a:latin typeface="Trebuchet MS"/>
+                <a:cs typeface="Trebuchet MS"/>
+              </a:rPr>
+              <a:t>de</a:t>
+            </a:r>
+            <a:r>
+              <a:rPr sz="1400" spc="10" dirty="0">
+                <a:latin typeface="Trebuchet MS"/>
+                <a:cs typeface="Trebuchet MS"/>
+              </a:rPr>
+              <a:t> </a:t>
+            </a:r>
+            <a:r>
+              <a:rPr sz="1400" spc="60" dirty="0">
+                <a:latin typeface="Trebuchet MS"/>
+                <a:cs typeface="Trebuchet MS"/>
+              </a:rPr>
+              <a:t>Procesos</a:t>
+            </a:r>
+            <a:endParaRPr sz="1400">
+              <a:latin typeface="Trebuchet MS"/>
+              <a:cs typeface="Trebuchet MS"/>
+            </a:endParaRPr>
+          </a:p>
+          <a:p>
+            <a:pPr marL="184150" indent="-171450">
+              <a:lnSpc>
+                <a:spcPct val="100000"/>
+              </a:lnSpc>
+              <a:buFont typeface="Arial"/>
+              <a:buChar char="•"/>
+              <a:tabLst>
+                <a:tab pos="184150" algn="l"/>
+              </a:tabLst>
+            </a:pPr>
+            <a:r>
+              <a:rPr sz="1400" spc="80" dirty="0">
+                <a:latin typeface="Trebuchet MS"/>
+                <a:cs typeface="Trebuchet MS"/>
+              </a:rPr>
+              <a:t>IEEE-830 </a:t>
+            </a:r>
+            <a:r>
+              <a:rPr sz="1400" spc="65" dirty="0">
+                <a:latin typeface="Trebuchet MS"/>
+                <a:cs typeface="Trebuchet MS"/>
+              </a:rPr>
+              <a:t>o </a:t>
+            </a:r>
+            <a:r>
+              <a:rPr sz="1400" spc="25" dirty="0">
+                <a:latin typeface="Trebuchet MS"/>
+                <a:cs typeface="Trebuchet MS"/>
+              </a:rPr>
+              <a:t>Historias </a:t>
+            </a:r>
+            <a:r>
+              <a:rPr sz="1400" spc="40" dirty="0">
+                <a:latin typeface="Trebuchet MS"/>
+                <a:cs typeface="Trebuchet MS"/>
+              </a:rPr>
+              <a:t>de</a:t>
+            </a:r>
+            <a:r>
+              <a:rPr sz="1400" spc="-100" dirty="0">
+                <a:latin typeface="Trebuchet MS"/>
+                <a:cs typeface="Trebuchet MS"/>
+              </a:rPr>
+              <a:t> </a:t>
+            </a:r>
+            <a:r>
+              <a:rPr sz="1400" spc="35" dirty="0">
+                <a:latin typeface="Trebuchet MS"/>
+                <a:cs typeface="Trebuchet MS"/>
+              </a:rPr>
+              <a:t>Usuario</a:t>
+            </a:r>
+            <a:endParaRPr sz="1400">
+              <a:latin typeface="Trebuchet MS"/>
+              <a:cs typeface="Trebuchet MS"/>
+            </a:endParaRPr>
+          </a:p>
+          <a:p>
+            <a:pPr marL="184150" indent="-171450">
+              <a:lnSpc>
+                <a:spcPct val="100000"/>
+              </a:lnSpc>
+              <a:buFont typeface="Arial"/>
+              <a:buChar char="•"/>
+              <a:tabLst>
+                <a:tab pos="184150" algn="l"/>
+              </a:tabLst>
+            </a:pPr>
+            <a:r>
+              <a:rPr sz="1400" spc="35" dirty="0">
+                <a:latin typeface="Trebuchet MS"/>
+                <a:cs typeface="Trebuchet MS"/>
+              </a:rPr>
+              <a:t>Diagrama </a:t>
+            </a:r>
+            <a:r>
+              <a:rPr sz="1400" spc="90" dirty="0">
+                <a:latin typeface="Trebuchet MS"/>
+                <a:cs typeface="Trebuchet MS"/>
+              </a:rPr>
+              <a:t>Casos </a:t>
+            </a:r>
+            <a:r>
+              <a:rPr sz="1400" spc="40" dirty="0">
+                <a:latin typeface="Trebuchet MS"/>
+                <a:cs typeface="Trebuchet MS"/>
+              </a:rPr>
+              <a:t>de</a:t>
+            </a:r>
+            <a:r>
+              <a:rPr sz="1400" spc="-60" dirty="0">
+                <a:latin typeface="Trebuchet MS"/>
+                <a:cs typeface="Trebuchet MS"/>
+              </a:rPr>
+              <a:t> </a:t>
+            </a:r>
+            <a:r>
+              <a:rPr sz="1400" spc="85" dirty="0">
+                <a:latin typeface="Trebuchet MS"/>
+                <a:cs typeface="Trebuchet MS"/>
+              </a:rPr>
+              <a:t>Uso</a:t>
+            </a:r>
+            <a:endParaRPr sz="1400">
+              <a:latin typeface="Trebuchet MS"/>
+              <a:cs typeface="Trebuchet MS"/>
+            </a:endParaRPr>
+          </a:p>
+          <a:p>
+            <a:pPr marL="184150" indent="-171450">
+              <a:lnSpc>
+                <a:spcPct val="100000"/>
+              </a:lnSpc>
+              <a:buFont typeface="Arial"/>
+              <a:buChar char="•"/>
+              <a:tabLst>
+                <a:tab pos="184150" algn="l"/>
+              </a:tabLst>
+            </a:pPr>
+            <a:r>
+              <a:rPr sz="1400" spc="90" dirty="0">
+                <a:latin typeface="Trebuchet MS"/>
+                <a:cs typeface="Trebuchet MS"/>
+              </a:rPr>
+              <a:t>Casos </a:t>
+            </a:r>
+            <a:r>
+              <a:rPr sz="1400" spc="40" dirty="0">
+                <a:latin typeface="Trebuchet MS"/>
+                <a:cs typeface="Trebuchet MS"/>
+              </a:rPr>
+              <a:t>de </a:t>
+            </a:r>
+            <a:r>
+              <a:rPr sz="1400" spc="85" dirty="0">
+                <a:latin typeface="Trebuchet MS"/>
+                <a:cs typeface="Trebuchet MS"/>
+              </a:rPr>
+              <a:t>Uso</a:t>
+            </a:r>
+            <a:r>
+              <a:rPr sz="1400" spc="-65" dirty="0">
+                <a:latin typeface="Trebuchet MS"/>
+                <a:cs typeface="Trebuchet MS"/>
+              </a:rPr>
+              <a:t> </a:t>
+            </a:r>
+            <a:r>
+              <a:rPr sz="1400" spc="30" dirty="0">
+                <a:latin typeface="Trebuchet MS"/>
+                <a:cs typeface="Trebuchet MS"/>
+              </a:rPr>
+              <a:t>Extendido</a:t>
+            </a:r>
+            <a:endParaRPr sz="1400">
+              <a:latin typeface="Trebuchet MS"/>
+              <a:cs typeface="Trebuchet MS"/>
+            </a:endParaRPr>
+          </a:p>
+          <a:p>
+            <a:pPr marL="184150" indent="-171450">
+              <a:lnSpc>
+                <a:spcPct val="100000"/>
+              </a:lnSpc>
+              <a:buFont typeface="Arial"/>
+              <a:buChar char="•"/>
+              <a:tabLst>
+                <a:tab pos="184150" algn="l"/>
+              </a:tabLst>
+            </a:pPr>
+            <a:r>
+              <a:rPr sz="1400" spc="35" dirty="0">
+                <a:latin typeface="Trebuchet MS"/>
+                <a:cs typeface="Trebuchet MS"/>
+              </a:rPr>
+              <a:t>Diagrama </a:t>
+            </a:r>
+            <a:r>
+              <a:rPr sz="1400" spc="40" dirty="0">
+                <a:latin typeface="Trebuchet MS"/>
+                <a:cs typeface="Trebuchet MS"/>
+              </a:rPr>
+              <a:t>de</a:t>
+            </a:r>
+            <a:r>
+              <a:rPr sz="1400" spc="10" dirty="0">
+                <a:latin typeface="Trebuchet MS"/>
+                <a:cs typeface="Trebuchet MS"/>
+              </a:rPr>
+              <a:t> </a:t>
+            </a:r>
+            <a:r>
+              <a:rPr sz="1400" spc="60" dirty="0">
+                <a:latin typeface="Trebuchet MS"/>
+                <a:cs typeface="Trebuchet MS"/>
+              </a:rPr>
+              <a:t>Clases</a:t>
+            </a:r>
+            <a:endParaRPr sz="1400">
+              <a:latin typeface="Trebuchet MS"/>
+              <a:cs typeface="Trebuchet MS"/>
+            </a:endParaRPr>
+          </a:p>
+          <a:p>
+            <a:pPr marL="184150" indent="-171450">
+              <a:lnSpc>
+                <a:spcPct val="100000"/>
+              </a:lnSpc>
+              <a:buFont typeface="Arial"/>
+              <a:buChar char="•"/>
+              <a:tabLst>
+                <a:tab pos="184150" algn="l"/>
+              </a:tabLst>
+            </a:pPr>
+            <a:r>
+              <a:rPr sz="1400" spc="15" dirty="0">
+                <a:latin typeface="Trebuchet MS"/>
+                <a:cs typeface="Trebuchet MS"/>
+              </a:rPr>
+              <a:t>Prototipo </a:t>
+            </a:r>
+            <a:r>
+              <a:rPr sz="1400" spc="85" dirty="0">
+                <a:latin typeface="Trebuchet MS"/>
+                <a:cs typeface="Trebuchet MS"/>
+              </a:rPr>
+              <a:t>No</a:t>
+            </a:r>
+            <a:r>
+              <a:rPr sz="1400" spc="30" dirty="0">
+                <a:latin typeface="Trebuchet MS"/>
+                <a:cs typeface="Trebuchet MS"/>
+              </a:rPr>
+              <a:t> </a:t>
+            </a:r>
+            <a:r>
+              <a:rPr sz="1400" spc="35" dirty="0">
+                <a:latin typeface="Trebuchet MS"/>
+                <a:cs typeface="Trebuchet MS"/>
+              </a:rPr>
+              <a:t>Funcional</a:t>
+            </a:r>
+            <a:endParaRPr sz="1400">
+              <a:latin typeface="Trebuchet MS"/>
+              <a:cs typeface="Trebuchet MS"/>
+            </a:endParaRPr>
+          </a:p>
+          <a:p>
+            <a:pPr marL="184150" indent="-171450">
+              <a:lnSpc>
+                <a:spcPct val="100000"/>
+              </a:lnSpc>
+              <a:buFont typeface="Arial"/>
+              <a:buChar char="•"/>
+              <a:tabLst>
+                <a:tab pos="184150" algn="l"/>
+              </a:tabLst>
+            </a:pPr>
+            <a:r>
+              <a:rPr sz="1400" spc="25" dirty="0">
+                <a:latin typeface="Trebuchet MS"/>
+                <a:cs typeface="Trebuchet MS"/>
+              </a:rPr>
+              <a:t>Patrón </a:t>
+            </a:r>
+            <a:r>
+              <a:rPr sz="1400" spc="40" dirty="0">
+                <a:latin typeface="Trebuchet MS"/>
+                <a:cs typeface="Trebuchet MS"/>
+              </a:rPr>
+              <a:t>de</a:t>
+            </a:r>
+            <a:r>
+              <a:rPr sz="1400" spc="-5" dirty="0">
+                <a:latin typeface="Trebuchet MS"/>
+                <a:cs typeface="Trebuchet MS"/>
+              </a:rPr>
+              <a:t> </a:t>
+            </a:r>
+            <a:r>
+              <a:rPr sz="1400" spc="55" dirty="0">
+                <a:latin typeface="Trebuchet MS"/>
+                <a:cs typeface="Trebuchet MS"/>
+              </a:rPr>
+              <a:t>Diseño</a:t>
+            </a:r>
+            <a:endParaRPr sz="1400">
+              <a:latin typeface="Trebuchet MS"/>
+              <a:cs typeface="Trebuchet MS"/>
+            </a:endParaRPr>
+          </a:p>
+          <a:p>
+            <a:pPr marL="184150" indent="-171450">
+              <a:lnSpc>
+                <a:spcPct val="100000"/>
+              </a:lnSpc>
+              <a:buFont typeface="Arial"/>
+              <a:buChar char="•"/>
+              <a:tabLst>
+                <a:tab pos="184150" algn="l"/>
+              </a:tabLst>
+            </a:pPr>
+            <a:r>
+              <a:rPr sz="1400" spc="30" dirty="0">
+                <a:latin typeface="Trebuchet MS"/>
+                <a:cs typeface="Trebuchet MS"/>
+              </a:rPr>
+              <a:t>Entregables</a:t>
+            </a:r>
+            <a:endParaRPr sz="1400">
+              <a:latin typeface="Trebuchet MS"/>
+              <a:cs typeface="Trebuchet MS"/>
+            </a:endParaRPr>
           </a:p>
         </p:txBody>
       </p:sp>
       <p:sp>
         <p:nvSpPr>
-          <p:cNvPr id="8" name="object 8"/>
+          <p:cNvPr id="9" name="object 9"/>
+          <p:cNvSpPr/>
+          <p:nvPr/>
+        </p:nvSpPr>
+        <p:spPr>
+          <a:xfrm>
+            <a:off x="1224533" y="1796795"/>
+            <a:ext cx="971550" cy="45720"/>
+          </a:xfrm>
+          <a:custGeom>
+            <a:avLst/>
+            <a:gdLst/>
+            <a:ahLst/>
+            <a:cxnLst/>
+            <a:rect l="l" t="t" r="r" b="b"/>
+            <a:pathLst>
+              <a:path w="971550" h="45719">
+                <a:moveTo>
+                  <a:pt x="971550" y="0"/>
+                </a:moveTo>
+                <a:lnTo>
+                  <a:pt x="0" y="0"/>
+                </a:lnTo>
+                <a:lnTo>
+                  <a:pt x="0" y="45720"/>
+                </a:lnTo>
+                <a:lnTo>
+                  <a:pt x="971550" y="45720"/>
+                </a:lnTo>
+                <a:lnTo>
+                  <a:pt x="971550" y="0"/>
+                </a:lnTo>
+                <a:close/>
+              </a:path>
+            </a:pathLst>
+          </a:custGeom>
+          <a:solidFill>
+            <a:srgbClr val="D9D9D9"/>
+          </a:solidFill>
+        </p:spPr>
+        <p:txBody>
+          <a:bodyPr wrap="square" lIns="0" tIns="0" rIns="0" bIns="0" rtlCol="0"/>
+          <a:lstStyle/>
+          <a:p>
+            <a:endParaRPr/>
+          </a:p>
+        </p:txBody>
+      </p:sp>
+      <p:sp>
+        <p:nvSpPr>
+          <p:cNvPr id="10" name="object 10"/>
           <p:cNvSpPr txBox="1"/>
           <p:nvPr/>
         </p:nvSpPr>
         <p:spPr>
           <a:xfrm>
-            <a:off x="451104" y="1690877"/>
-            <a:ext cx="10987405" cy="1732914"/>
+            <a:off x="1190497" y="1488947"/>
+            <a:ext cx="1814195" cy="299720"/>
           </a:xfrm>
           <a:prstGeom prst="rect">
             <a:avLst/>
@@ -11548,103 +9367,112 @@
               </a:spcBef>
             </a:pPr>
             <a:r>
-              <a:rPr sz="1600" spc="15" dirty="0">
-                <a:latin typeface="Trebuchet MS"/>
-                <a:cs typeface="Trebuchet MS"/>
-              </a:rPr>
-              <a:t>Párrafo </a:t>
-            </a:r>
-            <a:r>
-              <a:rPr sz="1600" spc="75" dirty="0">
-                <a:latin typeface="Trebuchet MS"/>
-                <a:cs typeface="Trebuchet MS"/>
-              </a:rPr>
-              <a:t>o </a:t>
-            </a:r>
-            <a:r>
-              <a:rPr sz="1600" spc="45" dirty="0">
-                <a:latin typeface="Trebuchet MS"/>
-                <a:cs typeface="Trebuchet MS"/>
-              </a:rPr>
-              <a:t>separación por </a:t>
-            </a:r>
-            <a:r>
-              <a:rPr sz="1600" spc="55" dirty="0">
-                <a:latin typeface="Trebuchet MS"/>
-                <a:cs typeface="Trebuchet MS"/>
-              </a:rPr>
-              <a:t>punto </a:t>
-            </a:r>
-            <a:r>
-              <a:rPr sz="1600" spc="40" dirty="0">
-                <a:latin typeface="Trebuchet MS"/>
-                <a:cs typeface="Trebuchet MS"/>
-              </a:rPr>
-              <a:t>describiendo </a:t>
-            </a:r>
-            <a:r>
-              <a:rPr sz="1600" spc="45" dirty="0">
-                <a:latin typeface="Trebuchet MS"/>
-                <a:cs typeface="Trebuchet MS"/>
-              </a:rPr>
-              <a:t>(máximo </a:t>
-            </a:r>
-            <a:r>
-              <a:rPr sz="1600" spc="85" dirty="0">
-                <a:latin typeface="Trebuchet MS"/>
-                <a:cs typeface="Trebuchet MS"/>
-              </a:rPr>
-              <a:t>6 </a:t>
-            </a:r>
-            <a:r>
-              <a:rPr sz="1600" spc="25" dirty="0">
-                <a:latin typeface="Trebuchet MS"/>
-                <a:cs typeface="Trebuchet MS"/>
-              </a:rPr>
-              <a:t>líneas </a:t>
-            </a:r>
-            <a:r>
-              <a:rPr sz="1600" spc="45" dirty="0">
-                <a:latin typeface="Trebuchet MS"/>
-                <a:cs typeface="Trebuchet MS"/>
-              </a:rPr>
-              <a:t>por</a:t>
-            </a:r>
-            <a:r>
-              <a:rPr sz="1600" spc="-270" dirty="0">
+              <a:rPr sz="1800" spc="15" dirty="0">
+                <a:solidFill>
+                  <a:srgbClr val="38AA00"/>
+                </a:solidFill>
+                <a:latin typeface="Trebuchet MS"/>
+                <a:cs typeface="Trebuchet MS"/>
+              </a:rPr>
+              <a:t>Primer</a:t>
+            </a:r>
+            <a:r>
+              <a:rPr sz="1800" spc="-55" dirty="0">
+                <a:solidFill>
+                  <a:srgbClr val="38AA00"/>
+                </a:solidFill>
                 <a:latin typeface="Trebuchet MS"/>
                 <a:cs typeface="Trebuchet MS"/>
               </a:rPr>
               <a:t> </a:t>
             </a:r>
             <a:r>
-              <a:rPr sz="1600" spc="-15" dirty="0">
-                <a:latin typeface="Trebuchet MS"/>
-                <a:cs typeface="Trebuchet MS"/>
-              </a:rPr>
-              <a:t>párrafo):</a:t>
-            </a:r>
-            <a:endParaRPr sz="1600">
+              <a:rPr sz="1800" spc="15" dirty="0">
+                <a:solidFill>
+                  <a:srgbClr val="38AA00"/>
+                </a:solidFill>
+                <a:latin typeface="Trebuchet MS"/>
+                <a:cs typeface="Trebuchet MS"/>
+              </a:rPr>
+              <a:t>Trimestre</a:t>
+            </a:r>
+            <a:endParaRPr sz="1800">
               <a:latin typeface="Trebuchet MS"/>
               <a:cs typeface="Trebuchet MS"/>
             </a:endParaRPr>
           </a:p>
-          <a:p>
-            <a:pPr>
+        </p:txBody>
+      </p:sp>
+      <p:sp>
+        <p:nvSpPr>
+          <p:cNvPr id="11" name="object 11"/>
+          <p:cNvSpPr txBox="1"/>
+          <p:nvPr/>
+        </p:nvSpPr>
+        <p:spPr>
+          <a:xfrm>
+            <a:off x="1445005" y="4627626"/>
+            <a:ext cx="3378200" cy="1945639"/>
+          </a:xfrm>
+          <a:prstGeom prst="rect">
+            <a:avLst/>
+          </a:prstGeom>
+        </p:spPr>
+        <p:txBody>
+          <a:bodyPr vert="horz" wrap="square" lIns="0" tIns="12065" rIns="0" bIns="0" rtlCol="0">
+            <a:spAutoFit/>
+          </a:bodyPr>
+          <a:lstStyle/>
+          <a:p>
+            <a:pPr marL="298450" indent="-285750">
               <a:lnSpc>
                 <a:spcPct val="100000"/>
               </a:lnSpc>
               <a:spcBef>
-                <a:spcPts val="5"/>
+                <a:spcPts val="95"/>
               </a:spcBef>
+              <a:buFont typeface="Arial"/>
+              <a:buChar char="•"/>
+              <a:tabLst>
+                <a:tab pos="297815" algn="l"/>
+                <a:tab pos="298450" algn="l"/>
+              </a:tabLst>
             </a:pPr>
-            <a:endParaRPr sz="1650">
+            <a:r>
+              <a:rPr sz="1400" spc="55" dirty="0">
+                <a:latin typeface="Trebuchet MS"/>
+                <a:cs typeface="Trebuchet MS"/>
+              </a:rPr>
+              <a:t>Modelo </a:t>
+            </a:r>
+            <a:r>
+              <a:rPr sz="1400" spc="30" dirty="0">
+                <a:latin typeface="Trebuchet MS"/>
+                <a:cs typeface="Trebuchet MS"/>
+              </a:rPr>
+              <a:t>Entidad</a:t>
+            </a:r>
+            <a:r>
+              <a:rPr sz="1400" spc="-10" dirty="0">
+                <a:latin typeface="Trebuchet MS"/>
+                <a:cs typeface="Trebuchet MS"/>
+              </a:rPr>
+              <a:t> </a:t>
+            </a:r>
+            <a:r>
+              <a:rPr sz="1400" spc="25" dirty="0">
+                <a:latin typeface="Trebuchet MS"/>
+                <a:cs typeface="Trebuchet MS"/>
+              </a:rPr>
+              <a:t>Relación</a:t>
+            </a:r>
+            <a:endParaRPr sz="1400">
               <a:latin typeface="Trebuchet MS"/>
               <a:cs typeface="Trebuchet MS"/>
             </a:endParaRPr>
           </a:p>
           <a:p>
-            <a:pPr marL="298450" marR="5080" indent="-285750">
+            <a:pPr marL="298450" indent="-285750">
               <a:lnSpc>
                 <a:spcPct val="100000"/>
               </a:lnSpc>
@@ -11656,479 +9484,1307 @@
               </a:tabLst>
             </a:pPr>
             <a:r>
-              <a:rPr sz="1600" spc="45" dirty="0">
-                <a:latin typeface="Trebuchet MS"/>
-                <a:cs typeface="Trebuchet MS"/>
-              </a:rPr>
-              <a:t>El </a:t>
-            </a:r>
-            <a:r>
-              <a:rPr sz="1600" spc="30" dirty="0">
-                <a:latin typeface="Trebuchet MS"/>
-                <a:cs typeface="Trebuchet MS"/>
-              </a:rPr>
-              <a:t>cronograma: </a:t>
-            </a:r>
-            <a:r>
-              <a:rPr sz="1600" spc="55" dirty="0">
-                <a:latin typeface="Trebuchet MS"/>
-                <a:cs typeface="Trebuchet MS"/>
-              </a:rPr>
-              <a:t>Hasta </a:t>
-            </a:r>
-            <a:r>
-              <a:rPr sz="1600" spc="65" dirty="0">
-                <a:latin typeface="Trebuchet MS"/>
-                <a:cs typeface="Trebuchet MS"/>
-              </a:rPr>
-              <a:t>dónde </a:t>
-            </a:r>
-            <a:r>
-              <a:rPr sz="1600" spc="20" dirty="0">
-                <a:latin typeface="Trebuchet MS"/>
-                <a:cs typeface="Trebuchet MS"/>
-              </a:rPr>
-              <a:t>va </a:t>
-            </a:r>
-            <a:r>
-              <a:rPr sz="1600" spc="-10" dirty="0">
-                <a:latin typeface="Trebuchet MS"/>
-                <a:cs typeface="Trebuchet MS"/>
-              </a:rPr>
-              <a:t>el </a:t>
-            </a:r>
-            <a:r>
-              <a:rPr sz="1600" spc="35" dirty="0">
-                <a:latin typeface="Trebuchet MS"/>
-                <a:cs typeface="Trebuchet MS"/>
-              </a:rPr>
-              <a:t>proyecto </a:t>
-            </a:r>
-            <a:r>
-              <a:rPr sz="1600" spc="50" dirty="0">
-                <a:latin typeface="Trebuchet MS"/>
-                <a:cs typeface="Trebuchet MS"/>
-              </a:rPr>
-              <a:t>en términos de </a:t>
-            </a:r>
-            <a:r>
-              <a:rPr sz="1600" spc="5" dirty="0">
-                <a:latin typeface="Trebuchet MS"/>
-                <a:cs typeface="Trebuchet MS"/>
-              </a:rPr>
-              <a:t>Tiempo, </a:t>
-            </a:r>
-            <a:r>
-              <a:rPr sz="1600" dirty="0">
-                <a:latin typeface="Trebuchet MS"/>
-                <a:cs typeface="Trebuchet MS"/>
-              </a:rPr>
-              <a:t>actividades, </a:t>
-            </a:r>
-            <a:r>
-              <a:rPr sz="1600" spc="5" dirty="0">
-                <a:latin typeface="Trebuchet MS"/>
-                <a:cs typeface="Trebuchet MS"/>
-              </a:rPr>
-              <a:t>evidencias, </a:t>
-            </a:r>
-            <a:r>
-              <a:rPr sz="1600" spc="45" dirty="0">
-                <a:latin typeface="Trebuchet MS"/>
-                <a:cs typeface="Trebuchet MS"/>
-              </a:rPr>
-              <a:t>responsables,</a:t>
-            </a:r>
-            <a:r>
-              <a:rPr sz="1600" spc="-60" dirty="0">
+              <a:rPr sz="1400" spc="55" dirty="0">
+                <a:latin typeface="Trebuchet MS"/>
+                <a:cs typeface="Trebuchet MS"/>
+              </a:rPr>
+              <a:t>Modelo</a:t>
+            </a:r>
+            <a:r>
+              <a:rPr sz="1400" spc="25" dirty="0">
                 <a:latin typeface="Trebuchet MS"/>
                 <a:cs typeface="Trebuchet MS"/>
               </a:rPr>
               <a:t> </a:t>
             </a:r>
             <a:r>
-              <a:rPr sz="1600" spc="15" dirty="0">
-                <a:latin typeface="Trebuchet MS"/>
-                <a:cs typeface="Trebuchet MS"/>
-              </a:rPr>
-              <a:t>entre  </a:t>
-            </a:r>
-            <a:r>
-              <a:rPr sz="1600" spc="50" dirty="0">
-                <a:latin typeface="Trebuchet MS"/>
-                <a:cs typeface="Trebuchet MS"/>
-              </a:rPr>
-              <a:t>otros </a:t>
-            </a:r>
-            <a:r>
-              <a:rPr sz="1600" spc="15" dirty="0">
-                <a:latin typeface="Trebuchet MS"/>
-                <a:cs typeface="Trebuchet MS"/>
-              </a:rPr>
-              <a:t>(Revisar </a:t>
-            </a:r>
-            <a:r>
-              <a:rPr sz="1600" spc="55" dirty="0">
-                <a:latin typeface="Trebuchet MS"/>
-                <a:cs typeface="Trebuchet MS"/>
-              </a:rPr>
-              <a:t>concepto </a:t>
-            </a:r>
-            <a:r>
-              <a:rPr sz="1600" spc="50" dirty="0">
-                <a:latin typeface="Trebuchet MS"/>
-                <a:cs typeface="Trebuchet MS"/>
-              </a:rPr>
-              <a:t>de </a:t>
-            </a:r>
-            <a:r>
-              <a:rPr sz="1600" spc="65" dirty="0">
-                <a:latin typeface="Trebuchet MS"/>
-                <a:cs typeface="Trebuchet MS"/>
-              </a:rPr>
-              <a:t>Modelo</a:t>
-            </a:r>
-            <a:r>
-              <a:rPr sz="1600" spc="-110" dirty="0">
-                <a:latin typeface="Trebuchet MS"/>
-                <a:cs typeface="Trebuchet MS"/>
-              </a:rPr>
-              <a:t> </a:t>
-            </a:r>
-            <a:r>
-              <a:rPr sz="1600" spc="-5" dirty="0">
-                <a:latin typeface="Trebuchet MS"/>
-                <a:cs typeface="Trebuchet MS"/>
-              </a:rPr>
-              <a:t>Gantt)</a:t>
-            </a:r>
-            <a:endParaRPr sz="1600">
+              <a:rPr sz="1400" spc="20" dirty="0">
+                <a:latin typeface="Trebuchet MS"/>
+                <a:cs typeface="Trebuchet MS"/>
+              </a:rPr>
+              <a:t>Relacional</a:t>
+            </a:r>
+            <a:endParaRPr sz="1400">
               <a:latin typeface="Trebuchet MS"/>
               <a:cs typeface="Trebuchet MS"/>
             </a:endParaRPr>
           </a:p>
           <a:p>
-            <a:pPr>
+            <a:pPr marL="298450" indent="-285750">
+              <a:lnSpc>
+                <a:spcPct val="100000"/>
+              </a:lnSpc>
+              <a:buFont typeface="Arial"/>
+              <a:buChar char="•"/>
+              <a:tabLst>
+                <a:tab pos="297815" algn="l"/>
+                <a:tab pos="298450" algn="l"/>
+              </a:tabLst>
+            </a:pPr>
+            <a:r>
+              <a:rPr sz="1400" spc="20" dirty="0">
+                <a:latin typeface="Trebuchet MS"/>
+                <a:cs typeface="Trebuchet MS"/>
+              </a:rPr>
+              <a:t>Diccionario </a:t>
+            </a:r>
+            <a:r>
+              <a:rPr sz="1400" spc="40" dirty="0">
+                <a:latin typeface="Trebuchet MS"/>
+                <a:cs typeface="Trebuchet MS"/>
+              </a:rPr>
+              <a:t>de</a:t>
+            </a:r>
+            <a:r>
+              <a:rPr sz="1400" spc="30" dirty="0">
+                <a:latin typeface="Trebuchet MS"/>
+                <a:cs typeface="Trebuchet MS"/>
+              </a:rPr>
+              <a:t> </a:t>
+            </a:r>
+            <a:r>
+              <a:rPr sz="1400" spc="65" dirty="0">
+                <a:latin typeface="Trebuchet MS"/>
+                <a:cs typeface="Trebuchet MS"/>
+              </a:rPr>
+              <a:t>Datos</a:t>
+            </a:r>
+            <a:endParaRPr sz="1400">
+              <a:latin typeface="Trebuchet MS"/>
+              <a:cs typeface="Trebuchet MS"/>
+            </a:endParaRPr>
+          </a:p>
+          <a:p>
+            <a:pPr marL="298450" indent="-285750">
+              <a:lnSpc>
+                <a:spcPct val="100000"/>
+              </a:lnSpc>
+              <a:buFont typeface="Arial"/>
+              <a:buChar char="•"/>
+              <a:tabLst>
+                <a:tab pos="297815" algn="l"/>
+                <a:tab pos="298450" algn="l"/>
+              </a:tabLst>
+            </a:pPr>
+            <a:r>
+              <a:rPr sz="1400" spc="30" dirty="0">
+                <a:latin typeface="Trebuchet MS"/>
+                <a:cs typeface="Trebuchet MS"/>
+              </a:rPr>
+              <a:t>Script </a:t>
+            </a:r>
+            <a:r>
+              <a:rPr sz="1400" spc="40" dirty="0">
+                <a:latin typeface="Trebuchet MS"/>
+                <a:cs typeface="Trebuchet MS"/>
+              </a:rPr>
+              <a:t>de </a:t>
+            </a:r>
+            <a:r>
+              <a:rPr sz="1400" spc="-5" dirty="0">
+                <a:latin typeface="Trebuchet MS"/>
+                <a:cs typeface="Trebuchet MS"/>
+              </a:rPr>
+              <a:t>la</a:t>
+            </a:r>
+            <a:r>
+              <a:rPr sz="1400" spc="-30" dirty="0">
+                <a:latin typeface="Trebuchet MS"/>
+                <a:cs typeface="Trebuchet MS"/>
+              </a:rPr>
+              <a:t> </a:t>
+            </a:r>
+            <a:r>
+              <a:rPr sz="1400" spc="105" dirty="0">
+                <a:latin typeface="Trebuchet MS"/>
+                <a:cs typeface="Trebuchet MS"/>
+              </a:rPr>
+              <a:t>BBDD</a:t>
+            </a:r>
+            <a:endParaRPr sz="1400">
+              <a:latin typeface="Trebuchet MS"/>
+              <a:cs typeface="Trebuchet MS"/>
+            </a:endParaRPr>
+          </a:p>
+          <a:p>
+            <a:pPr marL="298450" indent="-285750">
+              <a:lnSpc>
+                <a:spcPct val="100000"/>
+              </a:lnSpc>
+              <a:buFont typeface="Arial"/>
+              <a:buChar char="•"/>
+              <a:tabLst>
+                <a:tab pos="297815" algn="l"/>
+                <a:tab pos="298450" algn="l"/>
+              </a:tabLst>
+            </a:pPr>
+            <a:r>
+              <a:rPr sz="1400" spc="45" dirty="0">
+                <a:latin typeface="Trebuchet MS"/>
+                <a:cs typeface="Trebuchet MS"/>
+              </a:rPr>
+              <a:t>Sentencias</a:t>
+            </a:r>
+            <a:r>
+              <a:rPr sz="1400" spc="15" dirty="0">
+                <a:latin typeface="Trebuchet MS"/>
+                <a:cs typeface="Trebuchet MS"/>
+              </a:rPr>
+              <a:t> </a:t>
+            </a:r>
+            <a:r>
+              <a:rPr sz="1400" spc="110" dirty="0">
+                <a:latin typeface="Trebuchet MS"/>
+                <a:cs typeface="Trebuchet MS"/>
+              </a:rPr>
+              <a:t>DDL</a:t>
+            </a:r>
+            <a:endParaRPr sz="1400">
+              <a:latin typeface="Trebuchet MS"/>
+              <a:cs typeface="Trebuchet MS"/>
+            </a:endParaRPr>
+          </a:p>
+          <a:p>
+            <a:pPr marL="298450" indent="-285750">
+              <a:lnSpc>
+                <a:spcPct val="100000"/>
+              </a:lnSpc>
+              <a:buFont typeface="Arial"/>
+              <a:buChar char="•"/>
+              <a:tabLst>
+                <a:tab pos="297815" algn="l"/>
+                <a:tab pos="298450" algn="l"/>
+              </a:tabLst>
+            </a:pPr>
+            <a:r>
+              <a:rPr sz="1400" spc="60" dirty="0">
+                <a:latin typeface="Trebuchet MS"/>
+                <a:cs typeface="Trebuchet MS"/>
+              </a:rPr>
+              <a:t>Consultas</a:t>
+            </a:r>
+            <a:r>
+              <a:rPr sz="1400" spc="30" dirty="0">
+                <a:latin typeface="Trebuchet MS"/>
+                <a:cs typeface="Trebuchet MS"/>
+              </a:rPr>
+              <a:t> </a:t>
+            </a:r>
+            <a:r>
+              <a:rPr sz="1400" spc="120" dirty="0">
+                <a:latin typeface="Trebuchet MS"/>
+                <a:cs typeface="Trebuchet MS"/>
+              </a:rPr>
+              <a:t>DML</a:t>
+            </a:r>
+            <a:endParaRPr sz="1400">
+              <a:latin typeface="Trebuchet MS"/>
+              <a:cs typeface="Trebuchet MS"/>
+            </a:endParaRPr>
+          </a:p>
+          <a:p>
+            <a:pPr marL="298450" indent="-285750">
+              <a:lnSpc>
+                <a:spcPct val="100000"/>
+              </a:lnSpc>
+              <a:buFont typeface="Arial"/>
+              <a:buChar char="•"/>
+              <a:tabLst>
+                <a:tab pos="297815" algn="l"/>
+                <a:tab pos="298450" algn="l"/>
+              </a:tabLst>
+            </a:pPr>
+            <a:r>
+              <a:rPr sz="1400" spc="30" dirty="0">
+                <a:latin typeface="Trebuchet MS"/>
+                <a:cs typeface="Trebuchet MS"/>
+              </a:rPr>
+              <a:t>Automatización </a:t>
+            </a:r>
+            <a:r>
+              <a:rPr sz="1400" spc="40" dirty="0">
+                <a:latin typeface="Trebuchet MS"/>
+                <a:cs typeface="Trebuchet MS"/>
+              </a:rPr>
+              <a:t>de </a:t>
+            </a:r>
+            <a:r>
+              <a:rPr sz="1400" spc="-5" dirty="0">
+                <a:latin typeface="Trebuchet MS"/>
+                <a:cs typeface="Trebuchet MS"/>
+              </a:rPr>
+              <a:t>la </a:t>
+            </a:r>
+            <a:r>
+              <a:rPr sz="1400" spc="105" dirty="0">
+                <a:latin typeface="Trebuchet MS"/>
+                <a:cs typeface="Trebuchet MS"/>
+              </a:rPr>
+              <a:t>BBDD</a:t>
+            </a:r>
+            <a:endParaRPr sz="1400">
+              <a:latin typeface="Trebuchet MS"/>
+              <a:cs typeface="Trebuchet MS"/>
+            </a:endParaRPr>
+          </a:p>
+          <a:p>
+            <a:pPr marL="298450" indent="-285750">
+              <a:lnSpc>
+                <a:spcPct val="100000"/>
+              </a:lnSpc>
+              <a:buFont typeface="Arial"/>
+              <a:buChar char="•"/>
+              <a:tabLst>
+                <a:tab pos="297815" algn="l"/>
+                <a:tab pos="298450" algn="l"/>
+              </a:tabLst>
+            </a:pPr>
+            <a:r>
+              <a:rPr sz="1400" spc="60" dirty="0">
+                <a:latin typeface="Trebuchet MS"/>
+                <a:cs typeface="Trebuchet MS"/>
+              </a:rPr>
+              <a:t>Sistema </a:t>
+            </a:r>
+            <a:r>
+              <a:rPr sz="1400" spc="40" dirty="0">
+                <a:latin typeface="Trebuchet MS"/>
+                <a:cs typeface="Trebuchet MS"/>
+              </a:rPr>
+              <a:t>de </a:t>
+            </a:r>
+            <a:r>
+              <a:rPr sz="1400" spc="35" dirty="0">
+                <a:latin typeface="Trebuchet MS"/>
+                <a:cs typeface="Trebuchet MS"/>
+              </a:rPr>
+              <a:t>Información </a:t>
+            </a:r>
+            <a:r>
+              <a:rPr sz="1400" spc="65" dirty="0">
+                <a:latin typeface="Trebuchet MS"/>
+                <a:cs typeface="Trebuchet MS"/>
+              </a:rPr>
+              <a:t>Web </a:t>
+            </a:r>
+            <a:r>
+              <a:rPr sz="1400" spc="135" dirty="0">
+                <a:latin typeface="Trebuchet MS"/>
+                <a:cs typeface="Trebuchet MS"/>
+              </a:rPr>
+              <a:t>-</a:t>
+            </a:r>
+            <a:r>
+              <a:rPr sz="1400" spc="-120" dirty="0">
+                <a:latin typeface="Trebuchet MS"/>
+                <a:cs typeface="Trebuchet MS"/>
+              </a:rPr>
+              <a:t> </a:t>
+            </a:r>
+            <a:r>
+              <a:rPr sz="1400" spc="40" dirty="0">
+                <a:latin typeface="Trebuchet MS"/>
+                <a:cs typeface="Trebuchet MS"/>
+              </a:rPr>
+              <a:t>Local</a:t>
+            </a:r>
+            <a:endParaRPr sz="1400">
+              <a:latin typeface="Trebuchet MS"/>
+              <a:cs typeface="Trebuchet MS"/>
+            </a:endParaRPr>
+          </a:p>
+          <a:p>
+            <a:pPr marL="298450" indent="-285750">
+              <a:lnSpc>
+                <a:spcPct val="100000"/>
+              </a:lnSpc>
+              <a:buFont typeface="Arial"/>
+              <a:buChar char="•"/>
+              <a:tabLst>
+                <a:tab pos="297815" algn="l"/>
+                <a:tab pos="298450" algn="l"/>
+              </a:tabLst>
+            </a:pPr>
+            <a:r>
+              <a:rPr sz="1400" spc="30" dirty="0">
+                <a:latin typeface="Trebuchet MS"/>
+                <a:cs typeface="Trebuchet MS"/>
+              </a:rPr>
+              <a:t>Entregables</a:t>
+            </a:r>
+            <a:endParaRPr sz="1400">
+              <a:latin typeface="Trebuchet MS"/>
+              <a:cs typeface="Trebuchet MS"/>
+            </a:endParaRPr>
+          </a:p>
+        </p:txBody>
+      </p:sp>
+      <p:sp>
+        <p:nvSpPr>
+          <p:cNvPr id="12" name="object 12"/>
+          <p:cNvSpPr/>
+          <p:nvPr/>
+        </p:nvSpPr>
+        <p:spPr>
+          <a:xfrm>
+            <a:off x="1173480" y="4532376"/>
+            <a:ext cx="972819" cy="45720"/>
+          </a:xfrm>
+          <a:custGeom>
+            <a:avLst/>
+            <a:gdLst/>
+            <a:ahLst/>
+            <a:cxnLst/>
+            <a:rect l="l" t="t" r="r" b="b"/>
+            <a:pathLst>
+              <a:path w="972819" h="45720">
+                <a:moveTo>
+                  <a:pt x="972312" y="0"/>
+                </a:moveTo>
+                <a:lnTo>
+                  <a:pt x="0" y="0"/>
+                </a:lnTo>
+                <a:lnTo>
+                  <a:pt x="0" y="45719"/>
+                </a:lnTo>
+                <a:lnTo>
+                  <a:pt x="972312" y="45719"/>
+                </a:lnTo>
+                <a:lnTo>
+                  <a:pt x="972312" y="0"/>
+                </a:lnTo>
+                <a:close/>
+              </a:path>
+            </a:pathLst>
+          </a:custGeom>
+          <a:solidFill>
+            <a:srgbClr val="D9D9D9"/>
+          </a:solidFill>
+        </p:spPr>
+        <p:txBody>
+          <a:bodyPr wrap="square" lIns="0" tIns="0" rIns="0" bIns="0" rtlCol="0"/>
+          <a:lstStyle/>
+          <a:p>
+            <a:endParaRPr/>
+          </a:p>
+        </p:txBody>
+      </p:sp>
+      <p:sp>
+        <p:nvSpPr>
+          <p:cNvPr id="13" name="object 13"/>
+          <p:cNvSpPr txBox="1"/>
+          <p:nvPr/>
+        </p:nvSpPr>
+        <p:spPr>
+          <a:xfrm>
+            <a:off x="1139697" y="4225035"/>
+            <a:ext cx="2035810" cy="299720"/>
+          </a:xfrm>
+          <a:prstGeom prst="rect">
+            <a:avLst/>
+          </a:prstGeom>
+        </p:spPr>
+        <p:txBody>
+          <a:bodyPr vert="horz" wrap="square" lIns="0" tIns="12700" rIns="0" bIns="0" rtlCol="0">
+            <a:spAutoFit/>
+          </a:bodyPr>
+          <a:lstStyle/>
+          <a:p>
+            <a:pPr marL="12700">
               <a:lnSpc>
                 <a:spcPct val="100000"/>
               </a:lnSpc>
               <a:spcBef>
-                <a:spcPts val="5"/>
+                <a:spcPts val="100"/>
               </a:spcBef>
             </a:pPr>
-            <a:endParaRPr sz="1650">
+            <a:r>
+              <a:rPr sz="1800" spc="80" dirty="0">
+                <a:solidFill>
+                  <a:srgbClr val="38AA00"/>
+                </a:solidFill>
+                <a:latin typeface="Trebuchet MS"/>
+                <a:cs typeface="Trebuchet MS"/>
+              </a:rPr>
+              <a:t>Segundo</a:t>
+            </a:r>
+            <a:r>
+              <a:rPr sz="1800" spc="-75" dirty="0">
+                <a:solidFill>
+                  <a:srgbClr val="38AA00"/>
+                </a:solidFill>
+                <a:latin typeface="Trebuchet MS"/>
+                <a:cs typeface="Trebuchet MS"/>
+              </a:rPr>
+              <a:t> </a:t>
+            </a:r>
+            <a:r>
+              <a:rPr sz="1800" spc="15" dirty="0">
+                <a:solidFill>
+                  <a:srgbClr val="38AA00"/>
+                </a:solidFill>
+                <a:latin typeface="Trebuchet MS"/>
+                <a:cs typeface="Trebuchet MS"/>
+              </a:rPr>
+              <a:t>Trimestre</a:t>
+            </a:r>
+            <a:endParaRPr sz="1800">
               <a:latin typeface="Trebuchet MS"/>
               <a:cs typeface="Trebuchet MS"/>
             </a:endParaRPr>
           </a:p>
-          <a:p>
-            <a:pPr marL="12700" marR="182245">
+        </p:txBody>
+      </p:sp>
+      <p:sp>
+        <p:nvSpPr>
+          <p:cNvPr id="14" name="object 14"/>
+          <p:cNvSpPr/>
+          <p:nvPr/>
+        </p:nvSpPr>
+        <p:spPr>
+          <a:xfrm>
+            <a:off x="5015484" y="2737866"/>
+            <a:ext cx="971550" cy="45720"/>
+          </a:xfrm>
+          <a:custGeom>
+            <a:avLst/>
+            <a:gdLst/>
+            <a:ahLst/>
+            <a:cxnLst/>
+            <a:rect l="l" t="t" r="r" b="b"/>
+            <a:pathLst>
+              <a:path w="971550" h="45719">
+                <a:moveTo>
+                  <a:pt x="971550" y="0"/>
+                </a:moveTo>
+                <a:lnTo>
+                  <a:pt x="0" y="0"/>
+                </a:lnTo>
+                <a:lnTo>
+                  <a:pt x="0" y="45720"/>
+                </a:lnTo>
+                <a:lnTo>
+                  <a:pt x="971550" y="45720"/>
+                </a:lnTo>
+                <a:lnTo>
+                  <a:pt x="971550" y="0"/>
+                </a:lnTo>
+                <a:close/>
+              </a:path>
+            </a:pathLst>
+          </a:custGeom>
+          <a:solidFill>
+            <a:srgbClr val="D9D9D9"/>
+          </a:solidFill>
+        </p:spPr>
+        <p:txBody>
+          <a:bodyPr wrap="square" lIns="0" tIns="0" rIns="0" bIns="0" rtlCol="0"/>
+          <a:lstStyle/>
+          <a:p>
+            <a:endParaRPr/>
+          </a:p>
+        </p:txBody>
+      </p:sp>
+      <p:sp>
+        <p:nvSpPr>
+          <p:cNvPr id="15" name="object 15"/>
+          <p:cNvSpPr txBox="1"/>
+          <p:nvPr/>
+        </p:nvSpPr>
+        <p:spPr>
+          <a:xfrm>
+            <a:off x="4981702" y="2430017"/>
+            <a:ext cx="1792605" cy="299720"/>
+          </a:xfrm>
+          <a:prstGeom prst="rect">
+            <a:avLst/>
+          </a:prstGeom>
+        </p:spPr>
+        <p:txBody>
+          <a:bodyPr vert="horz" wrap="square" lIns="0" tIns="12700" rIns="0" bIns="0" rtlCol="0">
+            <a:spAutoFit/>
+          </a:bodyPr>
+          <a:lstStyle/>
+          <a:p>
+            <a:pPr marL="12700">
               <a:lnSpc>
                 <a:spcPct val="100000"/>
               </a:lnSpc>
+              <a:spcBef>
+                <a:spcPts val="100"/>
+              </a:spcBef>
             </a:pPr>
             <a:r>
-              <a:rPr sz="1600" dirty="0">
-                <a:latin typeface="Trebuchet MS"/>
-                <a:cs typeface="Trebuchet MS"/>
-              </a:rPr>
-              <a:t>NOTA:</a:t>
-            </a:r>
-            <a:r>
-              <a:rPr sz="1600" spc="10" dirty="0">
+              <a:rPr sz="1800" dirty="0">
+                <a:solidFill>
+                  <a:srgbClr val="38AA00"/>
+                </a:solidFill>
+                <a:latin typeface="Trebuchet MS"/>
+                <a:cs typeface="Trebuchet MS"/>
+              </a:rPr>
+              <a:t>Tercer</a:t>
+            </a:r>
+            <a:r>
+              <a:rPr sz="1800" spc="-45" dirty="0">
+                <a:solidFill>
+                  <a:srgbClr val="38AA00"/>
+                </a:solidFill>
                 <a:latin typeface="Trebuchet MS"/>
                 <a:cs typeface="Trebuchet MS"/>
               </a:rPr>
               <a:t> </a:t>
             </a:r>
             <a:r>
-              <a:rPr sz="1600" spc="100" dirty="0">
-                <a:latin typeface="Trebuchet MS"/>
-                <a:cs typeface="Trebuchet MS"/>
-              </a:rPr>
-              <a:t>No</a:t>
-            </a:r>
-            <a:r>
-              <a:rPr sz="1600" spc="20" dirty="0">
+              <a:rPr sz="1800" spc="15" dirty="0">
+                <a:solidFill>
+                  <a:srgbClr val="38AA00"/>
+                </a:solidFill>
+                <a:latin typeface="Trebuchet MS"/>
+                <a:cs typeface="Trebuchet MS"/>
+              </a:rPr>
+              <a:t>Trimestre</a:t>
+            </a:r>
+            <a:endParaRPr sz="1800">
+              <a:latin typeface="Trebuchet MS"/>
+              <a:cs typeface="Trebuchet MS"/>
+            </a:endParaRPr>
+          </a:p>
+        </p:txBody>
+      </p:sp>
+      <p:sp>
+        <p:nvSpPr>
+          <p:cNvPr id="16" name="object 16"/>
+          <p:cNvSpPr txBox="1"/>
+          <p:nvPr/>
+        </p:nvSpPr>
+        <p:spPr>
+          <a:xfrm>
+            <a:off x="5217159" y="2901442"/>
+            <a:ext cx="2085339" cy="665480"/>
+          </a:xfrm>
+          <a:prstGeom prst="rect">
+            <a:avLst/>
+          </a:prstGeom>
+        </p:spPr>
+        <p:txBody>
+          <a:bodyPr vert="horz" wrap="square" lIns="0" tIns="12065" rIns="0" bIns="0" rtlCol="0">
+            <a:spAutoFit/>
+          </a:bodyPr>
+          <a:lstStyle/>
+          <a:p>
+            <a:pPr marL="184150" indent="-171450">
+              <a:lnSpc>
+                <a:spcPct val="100000"/>
+              </a:lnSpc>
+              <a:spcBef>
+                <a:spcPts val="95"/>
+              </a:spcBef>
+              <a:buFont typeface="Arial"/>
+              <a:buChar char="•"/>
+              <a:tabLst>
+                <a:tab pos="184150" algn="l"/>
+              </a:tabLst>
+            </a:pPr>
+            <a:r>
+              <a:rPr sz="1400" spc="25" dirty="0">
+                <a:latin typeface="Trebuchet MS"/>
+                <a:cs typeface="Trebuchet MS"/>
+              </a:rPr>
+              <a:t>Planeación </a:t>
+            </a:r>
+            <a:r>
+              <a:rPr sz="1400" spc="40" dirty="0">
+                <a:latin typeface="Trebuchet MS"/>
+                <a:cs typeface="Trebuchet MS"/>
+              </a:rPr>
+              <a:t>de</a:t>
+            </a:r>
+            <a:r>
+              <a:rPr sz="1400" spc="-40" dirty="0">
                 <a:latin typeface="Trebuchet MS"/>
                 <a:cs typeface="Trebuchet MS"/>
               </a:rPr>
               <a:t> </a:t>
             </a:r>
             <a:r>
-              <a:rPr sz="1600" spc="90" dirty="0">
-                <a:latin typeface="Trebuchet MS"/>
-                <a:cs typeface="Trebuchet MS"/>
-              </a:rPr>
-              <a:t>se</a:t>
-            </a:r>
-            <a:r>
-              <a:rPr sz="1600" spc="20" dirty="0">
+              <a:rPr sz="1400" spc="45" dirty="0">
+                <a:latin typeface="Trebuchet MS"/>
+                <a:cs typeface="Trebuchet MS"/>
+              </a:rPr>
+              <a:t>Pruebas</a:t>
+            </a:r>
+            <a:endParaRPr sz="1400">
+              <a:latin typeface="Trebuchet MS"/>
+              <a:cs typeface="Trebuchet MS"/>
+            </a:endParaRPr>
+          </a:p>
+          <a:p>
+            <a:pPr marL="184150" indent="-171450">
+              <a:lnSpc>
+                <a:spcPct val="100000"/>
+              </a:lnSpc>
+              <a:buFont typeface="Arial"/>
+              <a:buChar char="•"/>
+              <a:tabLst>
+                <a:tab pos="184150" algn="l"/>
+              </a:tabLst>
+            </a:pPr>
+            <a:r>
+              <a:rPr sz="1400" spc="20" dirty="0">
+                <a:latin typeface="Trebuchet MS"/>
+                <a:cs typeface="Trebuchet MS"/>
+              </a:rPr>
+              <a:t>Ejecución </a:t>
+            </a:r>
+            <a:r>
+              <a:rPr sz="1400" spc="40" dirty="0">
+                <a:latin typeface="Trebuchet MS"/>
+                <a:cs typeface="Trebuchet MS"/>
+              </a:rPr>
+              <a:t>de</a:t>
+            </a:r>
+            <a:r>
+              <a:rPr sz="1400" spc="-50" dirty="0">
                 <a:latin typeface="Trebuchet MS"/>
                 <a:cs typeface="Trebuchet MS"/>
               </a:rPr>
               <a:t> </a:t>
             </a:r>
             <a:r>
-              <a:rPr sz="1600" spc="85" dirty="0">
-                <a:latin typeface="Trebuchet MS"/>
-                <a:cs typeface="Trebuchet MS"/>
-              </a:rPr>
-              <a:t>usan</a:t>
-            </a:r>
-            <a:r>
-              <a:rPr sz="1600" spc="35" dirty="0">
+              <a:rPr sz="1400" spc="45" dirty="0">
+                <a:latin typeface="Trebuchet MS"/>
+                <a:cs typeface="Trebuchet MS"/>
+              </a:rPr>
+              <a:t>Pruebas</a:t>
+            </a:r>
+            <a:endParaRPr sz="1400">
+              <a:latin typeface="Trebuchet MS"/>
+              <a:cs typeface="Trebuchet MS"/>
+            </a:endParaRPr>
+          </a:p>
+          <a:p>
+            <a:pPr marL="184150" indent="-171450">
+              <a:lnSpc>
+                <a:spcPct val="100000"/>
+              </a:lnSpc>
+              <a:buFont typeface="Arial"/>
+              <a:buChar char="•"/>
+              <a:tabLst>
+                <a:tab pos="184150" algn="l"/>
+              </a:tabLst>
+            </a:pPr>
+            <a:r>
+              <a:rPr sz="1400" spc="30" dirty="0">
+                <a:latin typeface="Trebuchet MS"/>
+                <a:cs typeface="Trebuchet MS"/>
+              </a:rPr>
+              <a:t>Entregables</a:t>
+            </a:r>
+            <a:endParaRPr sz="1400">
+              <a:latin typeface="Trebuchet MS"/>
+              <a:cs typeface="Trebuchet MS"/>
+            </a:endParaRPr>
+          </a:p>
+        </p:txBody>
+      </p:sp>
+      <p:sp>
+        <p:nvSpPr>
+          <p:cNvPr id="17" name="object 17"/>
+          <p:cNvSpPr/>
+          <p:nvPr/>
+        </p:nvSpPr>
+        <p:spPr>
+          <a:xfrm>
+            <a:off x="5022341" y="4245102"/>
+            <a:ext cx="971550" cy="45720"/>
+          </a:xfrm>
+          <a:custGeom>
+            <a:avLst/>
+            <a:gdLst/>
+            <a:ahLst/>
+            <a:cxnLst/>
+            <a:rect l="l" t="t" r="r" b="b"/>
+            <a:pathLst>
+              <a:path w="971550" h="45720">
+                <a:moveTo>
+                  <a:pt x="971550" y="0"/>
+                </a:moveTo>
+                <a:lnTo>
+                  <a:pt x="0" y="0"/>
+                </a:lnTo>
+                <a:lnTo>
+                  <a:pt x="0" y="45720"/>
+                </a:lnTo>
+                <a:lnTo>
+                  <a:pt x="971550" y="45720"/>
+                </a:lnTo>
+                <a:lnTo>
+                  <a:pt x="971550" y="0"/>
+                </a:lnTo>
+                <a:close/>
+              </a:path>
+            </a:pathLst>
+          </a:custGeom>
+          <a:solidFill>
+            <a:srgbClr val="D9D9D9"/>
+          </a:solidFill>
+        </p:spPr>
+        <p:txBody>
+          <a:bodyPr wrap="square" lIns="0" tIns="0" rIns="0" bIns="0" rtlCol="0"/>
+          <a:lstStyle/>
+          <a:p>
+            <a:endParaRPr/>
+          </a:p>
+        </p:txBody>
+      </p:sp>
+      <p:sp>
+        <p:nvSpPr>
+          <p:cNvPr id="18" name="object 18"/>
+          <p:cNvSpPr txBox="1"/>
+          <p:nvPr/>
+        </p:nvSpPr>
+        <p:spPr>
+          <a:xfrm>
+            <a:off x="4988559" y="3937254"/>
+            <a:ext cx="1826260" cy="299720"/>
+          </a:xfrm>
+          <a:prstGeom prst="rect">
+            <a:avLst/>
+          </a:prstGeom>
+        </p:spPr>
+        <p:txBody>
+          <a:bodyPr vert="horz" wrap="square" lIns="0" tIns="12700" rIns="0" bIns="0" rtlCol="0">
+            <a:spAutoFit/>
+          </a:bodyPr>
+          <a:lstStyle/>
+          <a:p>
+            <a:pPr marL="12700">
+              <a:lnSpc>
+                <a:spcPct val="100000"/>
+              </a:lnSpc>
+              <a:spcBef>
+                <a:spcPts val="100"/>
+              </a:spcBef>
+            </a:pPr>
+            <a:r>
+              <a:rPr sz="1800" spc="35" dirty="0">
+                <a:solidFill>
+                  <a:srgbClr val="38AA00"/>
+                </a:solidFill>
+                <a:latin typeface="Trebuchet MS"/>
+                <a:cs typeface="Trebuchet MS"/>
+              </a:rPr>
+              <a:t>Cuarto</a:t>
+            </a:r>
+            <a:r>
+              <a:rPr sz="1800" spc="-70" dirty="0">
+                <a:solidFill>
+                  <a:srgbClr val="38AA00"/>
+                </a:solidFill>
                 <a:latin typeface="Trebuchet MS"/>
                 <a:cs typeface="Trebuchet MS"/>
               </a:rPr>
               <a:t> </a:t>
             </a:r>
             <a:r>
-              <a:rPr sz="1600" spc="25" dirty="0">
-                <a:latin typeface="Trebuchet MS"/>
-                <a:cs typeface="Trebuchet MS"/>
-              </a:rPr>
-              <a:t>viñetas</a:t>
-            </a:r>
-            <a:r>
-              <a:rPr sz="1600" spc="15" dirty="0">
+              <a:rPr sz="1800" spc="15" dirty="0">
+                <a:solidFill>
+                  <a:srgbClr val="38AA00"/>
+                </a:solidFill>
+                <a:latin typeface="Trebuchet MS"/>
+                <a:cs typeface="Trebuchet MS"/>
+              </a:rPr>
+              <a:t>Trimestre</a:t>
+            </a:r>
+            <a:endParaRPr sz="1800">
+              <a:latin typeface="Trebuchet MS"/>
+              <a:cs typeface="Trebuchet MS"/>
+            </a:endParaRPr>
+          </a:p>
+        </p:txBody>
+      </p:sp>
+      <p:sp>
+        <p:nvSpPr>
+          <p:cNvPr id="19" name="object 19"/>
+          <p:cNvSpPr txBox="1"/>
+          <p:nvPr/>
+        </p:nvSpPr>
+        <p:spPr>
+          <a:xfrm>
+            <a:off x="5217159" y="4465320"/>
+            <a:ext cx="3183255" cy="1092200"/>
+          </a:xfrm>
+          <a:prstGeom prst="rect">
+            <a:avLst/>
+          </a:prstGeom>
+        </p:spPr>
+        <p:txBody>
+          <a:bodyPr vert="horz" wrap="square" lIns="0" tIns="12065" rIns="0" bIns="0" rtlCol="0">
+            <a:spAutoFit/>
+          </a:bodyPr>
+          <a:lstStyle/>
+          <a:p>
+            <a:pPr marL="184150" indent="-171450">
+              <a:lnSpc>
+                <a:spcPct val="100000"/>
+              </a:lnSpc>
+              <a:spcBef>
+                <a:spcPts val="95"/>
+              </a:spcBef>
+              <a:buFont typeface="Arial"/>
+              <a:buChar char="•"/>
+              <a:tabLst>
+                <a:tab pos="184150" algn="l"/>
+              </a:tabLst>
+            </a:pPr>
+            <a:r>
+              <a:rPr sz="1400" spc="50" dirty="0">
+                <a:latin typeface="Trebuchet MS"/>
+                <a:cs typeface="Trebuchet MS"/>
+              </a:rPr>
+              <a:t>Manual </a:t>
+            </a:r>
+            <a:r>
+              <a:rPr sz="1400" spc="40" dirty="0">
+                <a:latin typeface="Trebuchet MS"/>
+                <a:cs typeface="Trebuchet MS"/>
+              </a:rPr>
+              <a:t>de</a:t>
+            </a:r>
+            <a:r>
+              <a:rPr sz="1400" spc="-30" dirty="0">
                 <a:latin typeface="Trebuchet MS"/>
                 <a:cs typeface="Trebuchet MS"/>
               </a:rPr>
               <a:t> </a:t>
             </a:r>
             <a:r>
-              <a:rPr sz="1600" spc="75" dirty="0">
-                <a:latin typeface="Trebuchet MS"/>
-                <a:cs typeface="Trebuchet MS"/>
-              </a:rPr>
-              <a:t>o</a:t>
-            </a:r>
-            <a:r>
-              <a:rPr sz="1600" spc="20" dirty="0">
+              <a:rPr sz="1400" spc="25" dirty="0">
+                <a:latin typeface="Trebuchet MS"/>
+                <a:cs typeface="Trebuchet MS"/>
+              </a:rPr>
+              <a:t>Instalación</a:t>
+            </a:r>
+            <a:endParaRPr sz="1400">
+              <a:latin typeface="Trebuchet MS"/>
+              <a:cs typeface="Trebuchet MS"/>
+            </a:endParaRPr>
+          </a:p>
+          <a:p>
+            <a:pPr marL="184150" marR="534670" indent="-171450">
+              <a:lnSpc>
+                <a:spcPct val="100000"/>
+              </a:lnSpc>
+              <a:buFont typeface="Arial"/>
+              <a:buChar char="•"/>
+              <a:tabLst>
+                <a:tab pos="184150" algn="l"/>
+              </a:tabLst>
+            </a:pPr>
+            <a:r>
+              <a:rPr sz="1400" spc="25" dirty="0">
+                <a:latin typeface="Trebuchet MS"/>
+                <a:cs typeface="Trebuchet MS"/>
+              </a:rPr>
+              <a:t>Configuración </a:t>
+            </a:r>
+            <a:r>
+              <a:rPr sz="1400" spc="15" dirty="0">
+                <a:latin typeface="Trebuchet MS"/>
+                <a:cs typeface="Trebuchet MS"/>
+              </a:rPr>
+              <a:t>del </a:t>
+            </a:r>
+            <a:r>
+              <a:rPr sz="1400" spc="25" dirty="0">
+                <a:latin typeface="Trebuchet MS"/>
+                <a:cs typeface="Trebuchet MS"/>
+              </a:rPr>
+              <a:t>Servidor</a:t>
+            </a:r>
+            <a:r>
+              <a:rPr sz="1400" spc="10" dirty="0">
                 <a:latin typeface="Trebuchet MS"/>
                 <a:cs typeface="Trebuchet MS"/>
               </a:rPr>
               <a:t> </a:t>
             </a:r>
             <a:r>
-              <a:rPr sz="1600" spc="25" dirty="0">
-                <a:latin typeface="Trebuchet MS"/>
-                <a:cs typeface="Trebuchet MS"/>
-              </a:rPr>
-              <a:t>numeración, a</a:t>
-            </a:r>
-            <a:r>
-              <a:rPr sz="1600" spc="20" dirty="0">
+              <a:rPr sz="1400" spc="40" dirty="0">
+                <a:latin typeface="Trebuchet MS"/>
+                <a:cs typeface="Trebuchet MS"/>
+              </a:rPr>
+              <a:t>de  </a:t>
+            </a:r>
+            <a:r>
+              <a:rPr sz="1400" spc="30" dirty="0">
+                <a:latin typeface="Trebuchet MS"/>
+                <a:cs typeface="Trebuchet MS"/>
+              </a:rPr>
+              <a:t>Aplicaciones</a:t>
+            </a:r>
+            <a:endParaRPr sz="1400">
+              <a:latin typeface="Trebuchet MS"/>
+              <a:cs typeface="Trebuchet MS"/>
+            </a:endParaRPr>
+          </a:p>
+          <a:p>
+            <a:pPr marL="184150" indent="-171450">
+              <a:lnSpc>
+                <a:spcPct val="100000"/>
+              </a:lnSpc>
+              <a:buFont typeface="Arial"/>
+              <a:buChar char="•"/>
+              <a:tabLst>
+                <a:tab pos="184150" algn="l"/>
+              </a:tabLst>
+            </a:pPr>
+            <a:r>
+              <a:rPr sz="1400" spc="25" dirty="0">
+                <a:latin typeface="Trebuchet MS"/>
+                <a:cs typeface="Trebuchet MS"/>
+              </a:rPr>
+              <a:t>Configuración </a:t>
+            </a:r>
+            <a:r>
+              <a:rPr sz="1400" spc="15" dirty="0">
+                <a:latin typeface="Trebuchet MS"/>
+                <a:cs typeface="Trebuchet MS"/>
+              </a:rPr>
+              <a:t>del </a:t>
+            </a:r>
+            <a:r>
+              <a:rPr sz="1400" spc="25" dirty="0">
+                <a:latin typeface="Trebuchet MS"/>
+                <a:cs typeface="Trebuchet MS"/>
+              </a:rPr>
+              <a:t>Servidor </a:t>
+            </a:r>
+            <a:r>
+              <a:rPr sz="1400" spc="40" dirty="0">
+                <a:latin typeface="Trebuchet MS"/>
+                <a:cs typeface="Trebuchet MS"/>
+              </a:rPr>
+              <a:t>de</a:t>
+            </a:r>
+            <a:r>
+              <a:rPr sz="1400" spc="10" dirty="0">
                 <a:latin typeface="Trebuchet MS"/>
                 <a:cs typeface="Trebuchet MS"/>
               </a:rPr>
               <a:t> </a:t>
             </a:r>
             <a:r>
-              <a:rPr sz="1600" spc="110" dirty="0">
-                <a:latin typeface="Trebuchet MS"/>
-                <a:cs typeface="Trebuchet MS"/>
-              </a:rPr>
-              <a:t>menos</a:t>
-            </a:r>
-            <a:r>
-              <a:rPr sz="1600" spc="20" dirty="0">
+              <a:rPr sz="1400" spc="105" dirty="0">
+                <a:latin typeface="Trebuchet MS"/>
+                <a:cs typeface="Trebuchet MS"/>
+              </a:rPr>
+              <a:t>BBDD</a:t>
+            </a:r>
+            <a:endParaRPr sz="1400">
+              <a:latin typeface="Trebuchet MS"/>
+              <a:cs typeface="Trebuchet MS"/>
+            </a:endParaRPr>
+          </a:p>
+          <a:p>
+            <a:pPr marL="184150" indent="-171450">
+              <a:lnSpc>
+                <a:spcPct val="100000"/>
+              </a:lnSpc>
+              <a:buFont typeface="Arial"/>
+              <a:buChar char="•"/>
+              <a:tabLst>
+                <a:tab pos="184150" algn="l"/>
+              </a:tabLst>
+            </a:pPr>
+            <a:r>
+              <a:rPr sz="1400" spc="30" dirty="0">
+                <a:latin typeface="Trebuchet MS"/>
+                <a:cs typeface="Trebuchet MS"/>
+              </a:rPr>
+              <a:t>Entregables</a:t>
+            </a:r>
+            <a:endParaRPr sz="1400">
+              <a:latin typeface="Trebuchet MS"/>
+              <a:cs typeface="Trebuchet MS"/>
+            </a:endParaRPr>
+          </a:p>
+        </p:txBody>
+      </p:sp>
+      <p:sp>
+        <p:nvSpPr>
+          <p:cNvPr id="20" name="object 20"/>
+          <p:cNvSpPr/>
+          <p:nvPr/>
+        </p:nvSpPr>
+        <p:spPr>
+          <a:xfrm>
+            <a:off x="8462771" y="3465576"/>
+            <a:ext cx="972819" cy="45720"/>
+          </a:xfrm>
+          <a:custGeom>
+            <a:avLst/>
+            <a:gdLst/>
+            <a:ahLst/>
+            <a:cxnLst/>
+            <a:rect l="l" t="t" r="r" b="b"/>
+            <a:pathLst>
+              <a:path w="972820" h="45720">
+                <a:moveTo>
+                  <a:pt x="972312" y="0"/>
+                </a:moveTo>
+                <a:lnTo>
+                  <a:pt x="0" y="0"/>
+                </a:lnTo>
+                <a:lnTo>
+                  <a:pt x="0" y="45720"/>
+                </a:lnTo>
+                <a:lnTo>
+                  <a:pt x="972312" y="45720"/>
+                </a:lnTo>
+                <a:lnTo>
+                  <a:pt x="972312" y="0"/>
+                </a:lnTo>
+                <a:close/>
+              </a:path>
+            </a:pathLst>
+          </a:custGeom>
+          <a:solidFill>
+            <a:srgbClr val="D9D9D9"/>
+          </a:solidFill>
+        </p:spPr>
+        <p:txBody>
+          <a:bodyPr wrap="square" lIns="0" tIns="0" rIns="0" bIns="0" rtlCol="0"/>
+          <a:lstStyle/>
+          <a:p>
+            <a:endParaRPr/>
+          </a:p>
+        </p:txBody>
+      </p:sp>
+      <p:sp>
+        <p:nvSpPr>
+          <p:cNvPr id="21" name="object 21"/>
+          <p:cNvSpPr txBox="1"/>
+          <p:nvPr/>
+        </p:nvSpPr>
+        <p:spPr>
+          <a:xfrm>
+            <a:off x="8429752" y="3157982"/>
+            <a:ext cx="1826260" cy="299720"/>
+          </a:xfrm>
+          <a:prstGeom prst="rect">
+            <a:avLst/>
+          </a:prstGeom>
+        </p:spPr>
+        <p:txBody>
+          <a:bodyPr vert="horz" wrap="square" lIns="0" tIns="12700" rIns="0" bIns="0" rtlCol="0">
+            <a:spAutoFit/>
+          </a:bodyPr>
+          <a:lstStyle/>
+          <a:p>
+            <a:pPr marL="12700">
+              <a:lnSpc>
+                <a:spcPct val="100000"/>
+              </a:lnSpc>
+              <a:spcBef>
+                <a:spcPts val="100"/>
+              </a:spcBef>
+            </a:pPr>
+            <a:r>
+              <a:rPr sz="1800" spc="35" dirty="0">
+                <a:solidFill>
+                  <a:srgbClr val="38AA00"/>
+                </a:solidFill>
+                <a:latin typeface="Trebuchet MS"/>
+                <a:cs typeface="Trebuchet MS"/>
+              </a:rPr>
+              <a:t>Cuarto</a:t>
+            </a:r>
+            <a:r>
+              <a:rPr sz="1800" spc="-70" dirty="0">
+                <a:solidFill>
+                  <a:srgbClr val="38AA00"/>
+                </a:solidFill>
                 <a:latin typeface="Trebuchet MS"/>
                 <a:cs typeface="Trebuchet MS"/>
               </a:rPr>
               <a:t> </a:t>
             </a:r>
             <a:r>
-              <a:rPr sz="1600" spc="55" dirty="0">
-                <a:latin typeface="Trebuchet MS"/>
-                <a:cs typeface="Trebuchet MS"/>
-              </a:rPr>
-              <a:t>que</a:t>
-            </a:r>
-            <a:r>
-              <a:rPr sz="1600" spc="25" dirty="0">
+              <a:rPr sz="1800" spc="15" dirty="0">
+                <a:solidFill>
+                  <a:srgbClr val="38AA00"/>
+                </a:solidFill>
+                <a:latin typeface="Trebuchet MS"/>
+                <a:cs typeface="Trebuchet MS"/>
+              </a:rPr>
+              <a:t>Trimestre</a:t>
+            </a:r>
+            <a:endParaRPr sz="1800">
+              <a:latin typeface="Trebuchet MS"/>
+              <a:cs typeface="Trebuchet MS"/>
+            </a:endParaRPr>
+          </a:p>
+        </p:txBody>
+      </p:sp>
+      <p:sp>
+        <p:nvSpPr>
+          <p:cNvPr id="22" name="object 22"/>
+          <p:cNvSpPr txBox="1"/>
+          <p:nvPr/>
+        </p:nvSpPr>
+        <p:spPr>
+          <a:xfrm>
+            <a:off x="8658097" y="3686047"/>
+            <a:ext cx="2190115" cy="878840"/>
+          </a:xfrm>
+          <a:prstGeom prst="rect">
+            <a:avLst/>
+          </a:prstGeom>
+        </p:spPr>
+        <p:txBody>
+          <a:bodyPr vert="horz" wrap="square" lIns="0" tIns="12065" rIns="0" bIns="0" rtlCol="0">
+            <a:spAutoFit/>
+          </a:bodyPr>
+          <a:lstStyle/>
+          <a:p>
+            <a:pPr marL="184150" indent="-171450">
+              <a:lnSpc>
+                <a:spcPct val="100000"/>
+              </a:lnSpc>
+              <a:spcBef>
+                <a:spcPts val="95"/>
+              </a:spcBef>
+              <a:buFont typeface="Arial"/>
+              <a:buChar char="•"/>
+              <a:tabLst>
+                <a:tab pos="184150" algn="l"/>
+              </a:tabLst>
+            </a:pPr>
+            <a:r>
+              <a:rPr sz="1400" spc="50" dirty="0">
+                <a:latin typeface="Trebuchet MS"/>
+                <a:cs typeface="Trebuchet MS"/>
+              </a:rPr>
+              <a:t>Manual </a:t>
+            </a:r>
+            <a:r>
+              <a:rPr sz="1400" spc="40" dirty="0">
+                <a:latin typeface="Trebuchet MS"/>
+                <a:cs typeface="Trebuchet MS"/>
+              </a:rPr>
+              <a:t>de</a:t>
+            </a:r>
+            <a:r>
+              <a:rPr sz="1400" spc="-40" dirty="0">
                 <a:latin typeface="Trebuchet MS"/>
                 <a:cs typeface="Trebuchet MS"/>
               </a:rPr>
               <a:t> </a:t>
             </a:r>
             <a:r>
-              <a:rPr sz="1600" spc="70" dirty="0">
-                <a:latin typeface="Trebuchet MS"/>
-                <a:cs typeface="Trebuchet MS"/>
-              </a:rPr>
-              <a:t>sea</a:t>
-            </a:r>
-            <a:r>
-              <a:rPr sz="1600" spc="20" dirty="0">
+              <a:rPr sz="1400" spc="35" dirty="0">
+                <a:latin typeface="Trebuchet MS"/>
+                <a:cs typeface="Trebuchet MS"/>
+              </a:rPr>
+              <a:t>Usuario</a:t>
+            </a:r>
+            <a:endParaRPr sz="1400">
+              <a:latin typeface="Trebuchet MS"/>
+              <a:cs typeface="Trebuchet MS"/>
+            </a:endParaRPr>
+          </a:p>
+          <a:p>
+            <a:pPr marL="184150" marR="5080" indent="-171450">
+              <a:lnSpc>
+                <a:spcPct val="100000"/>
+              </a:lnSpc>
+              <a:buFont typeface="Arial"/>
+              <a:buChar char="•"/>
+              <a:tabLst>
+                <a:tab pos="184150" algn="l"/>
+              </a:tabLst>
+            </a:pPr>
+            <a:r>
+              <a:rPr sz="1400" spc="60" dirty="0">
+                <a:latin typeface="Trebuchet MS"/>
+                <a:cs typeface="Trebuchet MS"/>
+              </a:rPr>
+              <a:t>Sistema </a:t>
+            </a:r>
+            <a:r>
+              <a:rPr sz="1400" spc="40" dirty="0">
+                <a:latin typeface="Trebuchet MS"/>
+                <a:cs typeface="Trebuchet MS"/>
+              </a:rPr>
+              <a:t>de</a:t>
+            </a:r>
+            <a:r>
+              <a:rPr sz="1400" spc="-75" dirty="0">
                 <a:latin typeface="Trebuchet MS"/>
                 <a:cs typeface="Trebuchet MS"/>
               </a:rPr>
               <a:t> </a:t>
             </a:r>
             <a:r>
-              <a:rPr sz="1600" spc="30" dirty="0">
-                <a:latin typeface="Trebuchet MS"/>
-                <a:cs typeface="Trebuchet MS"/>
-              </a:rPr>
-              <a:t>para</a:t>
-            </a:r>
-            <a:r>
-              <a:rPr sz="1600" spc="25" dirty="0">
+              <a:rPr sz="1400" spc="35" dirty="0">
+                <a:latin typeface="Trebuchet MS"/>
+                <a:cs typeface="Trebuchet MS"/>
+              </a:rPr>
+              <a:t>Información  </a:t>
+            </a:r>
+            <a:r>
+              <a:rPr sz="1400" spc="65" dirty="0">
+                <a:latin typeface="Trebuchet MS"/>
+                <a:cs typeface="Trebuchet MS"/>
+              </a:rPr>
+              <a:t>Web </a:t>
+            </a:r>
+            <a:r>
+              <a:rPr sz="1400" spc="375" dirty="0">
+                <a:latin typeface="Trebuchet MS"/>
+                <a:cs typeface="Trebuchet MS"/>
+              </a:rPr>
+              <a:t>–</a:t>
+            </a:r>
+            <a:r>
+              <a:rPr sz="1400" spc="-50" dirty="0">
                 <a:latin typeface="Trebuchet MS"/>
                 <a:cs typeface="Trebuchet MS"/>
               </a:rPr>
               <a:t> </a:t>
             </a:r>
             <a:r>
-              <a:rPr sz="1600" spc="35" dirty="0">
-                <a:latin typeface="Trebuchet MS"/>
-                <a:cs typeface="Trebuchet MS"/>
-              </a:rPr>
-              <a:t>contar</a:t>
-            </a:r>
-            <a:r>
-              <a:rPr sz="1600" spc="25" dirty="0">
-                <a:latin typeface="Trebuchet MS"/>
-                <a:cs typeface="Trebuchet MS"/>
-              </a:rPr>
-              <a:t> </a:t>
-            </a:r>
-            <a:r>
-              <a:rPr sz="1600" spc="75" dirty="0">
-                <a:latin typeface="Trebuchet MS"/>
-                <a:cs typeface="Trebuchet MS"/>
-              </a:rPr>
-              <a:t>o</a:t>
-            </a:r>
-            <a:r>
-              <a:rPr sz="1600" spc="20" dirty="0">
-                <a:latin typeface="Trebuchet MS"/>
-                <a:cs typeface="Trebuchet MS"/>
-              </a:rPr>
-              <a:t> describir</a:t>
-            </a:r>
-            <a:r>
-              <a:rPr sz="1600" spc="10" dirty="0">
-                <a:latin typeface="Trebuchet MS"/>
-                <a:cs typeface="Trebuchet MS"/>
-              </a:rPr>
-              <a:t> </a:t>
-            </a:r>
-            <a:r>
-              <a:rPr sz="1600" spc="60" dirty="0">
-                <a:latin typeface="Trebuchet MS"/>
-                <a:cs typeface="Trebuchet MS"/>
-              </a:rPr>
-              <a:t>una</a:t>
-            </a:r>
-            <a:r>
-              <a:rPr sz="1600" spc="30" dirty="0">
-                <a:latin typeface="Trebuchet MS"/>
-                <a:cs typeface="Trebuchet MS"/>
-              </a:rPr>
-              <a:t> </a:t>
-            </a:r>
-            <a:r>
-              <a:rPr sz="1600" spc="15" dirty="0">
-                <a:latin typeface="Trebuchet MS"/>
-                <a:cs typeface="Trebuchet MS"/>
-              </a:rPr>
-              <a:t>serie</a:t>
-            </a:r>
-            <a:r>
-              <a:rPr sz="1600" spc="5" dirty="0">
-                <a:latin typeface="Trebuchet MS"/>
-                <a:cs typeface="Trebuchet MS"/>
-              </a:rPr>
-              <a:t> </a:t>
-            </a:r>
-            <a:r>
-              <a:rPr sz="1600" spc="50" dirty="0">
-                <a:latin typeface="Trebuchet MS"/>
-                <a:cs typeface="Trebuchet MS"/>
-              </a:rPr>
-              <a:t>de</a:t>
-            </a:r>
-            <a:r>
-              <a:rPr sz="1600" spc="20" dirty="0">
-                <a:latin typeface="Trebuchet MS"/>
-                <a:cs typeface="Trebuchet MS"/>
-              </a:rPr>
-              <a:t> </a:t>
-            </a:r>
-            <a:r>
-              <a:rPr sz="1600" spc="45" dirty="0">
-                <a:latin typeface="Trebuchet MS"/>
-                <a:cs typeface="Trebuchet MS"/>
-              </a:rPr>
-              <a:t>pasos.</a:t>
-            </a:r>
-            <a:r>
-              <a:rPr sz="1600" spc="35" dirty="0">
-                <a:latin typeface="Trebuchet MS"/>
-                <a:cs typeface="Trebuchet MS"/>
-              </a:rPr>
-              <a:t> </a:t>
-            </a:r>
-            <a:r>
-              <a:rPr sz="1600" spc="120" dirty="0">
-                <a:latin typeface="Trebuchet MS"/>
-                <a:cs typeface="Trebuchet MS"/>
-              </a:rPr>
-              <a:t>Se</a:t>
-            </a:r>
-            <a:r>
-              <a:rPr sz="1600" spc="10" dirty="0">
-                <a:latin typeface="Trebuchet MS"/>
-                <a:cs typeface="Trebuchet MS"/>
-              </a:rPr>
-              <a:t> </a:t>
-            </a:r>
-            <a:r>
-              <a:rPr sz="1600" spc="55" dirty="0">
-                <a:latin typeface="Trebuchet MS"/>
-                <a:cs typeface="Trebuchet MS"/>
-              </a:rPr>
-              <a:t>pueden  </a:t>
-            </a:r>
-            <a:r>
-              <a:rPr sz="1600" spc="-15" dirty="0">
-                <a:latin typeface="Trebuchet MS"/>
-                <a:cs typeface="Trebuchet MS"/>
-              </a:rPr>
-              <a:t>utilizar </a:t>
-            </a:r>
-            <a:r>
-              <a:rPr sz="1600" spc="55" dirty="0">
-                <a:latin typeface="Trebuchet MS"/>
-                <a:cs typeface="Trebuchet MS"/>
-              </a:rPr>
-              <a:t>imágenes </a:t>
-            </a:r>
-            <a:r>
-              <a:rPr sz="1600" spc="50" dirty="0">
-                <a:latin typeface="Trebuchet MS"/>
-                <a:cs typeface="Trebuchet MS"/>
-              </a:rPr>
-              <a:t>de</a:t>
-            </a:r>
-            <a:r>
-              <a:rPr sz="1600" spc="-20" dirty="0">
-                <a:latin typeface="Trebuchet MS"/>
-                <a:cs typeface="Trebuchet MS"/>
-              </a:rPr>
-              <a:t> </a:t>
-            </a:r>
-            <a:r>
-              <a:rPr sz="1600" spc="5" dirty="0">
-                <a:latin typeface="Trebuchet MS"/>
-                <a:cs typeface="Trebuchet MS"/>
-              </a:rPr>
-              <a:t>apoyo.</a:t>
-            </a:r>
-            <a:endParaRPr sz="1600">
+              <a:rPr sz="1400" spc="60" dirty="0">
+                <a:latin typeface="Trebuchet MS"/>
+                <a:cs typeface="Trebuchet MS"/>
+              </a:rPr>
+              <a:t>Remoto</a:t>
+            </a:r>
+            <a:endParaRPr sz="1400">
+              <a:latin typeface="Trebuchet MS"/>
+              <a:cs typeface="Trebuchet MS"/>
+            </a:endParaRPr>
+          </a:p>
+          <a:p>
+            <a:pPr marL="184150" indent="-171450">
+              <a:lnSpc>
+                <a:spcPct val="100000"/>
+              </a:lnSpc>
+              <a:buFont typeface="Arial"/>
+              <a:buChar char="•"/>
+              <a:tabLst>
+                <a:tab pos="184150" algn="l"/>
+              </a:tabLst>
+            </a:pPr>
+            <a:r>
+              <a:rPr sz="1400" spc="30" dirty="0">
+                <a:latin typeface="Trebuchet MS"/>
+                <a:cs typeface="Trebuchet MS"/>
+              </a:rPr>
+              <a:t>Entregables</a:t>
+            </a:r>
+            <a:endParaRPr sz="1400">
               <a:latin typeface="Trebuchet MS"/>
               <a:cs typeface="Trebuchet MS"/>
             </a:endParaRPr>
@@ -12137,10 +10793,10 @@
       </p:sp>
       <p:pic>
         <p:nvPicPr>
-          <p:cNvPr id="9" name="Imagen 8" descr="Logotipo&#10;&#10;Descripción generada automáticamente">
+          <p:cNvPr id="23" name="Imagen 22" descr="Logotipo&#10;&#10;Descripción generada automáticamente">
             <a:extLst>
               <a:ext uri="{FF2B5EF4-FFF2-40B4-BE49-F238E27FC236}">
-                <a16:creationId xmlns:a16="http://schemas.microsoft.com/office/drawing/2014/main" id="{C5D67E0C-D232-1A8A-6AEB-F75F31615686}"/>
+                <a16:creationId xmlns:a16="http://schemas.microsoft.com/office/drawing/2014/main" id="{4826A5C5-2A23-D7AC-D5BD-EA860B7D5D5A}"/>
               </a:ext>
             </a:extLst>
           </p:cNvPr>
@@ -12173,10 +10829,10 @@
       </p:pic>
       <p:pic>
         <p:nvPicPr>
-          <p:cNvPr id="10" name="Imagen 9" descr="Un letrero de color negro&#10;&#10;Descripción generada automáticamente con confianza baja">
+          <p:cNvPr id="24" name="Imagen 23" descr="Un letrero de color negro&#10;&#10;Descripción generada automáticamente con confianza baja">
             <a:extLst>
               <a:ext uri="{FF2B5EF4-FFF2-40B4-BE49-F238E27FC236}">
-                <a16:creationId xmlns:a16="http://schemas.microsoft.com/office/drawing/2014/main" id="{EECE9FF0-CEA2-54BF-A3F7-B1500C2EBB96}"/>
+                <a16:creationId xmlns:a16="http://schemas.microsoft.com/office/drawing/2014/main" id="{B959EEE7-CA6C-6238-417A-72DA389F3014}"/>
               </a:ext>
             </a:extLst>
           </p:cNvPr>

--- a/trim_2/1_gestion_proyecto/2_levantamiento_informacion/DiapositivasPresentaciónproyecto.pptx
+++ b/trim_2/1_gestion_proyecto/2_levantamiento_informacion/DiapositivasPresentaciónproyecto.pptx
@@ -271,7 +271,7 @@
           <a:p>
             <a:fld id="{1D8BD707-D9CF-40AE-B4C6-C98DA3205C09}" type="datetimeFigureOut">
               <a:rPr lang="en-US"/>
-              <a:t>4/9/2023</a:t>
+              <a:t>4/11/2023</a:t>
             </a:fld>
             <a:endParaRPr lang="en-US"/>
           </a:p>
@@ -446,7 +446,7 @@
           <a:p>
             <a:fld id="{1D8BD707-D9CF-40AE-B4C6-C98DA3205C09}" type="datetimeFigureOut">
               <a:rPr lang="en-US"/>
-              <a:t>4/9/2023</a:t>
+              <a:t>4/11/2023</a:t>
             </a:fld>
             <a:endParaRPr lang="en-US"/>
           </a:p>
@@ -660,7 +660,7 @@
           <a:p>
             <a:fld id="{1D8BD707-D9CF-40AE-B4C6-C98DA3205C09}" type="datetimeFigureOut">
               <a:rPr lang="en-US"/>
-              <a:t>4/9/2023</a:t>
+              <a:t>4/11/2023</a:t>
             </a:fld>
             <a:endParaRPr lang="en-US"/>
           </a:p>
@@ -845,7 +845,7 @@
           <a:p>
             <a:fld id="{1D8BD707-D9CF-40AE-B4C6-C98DA3205C09}" type="datetimeFigureOut">
               <a:rPr lang="en-US"/>
-              <a:t>4/9/2023</a:t>
+              <a:t>4/11/2023</a:t>
             </a:fld>
             <a:endParaRPr lang="en-US"/>
           </a:p>
@@ -1001,7 +1001,7 @@
           <a:p>
             <a:fld id="{1D8BD707-D9CF-40AE-B4C6-C98DA3205C09}" type="datetimeFigureOut">
               <a:rPr lang="en-US"/>
-              <a:t>4/9/2023</a:t>
+              <a:t>4/11/2023</a:t>
             </a:fld>
             <a:endParaRPr lang="en-US"/>
           </a:p>
@@ -1224,7 +1224,7 @@
           <a:p>
             <a:fld id="{1D8BD707-D9CF-40AE-B4C6-C98DA3205C09}" type="datetimeFigureOut">
               <a:rPr lang="en-US"/>
-              <a:t>4/9/2023</a:t>
+              <a:t>4/11/2023</a:t>
             </a:fld>
             <a:endParaRPr lang="en-US"/>
           </a:p>
@@ -1443,97 +1443,6 @@
           <a:chExt cx="0" cy="0"/>
         </a:xfrm>
       </p:grpSpPr>
-      <p:sp>
-        <p:nvSpPr>
-          <p:cNvPr id="2" name="object 2"/>
-          <p:cNvSpPr txBox="1">
-            <a:spLocks noGrp="1"/>
-          </p:cNvSpPr>
-          <p:nvPr>
-            <p:ph type="title"/>
-          </p:nvPr>
-        </p:nvSpPr>
-        <p:spPr>
-          <a:xfrm>
-            <a:off x="1074166" y="2551684"/>
-            <a:ext cx="4382135" cy="1671320"/>
-          </a:xfrm>
-          <a:prstGeom prst="rect">
-            <a:avLst/>
-          </a:prstGeom>
-        </p:spPr>
-        <p:txBody>
-          <a:bodyPr vert="horz" wrap="square" lIns="0" tIns="12700" rIns="0" bIns="0" rtlCol="0">
-            <a:spAutoFit/>
-          </a:bodyPr>
-          <a:lstStyle/>
-          <a:p>
-            <a:pPr marL="12700">
-              <a:lnSpc>
-                <a:spcPct val="100000"/>
-              </a:lnSpc>
-              <a:spcBef>
-                <a:spcPts val="100"/>
-              </a:spcBef>
-            </a:pPr>
-            <a:r>
-              <a:rPr sz="5400" b="1" spc="215" dirty="0">
-                <a:solidFill>
-                  <a:srgbClr val="404040"/>
-                </a:solidFill>
-                <a:latin typeface="Trebuchet MS"/>
-                <a:cs typeface="Trebuchet MS"/>
-              </a:rPr>
-              <a:t>Nombre</a:t>
-            </a:r>
-            <a:endParaRPr sz="5400">
-              <a:latin typeface="Trebuchet MS"/>
-              <a:cs typeface="Trebuchet MS"/>
-            </a:endParaRPr>
-          </a:p>
-          <a:p>
-            <a:pPr marL="12700">
-              <a:lnSpc>
-                <a:spcPct val="100000"/>
-              </a:lnSpc>
-            </a:pPr>
-            <a:r>
-              <a:rPr sz="5400" b="1" spc="200" dirty="0">
-                <a:solidFill>
-                  <a:srgbClr val="404040"/>
-                </a:solidFill>
-                <a:latin typeface="Trebuchet MS"/>
-                <a:cs typeface="Trebuchet MS"/>
-              </a:rPr>
-              <a:t>Del</a:t>
-            </a:r>
-            <a:r>
-              <a:rPr sz="5400" b="1" spc="-150" dirty="0">
-                <a:solidFill>
-                  <a:srgbClr val="404040"/>
-                </a:solidFill>
-                <a:latin typeface="Trebuchet MS"/>
-                <a:cs typeface="Trebuchet MS"/>
-              </a:rPr>
-              <a:t> </a:t>
-            </a:r>
-            <a:r>
-              <a:rPr sz="5400" b="1" spc="185" dirty="0">
-                <a:solidFill>
-                  <a:srgbClr val="404040"/>
-                </a:solidFill>
-                <a:latin typeface="Trebuchet MS"/>
-                <a:cs typeface="Trebuchet MS"/>
-              </a:rPr>
-              <a:t>Proyecto</a:t>
-            </a:r>
-            <a:endParaRPr sz="5400">
-              <a:latin typeface="Trebuchet MS"/>
-              <a:cs typeface="Trebuchet MS"/>
-            </a:endParaRPr>
-          </a:p>
-        </p:txBody>
-      </p:sp>
       <p:pic>
         <p:nvPicPr>
           <p:cNvPr id="6" name="Imagen 5" descr="Un dibujo de un perro&#10;&#10;Descripción generada automáticamente con confianza media">
@@ -1562,8 +1471,8 @@
         </p:blipFill>
         <p:spPr>
           <a:xfrm>
-            <a:off x="6096000" y="2860867"/>
-            <a:ext cx="2416890" cy="1136265"/>
+            <a:off x="2056788" y="1905001"/>
+            <a:ext cx="4521312" cy="2125628"/>
           </a:xfrm>
           <a:prstGeom prst="rect">
             <a:avLst/>
@@ -1598,8 +1507,8 @@
         </p:blipFill>
         <p:spPr>
           <a:xfrm>
-            <a:off x="8812359" y="2726763"/>
-            <a:ext cx="1671320" cy="1671320"/>
+            <a:off x="8077200" y="1913207"/>
+            <a:ext cx="2267375" cy="2267375"/>
           </a:xfrm>
           <a:prstGeom prst="rect">
             <a:avLst/>
@@ -2324,7 +2233,7 @@
         <p:spPr>
           <a:xfrm>
             <a:off x="4114800" y="3505200"/>
-            <a:ext cx="4114799" cy="1656864"/>
+            <a:ext cx="4114799" cy="1379865"/>
           </a:xfrm>
           <a:prstGeom prst="rect">
             <a:avLst/>
@@ -2335,36 +2244,6 @@
             <a:spAutoFit/>
           </a:bodyPr>
           <a:lstStyle/>
-          <a:p>
-            <a:pPr algn="l" rtl="0" fontAlgn="base"/>
-            <a:r>
-              <a:rPr lang="es-ES" sz="1800" b="0" i="0" dirty="0">
-                <a:solidFill>
-                  <a:schemeClr val="bg1"/>
-                </a:solidFill>
-                <a:effectLst/>
-                <a:latin typeface="Arial" panose="020B0604020202020204" pitchFamily="34" charset="0"/>
-              </a:rPr>
-              <a:t>Oscar Eliecer Ramírez Aguirre</a:t>
-            </a:r>
-            <a:r>
-              <a:rPr lang="es-ES" sz="1800" b="1" i="0" dirty="0">
-                <a:solidFill>
-                  <a:schemeClr val="bg1"/>
-                </a:solidFill>
-                <a:effectLst/>
-                <a:latin typeface="Arial" panose="020B0604020202020204" pitchFamily="34" charset="0"/>
-              </a:rPr>
-              <a:t> </a:t>
-            </a:r>
-            <a:endParaRPr lang="es-ES" sz="1600" b="1" i="0" dirty="0">
-              <a:solidFill>
-                <a:schemeClr val="bg1"/>
-              </a:solidFill>
-              <a:effectLst/>
-              <a:latin typeface="Segoe UI" panose="020B0502040204020203" pitchFamily="34" charset="0"/>
-            </a:endParaRPr>
-          </a:p>
           <a:p>
             <a:pPr algn="l" rtl="0" fontAlgn="base"/>
             <a:r>
@@ -4967,7 +4846,7 @@
         <p:spPr>
           <a:xfrm>
             <a:off x="609600" y="2105164"/>
-            <a:ext cx="11095355" cy="3990836"/>
+            <a:ext cx="11095355" cy="3744615"/>
           </a:xfrm>
           <a:prstGeom prst="rect">
             <a:avLst/>
@@ -4978,104 +4857,6 @@
             <a:spAutoFit/>
           </a:bodyPr>
           <a:lstStyle/>
-          <a:p>
-            <a:pPr marL="12700">
-              <a:lnSpc>
-                <a:spcPct val="100000"/>
-              </a:lnSpc>
-              <a:spcBef>
-                <a:spcPts val="100"/>
-              </a:spcBef>
-            </a:pPr>
-            <a:r>
-              <a:rPr sz="1600" spc="15" dirty="0">
-                <a:latin typeface="Trebuchet MS"/>
-                <a:cs typeface="Trebuchet MS"/>
-              </a:rPr>
-              <a:t>Párrafo </a:t>
-            </a:r>
-            <a:r>
-              <a:rPr sz="1600" spc="75" dirty="0">
-                <a:latin typeface="Trebuchet MS"/>
-                <a:cs typeface="Trebuchet MS"/>
-              </a:rPr>
-              <a:t>o </a:t>
-            </a:r>
-            <a:r>
-              <a:rPr sz="1600" spc="45" dirty="0">
-                <a:latin typeface="Trebuchet MS"/>
-                <a:cs typeface="Trebuchet MS"/>
-              </a:rPr>
-              <a:t>separación </a:t>
-            </a:r>
-            <a:r>
-              <a:rPr sz="1600" spc="40" dirty="0">
-                <a:latin typeface="Trebuchet MS"/>
-                <a:cs typeface="Trebuchet MS"/>
-              </a:rPr>
-              <a:t>por </a:t>
-            </a:r>
-            <a:r>
-              <a:rPr sz="1600" spc="55" dirty="0">
-                <a:latin typeface="Trebuchet MS"/>
-                <a:cs typeface="Trebuchet MS"/>
-              </a:rPr>
-              <a:t>punto </a:t>
-            </a:r>
-            <a:r>
-              <a:rPr sz="1600" spc="40" dirty="0">
-                <a:latin typeface="Trebuchet MS"/>
-                <a:cs typeface="Trebuchet MS"/>
-              </a:rPr>
-              <a:t>describiendo </a:t>
-            </a:r>
-            <a:r>
-              <a:rPr sz="1600" spc="45" dirty="0">
-                <a:latin typeface="Trebuchet MS"/>
-                <a:cs typeface="Trebuchet MS"/>
-              </a:rPr>
-              <a:t>(máximo </a:t>
-            </a:r>
-            <a:r>
-              <a:rPr sz="1600" spc="85" dirty="0">
-                <a:latin typeface="Trebuchet MS"/>
-                <a:cs typeface="Trebuchet MS"/>
-              </a:rPr>
-              <a:t>6 </a:t>
-            </a:r>
-            <a:r>
-              <a:rPr sz="1600" spc="25" dirty="0">
-                <a:latin typeface="Trebuchet MS"/>
-                <a:cs typeface="Trebuchet MS"/>
-              </a:rPr>
-              <a:t>líneas </a:t>
-            </a:r>
-            <a:r>
-              <a:rPr sz="1600" spc="45" dirty="0">
-                <a:latin typeface="Trebuchet MS"/>
-                <a:cs typeface="Trebuchet MS"/>
-              </a:rPr>
-              <a:t>por</a:t>
-            </a:r>
-            <a:r>
-              <a:rPr sz="1600" spc="-260" dirty="0">
-                <a:latin typeface="Trebuchet MS"/>
-                <a:cs typeface="Trebuchet MS"/>
-              </a:rPr>
-              <a:t> </a:t>
-            </a:r>
-            <a:r>
-              <a:rPr sz="1600" spc="-15" dirty="0">
-                <a:latin typeface="Trebuchet MS"/>
-                <a:cs typeface="Trebuchet MS"/>
-              </a:rPr>
-              <a:t>párrafo):</a:t>
-            </a:r>
-            <a:endParaRPr sz="1600" dirty="0">
-              <a:latin typeface="Trebuchet MS"/>
-              <a:cs typeface="Trebuchet MS"/>
-            </a:endParaRPr>
-          </a:p>
           <a:p>
             <a:pPr>
               <a:lnSpc>
@@ -5091,12 +4872,10 @@
             </a:endParaRPr>
           </a:p>
           <a:p>
-            <a:pPr marL="298450" indent="-285750">
+            <a:pPr marL="12700">
               <a:lnSpc>
                 <a:spcPct val="100000"/>
               </a:lnSpc>
-              <a:buFont typeface="Arial"/>
-              <a:buChar char="•"/>
               <a:tabLst>
                 <a:tab pos="297815" algn="l"/>
                 <a:tab pos="298450" algn="l"/>
@@ -5138,16 +4917,7 @@
               <a:lnSpc>
                 <a:spcPct val="100000"/>
               </a:lnSpc>
-              <a:buFont typeface="Arial"/>
-              <a:buChar char="•"/>
             </a:pPr>
-            <a:r>
-              <a:rPr lang="es-MX" sz="1650" dirty="0">
-                <a:latin typeface="Trebuchet MS"/>
-                <a:cs typeface="Trebuchet MS"/>
-              </a:rPr>
-              <a:t>   </a:t>
-            </a:r>
             <a:r>
               <a:rPr lang="es-MX" sz="1600" dirty="0">
                 <a:latin typeface="Trebuchet MS"/>
@@ -5175,15 +4945,13 @@
             </a:endParaRPr>
           </a:p>
           <a:p>
-            <a:pPr marL="298450" marR="273685" indent="-285750">
+            <a:pPr marL="12700" marR="273685">
               <a:lnSpc>
                 <a:spcPct val="100000"/>
               </a:lnSpc>
               <a:spcBef>
                 <a:spcPts val="5"/>
               </a:spcBef>
-              <a:buFont typeface="Arial"/>
-              <a:buChar char="•"/>
               <a:tabLst>
                 <a:tab pos="297815" algn="l"/>
                 <a:tab pos="298450" algn="l"/>
@@ -5268,18 +5036,16 @@
               <a:buFont typeface="Arial"/>
               <a:buChar char="•"/>
             </a:pPr>
-            <a:endParaRPr sz="1650" dirty="0">
+            <a:endParaRPr lang="es-CO" sz="1650" dirty="0">
               <a:latin typeface="Trebuchet MS"/>
               <a:cs typeface="Trebuchet MS"/>
             </a:endParaRPr>
           </a:p>
           <a:p>
-            <a:pPr marL="298450" marR="883285" indent="-285750" algn="just">
+            <a:pPr marL="12700" marR="883285" algn="just">
               <a:lnSpc>
                 <a:spcPct val="100000"/>
               </a:lnSpc>
-              <a:buFont typeface="Arial"/>
-              <a:buChar char="•"/>
               <a:tabLst>
                 <a:tab pos="298450" algn="l"/>
               </a:tabLst>
@@ -6236,7 +6002,7 @@
         <p:spPr>
           <a:xfrm>
             <a:off x="843025" y="3684016"/>
-            <a:ext cx="4653915" cy="1982594"/>
+            <a:ext cx="4653915" cy="2228815"/>
           </a:xfrm>
           <a:prstGeom prst="rect">
             <a:avLst/>
@@ -6277,46 +6043,39 @@
               <a:t>los </a:t>
             </a:r>
             <a:r>
+              <a:rPr sz="1600" spc="55" dirty="0" err="1">
+                <a:latin typeface="Trebuchet MS"/>
+                <a:cs typeface="Trebuchet MS"/>
+              </a:rPr>
+              <a:t>Usuarios</a:t>
+            </a:r>
+            <a:r>
               <a:rPr sz="1600" spc="55" dirty="0">
                 <a:latin typeface="Trebuchet MS"/>
                 <a:cs typeface="Trebuchet MS"/>
               </a:rPr>
-              <a:t>Usuarios </a:t>
+              <a:t> </a:t>
             </a:r>
             <a:r>
               <a:rPr sz="1600" spc="50" dirty="0">
                 <a:latin typeface="Trebuchet MS"/>
                 <a:cs typeface="Trebuchet MS"/>
               </a:rPr>
-              <a:t>de </a:t>
-            </a:r>
-            <a:r>
-              <a:rPr sz="1600" spc="-5" dirty="0">
-                <a:latin typeface="Trebuchet MS"/>
-                <a:cs typeface="Trebuchet MS"/>
-              </a:rPr>
-              <a:t>la</a:t>
-            </a:r>
-            <a:r>
-              <a:rPr sz="1600" spc="-170" dirty="0">
+              <a:t>de</a:t>
+            </a:r>
+            <a:r>
+              <a:rPr lang="es-MX" sz="1600" spc="50" dirty="0">
+                <a:latin typeface="Trebuchet MS"/>
+                <a:cs typeface="Trebuchet MS"/>
+              </a:rPr>
+              <a:t>l</a:t>
+            </a:r>
+            <a:r>
+              <a:rPr sz="1600" spc="50" dirty="0">
                 <a:latin typeface="Trebuchet MS"/>
                 <a:cs typeface="Trebuchet MS"/>
               </a:rPr>
               <a:t> </a:t>
-            </a:r>
-            <a:r>
-              <a:rPr sz="1600" spc="85" dirty="0" err="1">
-                <a:latin typeface="Trebuchet MS"/>
-                <a:cs typeface="Trebuchet MS"/>
-              </a:rPr>
-              <a:t>Empresa</a:t>
-            </a:r>
-            <a:r>
-              <a:rPr sz="1600" spc="85" dirty="0">
-                <a:latin typeface="Trebuchet MS"/>
-                <a:cs typeface="Trebuchet MS"/>
-              </a:rPr>
-              <a:t>  </a:t>
             </a:r>
             <a:r>
               <a:rPr lang="es-MX" sz="1600" spc="55" dirty="0">
@@ -6382,28 +6141,21 @@
                 <a:latin typeface="Trebuchet MS"/>
                 <a:cs typeface="Trebuchet MS"/>
               </a:rPr>
-              <a:t>de </a:t>
-            </a:r>
-            <a:r>
-              <a:rPr sz="1600" spc="-5" dirty="0">
-                <a:latin typeface="Trebuchet MS"/>
-                <a:cs typeface="Trebuchet MS"/>
-              </a:rPr>
-              <a:t>la</a:t>
-            </a:r>
-            <a:r>
-              <a:rPr sz="1600" spc="-120" dirty="0">
-                <a:latin typeface="Trebuchet MS"/>
-                <a:cs typeface="Trebuchet MS"/>
-              </a:rPr>
-              <a:t> </a:t>
-            </a:r>
-            <a:r>
-              <a:rPr sz="1600" spc="85" dirty="0" err="1">
-                <a:latin typeface="Trebuchet MS"/>
-                <a:cs typeface="Trebuchet MS"/>
-              </a:rPr>
-              <a:t>Empresa</a:t>
+              <a:t>de</a:t>
+            </a:r>
+            <a:r>
+              <a:rPr lang="es-MX" sz="1600" spc="50" dirty="0">
+                <a:latin typeface="Trebuchet MS"/>
+                <a:cs typeface="Trebuchet MS"/>
+              </a:rPr>
+              <a:t>l </a:t>
+            </a:r>
+            <a:r>
+              <a:rPr lang="es-MX" sz="1600" spc="55" dirty="0">
+                <a:latin typeface="Trebuchet MS"/>
+                <a:cs typeface="Trebuchet MS"/>
+              </a:rPr>
+              <a:t>Restaurante Betel</a:t>
             </a:r>
             <a:r>
               <a:rPr lang="es-MX" sz="1600" spc="85" dirty="0">
@@ -6746,7 +6498,7 @@
         <p:spPr>
           <a:xfrm>
             <a:off x="451104" y="1690877"/>
-            <a:ext cx="11175365" cy="4960332"/>
+            <a:ext cx="11175365" cy="4467890"/>
           </a:xfrm>
           <a:prstGeom prst="rect">
             <a:avLst/>
@@ -6757,97 +6509,6 @@
             <a:spAutoFit/>
           </a:bodyPr>
           <a:lstStyle/>
-          <a:p>
-            <a:pPr marL="12700">
-              <a:lnSpc>
-                <a:spcPct val="100000"/>
-              </a:lnSpc>
-              <a:spcBef>
-                <a:spcPts val="100"/>
-              </a:spcBef>
-            </a:pPr>
-            <a:r>
-              <a:rPr sz="1600" spc="15" dirty="0">
-                <a:latin typeface="Trebuchet MS"/>
-                <a:cs typeface="Trebuchet MS"/>
-              </a:rPr>
-              <a:t>Párrafo </a:t>
-            </a:r>
-            <a:r>
-              <a:rPr sz="1600" spc="75" dirty="0">
-                <a:latin typeface="Trebuchet MS"/>
-                <a:cs typeface="Trebuchet MS"/>
-              </a:rPr>
-              <a:t>o </a:t>
-            </a:r>
-            <a:r>
-              <a:rPr sz="1600" spc="45" dirty="0">
-                <a:latin typeface="Trebuchet MS"/>
-                <a:cs typeface="Trebuchet MS"/>
-              </a:rPr>
-              <a:t>separación por </a:t>
-            </a:r>
-            <a:r>
-              <a:rPr sz="1600" spc="55" dirty="0">
-                <a:latin typeface="Trebuchet MS"/>
-                <a:cs typeface="Trebuchet MS"/>
-              </a:rPr>
-              <a:t>punto </a:t>
-            </a:r>
-            <a:r>
-              <a:rPr sz="1600" spc="40" dirty="0">
-                <a:latin typeface="Trebuchet MS"/>
-                <a:cs typeface="Trebuchet MS"/>
-              </a:rPr>
-              <a:t>describiendo </a:t>
-            </a:r>
-            <a:r>
-              <a:rPr sz="1600" spc="45" dirty="0">
-                <a:latin typeface="Trebuchet MS"/>
-                <a:cs typeface="Trebuchet MS"/>
-              </a:rPr>
-              <a:t>(máximo </a:t>
-            </a:r>
-            <a:r>
-              <a:rPr sz="1600" spc="85" dirty="0">
-                <a:latin typeface="Trebuchet MS"/>
-                <a:cs typeface="Trebuchet MS"/>
-              </a:rPr>
-              <a:t>6 </a:t>
-            </a:r>
-            <a:r>
-              <a:rPr sz="1600" spc="25" dirty="0">
-                <a:latin typeface="Trebuchet MS"/>
-                <a:cs typeface="Trebuchet MS"/>
-              </a:rPr>
-              <a:t>líneas </a:t>
-            </a:r>
-            <a:r>
-              <a:rPr sz="1600" spc="45" dirty="0">
-                <a:latin typeface="Trebuchet MS"/>
-                <a:cs typeface="Trebuchet MS"/>
-              </a:rPr>
-              <a:t>por</a:t>
-            </a:r>
-            <a:r>
-              <a:rPr sz="1600" spc="-270" dirty="0">
-                <a:latin typeface="Trebuchet MS"/>
-                <a:cs typeface="Trebuchet MS"/>
-              </a:rPr>
-              <a:t> </a:t>
-            </a:r>
-            <a:r>
-              <a:rPr sz="1600" spc="-15" dirty="0">
-                <a:latin typeface="Trebuchet MS"/>
-                <a:cs typeface="Trebuchet MS"/>
-              </a:rPr>
-              <a:t>párrafo):</a:t>
-            </a:r>
-            <a:endParaRPr sz="1600" dirty="0">
-              <a:latin typeface="Trebuchet MS"/>
-              <a:cs typeface="Trebuchet MS"/>
-            </a:endParaRPr>
-          </a:p>
           <a:p>
             <a:pPr>
               <a:lnSpc>
@@ -6863,45 +6524,15 @@
             </a:endParaRPr>
           </a:p>
           <a:p>
-            <a:pPr marL="298450" marR="48260" indent="-285750">
+            <a:pPr marL="12700" marR="48260">
               <a:lnSpc>
                 <a:spcPct val="100000"/>
               </a:lnSpc>
-              <a:buFont typeface="Arial"/>
-              <a:buChar char="•"/>
               <a:tabLst>
                 <a:tab pos="297815" algn="l"/>
                 <a:tab pos="298450" algn="l"/>
               </a:tabLst>
             </a:pPr>
-            <a:r>
-              <a:rPr sz="1600" spc="65" dirty="0">
-                <a:latin typeface="Trebuchet MS"/>
-                <a:cs typeface="Trebuchet MS"/>
-              </a:rPr>
-              <a:t>La</a:t>
-            </a:r>
-            <a:r>
-              <a:rPr sz="1600" spc="20" dirty="0">
-                <a:latin typeface="Trebuchet MS"/>
-                <a:cs typeface="Trebuchet MS"/>
-              </a:rPr>
-              <a:t> </a:t>
-            </a:r>
-            <a:r>
-              <a:rPr sz="1600" spc="25" dirty="0">
-                <a:latin typeface="Trebuchet MS"/>
-                <a:cs typeface="Trebuchet MS"/>
-              </a:rPr>
-              <a:t>solución:</a:t>
-            </a:r>
-            <a:r>
-              <a:rPr sz="1600" spc="40" dirty="0">
-                <a:latin typeface="Trebuchet MS"/>
-                <a:cs typeface="Trebuchet MS"/>
-              </a:rPr>
-              <a:t> </a:t>
-            </a:r>
             <a:r>
               <a:rPr sz="1600" spc="120" dirty="0">
                 <a:latin typeface="Trebuchet MS"/>
@@ -7260,12 +6891,10 @@
             </a:endParaRPr>
           </a:p>
           <a:p>
-            <a:pPr marL="298450" marR="123825" indent="-285750">
+            <a:pPr marL="12700" marR="123825">
               <a:lnSpc>
                 <a:spcPct val="100000"/>
               </a:lnSpc>
-              <a:buFont typeface="Arial"/>
-              <a:buChar char="•"/>
               <a:tabLst>
                 <a:tab pos="297815" algn="l"/>
                 <a:tab pos="298450" algn="l"/>
@@ -7416,7 +7045,7 @@
                 <a:latin typeface="Trebuchet MS"/>
                 <a:cs typeface="Trebuchet MS"/>
               </a:rPr>
-              <a:t> INVENTARIOS </a:t>
+              <a:t> inventarios </a:t>
             </a:r>
             <a:r>
               <a:rPr sz="1600" spc="25" dirty="0">
@@ -8000,12 +7629,10 @@
             </a:endParaRPr>
           </a:p>
           <a:p>
-            <a:pPr marL="298450" marR="5080" indent="-285750">
+            <a:pPr marL="12700" marR="5080">
               <a:lnSpc>
                 <a:spcPct val="100000"/>
               </a:lnSpc>
-              <a:buFont typeface="Arial"/>
-              <a:buChar char="•"/>
               <a:tabLst>
                 <a:tab pos="297815" algn="l"/>
                 <a:tab pos="298450" algn="l"/>
@@ -8323,7 +7950,7 @@
         <p:spPr>
           <a:xfrm>
             <a:off x="451104" y="1690877"/>
-            <a:ext cx="11095355" cy="1759456"/>
+            <a:ext cx="11095355" cy="1513235"/>
           </a:xfrm>
           <a:prstGeom prst="rect">
             <a:avLst/>
@@ -8334,97 +7961,6 @@
             <a:spAutoFit/>
           </a:bodyPr>
           <a:lstStyle/>
-          <a:p>
-            <a:pPr marL="12700">
-              <a:lnSpc>
-                <a:spcPct val="100000"/>
-              </a:lnSpc>
-              <a:spcBef>
-                <a:spcPts val="100"/>
-              </a:spcBef>
-            </a:pPr>
-            <a:r>
-              <a:rPr sz="1600" spc="15" dirty="0">
-                <a:latin typeface="Trebuchet MS"/>
-                <a:cs typeface="Trebuchet MS"/>
-              </a:rPr>
-              <a:t>Párrafo </a:t>
-            </a:r>
-            <a:r>
-              <a:rPr sz="1600" spc="75" dirty="0">
-                <a:latin typeface="Trebuchet MS"/>
-                <a:cs typeface="Trebuchet MS"/>
-              </a:rPr>
-              <a:t>o </a:t>
-            </a:r>
-            <a:r>
-              <a:rPr sz="1600" spc="45" dirty="0">
-                <a:latin typeface="Trebuchet MS"/>
-                <a:cs typeface="Trebuchet MS"/>
-              </a:rPr>
-              <a:t>separación por </a:t>
-            </a:r>
-            <a:r>
-              <a:rPr sz="1600" spc="55" dirty="0">
-                <a:latin typeface="Trebuchet MS"/>
-                <a:cs typeface="Trebuchet MS"/>
-              </a:rPr>
-              <a:t>punto </a:t>
-            </a:r>
-            <a:r>
-              <a:rPr sz="1600" spc="40" dirty="0">
-                <a:latin typeface="Trebuchet MS"/>
-                <a:cs typeface="Trebuchet MS"/>
-              </a:rPr>
-              <a:t>describiendo </a:t>
-            </a:r>
-            <a:r>
-              <a:rPr sz="1600" spc="45" dirty="0">
-                <a:latin typeface="Trebuchet MS"/>
-                <a:cs typeface="Trebuchet MS"/>
-              </a:rPr>
-              <a:t>(máximo </a:t>
-            </a:r>
-            <a:r>
-              <a:rPr sz="1600" spc="85" dirty="0">
-                <a:latin typeface="Trebuchet MS"/>
-                <a:cs typeface="Trebuchet MS"/>
-              </a:rPr>
-              <a:t>6 </a:t>
-            </a:r>
-            <a:r>
-              <a:rPr sz="1600" spc="25" dirty="0">
-                <a:latin typeface="Trebuchet MS"/>
-                <a:cs typeface="Trebuchet MS"/>
-              </a:rPr>
-              <a:t>líneas </a:t>
-            </a:r>
-            <a:r>
-              <a:rPr sz="1600" spc="45" dirty="0">
-                <a:latin typeface="Trebuchet MS"/>
-                <a:cs typeface="Trebuchet MS"/>
-              </a:rPr>
-              <a:t>por</a:t>
-            </a:r>
-            <a:r>
-              <a:rPr sz="1600" spc="-270" dirty="0">
-                <a:latin typeface="Trebuchet MS"/>
-                <a:cs typeface="Trebuchet MS"/>
-              </a:rPr>
-              <a:t> </a:t>
-            </a:r>
-            <a:r>
-              <a:rPr sz="1600" spc="-15" dirty="0">
-                <a:latin typeface="Trebuchet MS"/>
-                <a:cs typeface="Trebuchet MS"/>
-              </a:rPr>
-              <a:t>párrafo):</a:t>
-            </a:r>
-            <a:endParaRPr sz="1600" dirty="0">
-              <a:latin typeface="Trebuchet MS"/>
-              <a:cs typeface="Trebuchet MS"/>
-            </a:endParaRPr>
-          </a:p>
           <a:p>
             <a:pPr>
               <a:lnSpc>
@@ -8440,12 +7976,10 @@
             </a:endParaRPr>
           </a:p>
           <a:p>
-            <a:pPr marL="298450" indent="-285750">
+            <a:pPr marL="12700">
               <a:lnSpc>
                 <a:spcPct val="100000"/>
               </a:lnSpc>
-              <a:buFont typeface="Arial"/>
-              <a:buChar char="•"/>
               <a:tabLst>
                 <a:tab pos="297815" algn="l"/>
                 <a:tab pos="298450" algn="l"/>
@@ -8536,12 +8070,10 @@
             </a:endParaRPr>
           </a:p>
           <a:p>
-            <a:pPr marL="298450" indent="-285750">
+            <a:pPr marL="12700">
               <a:lnSpc>
                 <a:spcPct val="100000"/>
               </a:lnSpc>
-              <a:buFont typeface="Arial"/>
-              <a:buChar char="•"/>
               <a:tabLst>
                 <a:tab pos="297815" algn="l"/>
                 <a:tab pos="298450" algn="l"/>
